--- a/Capstone Presentation.pptx
+++ b/Capstone Presentation.pptx
@@ -6,26 +6,32 @@
     <p:sldMasterId id="2147483669" r:id="rId2"/>
   </p:sldMasterIdLst>
   <p:notesMasterIdLst>
-    <p:notesMasterId r:id="rId20"/>
+    <p:notesMasterId r:id="rId26"/>
   </p:notesMasterIdLst>
   <p:sldIdLst>
     <p:sldId id="256" r:id="rId3"/>
     <p:sldId id="257" r:id="rId4"/>
     <p:sldId id="258" r:id="rId5"/>
     <p:sldId id="259" r:id="rId6"/>
-    <p:sldId id="260" r:id="rId7"/>
-    <p:sldId id="264" r:id="rId8"/>
-    <p:sldId id="263" r:id="rId9"/>
-    <p:sldId id="277" r:id="rId10"/>
-    <p:sldId id="267" r:id="rId11"/>
-    <p:sldId id="272" r:id="rId12"/>
-    <p:sldId id="278" r:id="rId13"/>
-    <p:sldId id="279" r:id="rId14"/>
-    <p:sldId id="280" r:id="rId15"/>
-    <p:sldId id="273" r:id="rId16"/>
-    <p:sldId id="274" r:id="rId17"/>
-    <p:sldId id="275" r:id="rId18"/>
-    <p:sldId id="276" r:id="rId19"/>
+    <p:sldId id="286" r:id="rId7"/>
+    <p:sldId id="263" r:id="rId8"/>
+    <p:sldId id="260" r:id="rId9"/>
+    <p:sldId id="264" r:id="rId10"/>
+    <p:sldId id="277" r:id="rId11"/>
+    <p:sldId id="267" r:id="rId12"/>
+    <p:sldId id="272" r:id="rId13"/>
+    <p:sldId id="285" r:id="rId14"/>
+    <p:sldId id="278" r:id="rId15"/>
+    <p:sldId id="279" r:id="rId16"/>
+    <p:sldId id="280" r:id="rId17"/>
+    <p:sldId id="273" r:id="rId18"/>
+    <p:sldId id="281" r:id="rId19"/>
+    <p:sldId id="282" r:id="rId20"/>
+    <p:sldId id="283" r:id="rId21"/>
+    <p:sldId id="284" r:id="rId22"/>
+    <p:sldId id="274" r:id="rId23"/>
+    <p:sldId id="275" r:id="rId24"/>
+    <p:sldId id="276" r:id="rId25"/>
   </p:sldIdLst>
   <p:sldSz cx="12192000" cy="6858000"/>
   <p:notesSz cx="6858000" cy="9144000"/>
@@ -437,7 +443,6 @@
     </c:plotArea>
     <c:legend>
       <c:legendPos val="b"/>
-      <c:layout/>
       <c:overlay val="0"/>
       <c:spPr>
         <a:noFill/>
@@ -1176,7 +1181,7 @@
           <a:p>
             <a:fld id="{7B792147-BCC7-411E-92E1-C4FEEB4EB362}" type="datetimeFigureOut">
               <a:rPr lang="en-US" smtClean="0"/>
-              <a:t>4/26/2018</a:t>
+              <a:t>4/27/2018</a:t>
             </a:fld>
             <a:endParaRPr lang="en-US"/>
           </a:p>
@@ -1564,7 +1569,7 @@
                 <a:tabLst/>
                 <a:defRPr/>
               </a:pPr>
-              <a:t>6</a:t>
+              <a:t>8</a:t>
             </a:fld>
             <a:endParaRPr kumimoji="0" lang="en-US" sz="1200" b="0" i="0" u="none" strike="noStrike" kern="1200" cap="none" spc="0" normalizeH="0" baseline="0" noProof="0">
               <a:ln>
@@ -1597,150 +1602,6 @@
 </file>
 
 <file path=ppt/notesSlides/notesSlide2.xml><?xml version="1.0" encoding="utf-8"?>
-<p:notes xmlns:a="http://schemas.openxmlformats.org/drawingml/2006/main" xmlns:r="http://schemas.openxmlformats.org/officeDocument/2006/relationships" xmlns:p="http://schemas.openxmlformats.org/presentationml/2006/main">
-  <p:cSld>
-    <p:spTree>
-      <p:nvGrpSpPr>
-        <p:cNvPr id="1" name=""/>
-        <p:cNvGrpSpPr/>
-        <p:nvPr/>
-      </p:nvGrpSpPr>
-      <p:grpSpPr>
-        <a:xfrm>
-          <a:off x="0" y="0"/>
-          <a:ext cx="0" cy="0"/>
-          <a:chOff x="0" y="0"/>
-          <a:chExt cx="0" cy="0"/>
-        </a:xfrm>
-      </p:grpSpPr>
-      <p:sp>
-        <p:nvSpPr>
-          <p:cNvPr id="2" name="Slide Image Placeholder 1"/>
-          <p:cNvSpPr>
-            <a:spLocks noGrp="1" noRot="1" noChangeAspect="1"/>
-          </p:cNvSpPr>
-          <p:nvPr>
-            <p:ph type="sldImg"/>
-          </p:nvPr>
-        </p:nvSpPr>
-        <p:spPr/>
-      </p:sp>
-      <p:sp>
-        <p:nvSpPr>
-          <p:cNvPr id="3" name="Notes Placeholder 2"/>
-          <p:cNvSpPr>
-            <a:spLocks noGrp="1"/>
-          </p:cNvSpPr>
-          <p:nvPr>
-            <p:ph type="body" idx="1"/>
-          </p:nvPr>
-        </p:nvSpPr>
-        <p:spPr/>
-        <p:txBody>
-          <a:bodyPr/>
-          <a:lstStyle/>
-          <a:p>
-            <a:endParaRPr lang="en-US" dirty="0"/>
-          </a:p>
-        </p:txBody>
-      </p:sp>
-      <p:sp>
-        <p:nvSpPr>
-          <p:cNvPr id="4" name="Slide Number Placeholder 3"/>
-          <p:cNvSpPr>
-            <a:spLocks noGrp="1"/>
-          </p:cNvSpPr>
-          <p:nvPr>
-            <p:ph type="sldNum" sz="quarter" idx="10"/>
-          </p:nvPr>
-        </p:nvSpPr>
-        <p:spPr/>
-        <p:txBody>
-          <a:bodyPr/>
-          <a:lstStyle/>
-          <a:p>
-            <a:pPr marL="0" marR="0" lvl="0" indent="0" algn="r" defTabSz="457200" rtl="0" eaLnBrk="1" fontAlgn="auto" latinLnBrk="0" hangingPunct="1">
-              <a:lnSpc>
-                <a:spcPct val="100000"/>
-              </a:lnSpc>
-              <a:spcBef>
-                <a:spcPts val="0"/>
-              </a:spcBef>
-              <a:spcAft>
-                <a:spcPts val="0"/>
-              </a:spcAft>
-              <a:buClrTx/>
-              <a:buSzTx/>
-              <a:buFontTx/>
-              <a:buNone/>
-              <a:tabLst/>
-              <a:defRPr/>
-            </a:pPr>
-            <a:fld id="{910071E1-6A39-44E2-849E-B0D8D331E641}" type="slidenum">
-              <a:rPr kumimoji="0" lang="en-US" sz="1200" b="0" i="0" u="none" strike="noStrike" kern="1200" cap="none" spc="0" normalizeH="0" baseline="0" noProof="0" smtClean="0">
-                <a:ln>
-                  <a:noFill/>
-                </a:ln>
-                <a:solidFill>
-                  <a:prstClr val="black"/>
-                </a:solidFill>
-                <a:effectLst/>
-                <a:uLnTx/>
-                <a:uFillTx/>
-                <a:latin typeface="Calibri" panose="020F0502020204030204"/>
-                <a:ea typeface="+mn-ea"/>
-                <a:cs typeface="+mn-cs"/>
-              </a:rPr>
-              <a:pPr marL="0" marR="0" lvl="0" indent="0" algn="r" defTabSz="457200" rtl="0" eaLnBrk="1" fontAlgn="auto" latinLnBrk="0" hangingPunct="1">
-                <a:lnSpc>
-                  <a:spcPct val="100000"/>
-                </a:lnSpc>
-                <a:spcBef>
-                  <a:spcPts val="0"/>
-                </a:spcBef>
-                <a:spcAft>
-                  <a:spcPts val="0"/>
-                </a:spcAft>
-                <a:buClrTx/>
-                <a:buSzTx/>
-                <a:buFontTx/>
-                <a:buNone/>
-                <a:tabLst/>
-                <a:defRPr/>
-              </a:pPr>
-              <a:t>9</a:t>
-            </a:fld>
-            <a:endParaRPr kumimoji="0" lang="en-US" sz="1200" b="0" i="0" u="none" strike="noStrike" kern="1200" cap="none" spc="0" normalizeH="0" baseline="0" noProof="0">
-              <a:ln>
-                <a:noFill/>
-              </a:ln>
-              <a:solidFill>
-                <a:prstClr val="black"/>
-              </a:solidFill>
-              <a:effectLst/>
-              <a:uLnTx/>
-              <a:uFillTx/>
-              <a:latin typeface="Calibri" panose="020F0502020204030204"/>
-              <a:ea typeface="+mn-ea"/>
-              <a:cs typeface="+mn-cs"/>
-            </a:endParaRPr>
-          </a:p>
-        </p:txBody>
-      </p:sp>
-    </p:spTree>
-    <p:extLst>
-      <p:ext uri="{BB962C8B-B14F-4D97-AF65-F5344CB8AC3E}">
-        <p14:creationId xmlns:p14="http://schemas.microsoft.com/office/powerpoint/2010/main" val="214407575"/>
-      </p:ext>
-    </p:extLst>
-  </p:cSld>
-  <p:clrMapOvr>
-    <a:masterClrMapping/>
-  </p:clrMapOvr>
-</p:notes>
-</file>
-
-<file path=ppt/notesSlides/notesSlide3.xml><?xml version="1.0" encoding="utf-8"?>
 <p:notes xmlns:a="http://schemas.openxmlformats.org/drawingml/2006/main" xmlns:r="http://schemas.openxmlformats.org/officeDocument/2006/relationships" xmlns:p="http://schemas.openxmlformats.org/presentationml/2006/main">
   <p:cSld>
     <p:spTree>
@@ -1874,6 +1735,150 @@
     </p:spTree>
     <p:extLst>
       <p:ext uri="{BB962C8B-B14F-4D97-AF65-F5344CB8AC3E}">
+        <p14:creationId xmlns:p14="http://schemas.microsoft.com/office/powerpoint/2010/main" val="214407575"/>
+      </p:ext>
+    </p:extLst>
+  </p:cSld>
+  <p:clrMapOvr>
+    <a:masterClrMapping/>
+  </p:clrMapOvr>
+</p:notes>
+</file>
+
+<file path=ppt/notesSlides/notesSlide3.xml><?xml version="1.0" encoding="utf-8"?>
+<p:notes xmlns:a="http://schemas.openxmlformats.org/drawingml/2006/main" xmlns:r="http://schemas.openxmlformats.org/officeDocument/2006/relationships" xmlns:p="http://schemas.openxmlformats.org/presentationml/2006/main">
+  <p:cSld>
+    <p:spTree>
+      <p:nvGrpSpPr>
+        <p:cNvPr id="1" name=""/>
+        <p:cNvGrpSpPr/>
+        <p:nvPr/>
+      </p:nvGrpSpPr>
+      <p:grpSpPr>
+        <a:xfrm>
+          <a:off x="0" y="0"/>
+          <a:ext cx="0" cy="0"/>
+          <a:chOff x="0" y="0"/>
+          <a:chExt cx="0" cy="0"/>
+        </a:xfrm>
+      </p:grpSpPr>
+      <p:sp>
+        <p:nvSpPr>
+          <p:cNvPr id="2" name="Slide Image Placeholder 1"/>
+          <p:cNvSpPr>
+            <a:spLocks noGrp="1" noRot="1" noChangeAspect="1"/>
+          </p:cNvSpPr>
+          <p:nvPr>
+            <p:ph type="sldImg"/>
+          </p:nvPr>
+        </p:nvSpPr>
+        <p:spPr/>
+      </p:sp>
+      <p:sp>
+        <p:nvSpPr>
+          <p:cNvPr id="3" name="Notes Placeholder 2"/>
+          <p:cNvSpPr>
+            <a:spLocks noGrp="1"/>
+          </p:cNvSpPr>
+          <p:nvPr>
+            <p:ph type="body" idx="1"/>
+          </p:nvPr>
+        </p:nvSpPr>
+        <p:spPr/>
+        <p:txBody>
+          <a:bodyPr/>
+          <a:lstStyle/>
+          <a:p>
+            <a:endParaRPr lang="en-US" dirty="0"/>
+          </a:p>
+        </p:txBody>
+      </p:sp>
+      <p:sp>
+        <p:nvSpPr>
+          <p:cNvPr id="4" name="Slide Number Placeholder 3"/>
+          <p:cNvSpPr>
+            <a:spLocks noGrp="1"/>
+          </p:cNvSpPr>
+          <p:nvPr>
+            <p:ph type="sldNum" sz="quarter" idx="10"/>
+          </p:nvPr>
+        </p:nvSpPr>
+        <p:spPr/>
+        <p:txBody>
+          <a:bodyPr/>
+          <a:lstStyle/>
+          <a:p>
+            <a:pPr marL="0" marR="0" lvl="0" indent="0" algn="r" defTabSz="457200" rtl="0" eaLnBrk="1" fontAlgn="auto" latinLnBrk="0" hangingPunct="1">
+              <a:lnSpc>
+                <a:spcPct val="100000"/>
+              </a:lnSpc>
+              <a:spcBef>
+                <a:spcPts val="0"/>
+              </a:spcBef>
+              <a:spcAft>
+                <a:spcPts val="0"/>
+              </a:spcAft>
+              <a:buClrTx/>
+              <a:buSzTx/>
+              <a:buFontTx/>
+              <a:buNone/>
+              <a:tabLst/>
+              <a:defRPr/>
+            </a:pPr>
+            <a:fld id="{910071E1-6A39-44E2-849E-B0D8D331E641}" type="slidenum">
+              <a:rPr kumimoji="0" lang="en-US" sz="1200" b="0" i="0" u="none" strike="noStrike" kern="1200" cap="none" spc="0" normalizeH="0" baseline="0" noProof="0" smtClean="0">
+                <a:ln>
+                  <a:noFill/>
+                </a:ln>
+                <a:solidFill>
+                  <a:prstClr val="black"/>
+                </a:solidFill>
+                <a:effectLst/>
+                <a:uLnTx/>
+                <a:uFillTx/>
+                <a:latin typeface="Calibri" panose="020F0502020204030204"/>
+                <a:ea typeface="+mn-ea"/>
+                <a:cs typeface="+mn-cs"/>
+              </a:rPr>
+              <a:pPr marL="0" marR="0" lvl="0" indent="0" algn="r" defTabSz="457200" rtl="0" eaLnBrk="1" fontAlgn="auto" latinLnBrk="0" hangingPunct="1">
+                <a:lnSpc>
+                  <a:spcPct val="100000"/>
+                </a:lnSpc>
+                <a:spcBef>
+                  <a:spcPts val="0"/>
+                </a:spcBef>
+                <a:spcAft>
+                  <a:spcPts val="0"/>
+                </a:spcAft>
+                <a:buClrTx/>
+                <a:buSzTx/>
+                <a:buFontTx/>
+                <a:buNone/>
+                <a:tabLst/>
+                <a:defRPr/>
+              </a:pPr>
+              <a:t>11</a:t>
+            </a:fld>
+            <a:endParaRPr kumimoji="0" lang="en-US" sz="1200" b="0" i="0" u="none" strike="noStrike" kern="1200" cap="none" spc="0" normalizeH="0" baseline="0" noProof="0">
+              <a:ln>
+                <a:noFill/>
+              </a:ln>
+              <a:solidFill>
+                <a:prstClr val="black"/>
+              </a:solidFill>
+              <a:effectLst/>
+              <a:uLnTx/>
+              <a:uFillTx/>
+              <a:latin typeface="Calibri" panose="020F0502020204030204"/>
+              <a:ea typeface="+mn-ea"/>
+              <a:cs typeface="+mn-cs"/>
+            </a:endParaRPr>
+          </a:p>
+        </p:txBody>
+      </p:sp>
+    </p:spTree>
+    <p:extLst>
+      <p:ext uri="{BB962C8B-B14F-4D97-AF65-F5344CB8AC3E}">
         <p14:creationId xmlns:p14="http://schemas.microsoft.com/office/powerpoint/2010/main" val="2561949478"/>
       </p:ext>
     </p:extLst>
@@ -2055,7 +2060,7 @@
           <a:p>
             <a:fld id="{48A87A34-81AB-432B-8DAE-1953F412C126}" type="datetimeFigureOut">
               <a:rPr lang="en-US" dirty="0"/>
-              <a:t>4/26/2018</a:t>
+              <a:t>4/27/2018</a:t>
             </a:fld>
             <a:endParaRPr lang="en-US" dirty="0"/>
           </a:p>
@@ -2362,7 +2367,7 @@
           <a:p>
             <a:fld id="{48A87A34-81AB-432B-8DAE-1953F412C126}" type="datetimeFigureOut">
               <a:rPr lang="en-US" dirty="0"/>
-              <a:t>4/26/2018</a:t>
+              <a:t>4/27/2018</a:t>
             </a:fld>
             <a:endParaRPr lang="en-US" dirty="0"/>
           </a:p>
@@ -2579,7 +2584,7 @@
           <a:p>
             <a:fld id="{48A87A34-81AB-432B-8DAE-1953F412C126}" type="datetimeFigureOut">
               <a:rPr lang="en-US" dirty="0"/>
-              <a:t>4/26/2018</a:t>
+              <a:t>4/27/2018</a:t>
             </a:fld>
             <a:endParaRPr lang="en-US" dirty="0"/>
           </a:p>
@@ -2865,7 +2870,7 @@
           <a:p>
             <a:fld id="{48A87A34-81AB-432B-8DAE-1953F412C126}" type="datetimeFigureOut">
               <a:rPr lang="en-US" dirty="0"/>
-              <a:t>4/26/2018</a:t>
+              <a:t>4/27/2018</a:t>
             </a:fld>
             <a:endParaRPr lang="en-US" dirty="0"/>
           </a:p>
@@ -3314,7 +3319,7 @@
           <a:p>
             <a:fld id="{48A87A34-81AB-432B-8DAE-1953F412C126}" type="datetimeFigureOut">
               <a:rPr lang="en-US" dirty="0"/>
-              <a:t>4/26/2018</a:t>
+              <a:t>4/27/2018</a:t>
             </a:fld>
             <a:endParaRPr lang="en-US" dirty="0"/>
           </a:p>
@@ -3885,7 +3890,7 @@
           <a:p>
             <a:fld id="{48A87A34-81AB-432B-8DAE-1953F412C126}" type="datetimeFigureOut">
               <a:rPr lang="en-US" dirty="0"/>
-              <a:t>4/26/2018</a:t>
+              <a:t>4/27/2018</a:t>
             </a:fld>
             <a:endParaRPr lang="en-US" dirty="0"/>
           </a:p>
@@ -4732,7 +4737,7 @@
           <a:p>
             <a:fld id="{48A87A34-81AB-432B-8DAE-1953F412C126}" type="datetimeFigureOut">
               <a:rPr lang="en-US" dirty="0"/>
-              <a:t>4/26/2018</a:t>
+              <a:t>4/27/2018</a:t>
             </a:fld>
             <a:endParaRPr lang="en-US" dirty="0"/>
           </a:p>
@@ -4932,7 +4937,7 @@
           <a:p>
             <a:fld id="{48A87A34-81AB-432B-8DAE-1953F412C126}" type="datetimeFigureOut">
               <a:rPr lang="en-US" dirty="0"/>
-              <a:t>4/26/2018</a:t>
+              <a:t>4/27/2018</a:t>
             </a:fld>
             <a:endParaRPr lang="en-US" dirty="0"/>
           </a:p>
@@ -5141,7 +5146,7 @@
           <a:p>
             <a:fld id="{48A87A34-81AB-432B-8DAE-1953F412C126}" type="datetimeFigureOut">
               <a:rPr lang="en-US" dirty="0"/>
-              <a:t>4/26/2018</a:t>
+              <a:t>4/27/2018</a:t>
             </a:fld>
             <a:endParaRPr lang="en-US" dirty="0"/>
           </a:p>
@@ -5406,7 +5411,7 @@
           <a:p>
             <a:fld id="{FE1EE089-491B-4D57-B91C-7AFD57E20009}" type="datetime1">
               <a:rPr lang="en-US" smtClean="0"/>
-              <a:t>4/26/2018</a:t>
+              <a:t>4/27/2018</a:t>
             </a:fld>
             <a:endParaRPr lang="en-US"/>
           </a:p>
@@ -5815,7 +5820,7 @@
           <a:p>
             <a:fld id="{48A87A34-81AB-432B-8DAE-1953F412C126}" type="datetimeFigureOut">
               <a:rPr lang="en-US" dirty="0"/>
-              <a:t>4/26/2018</a:t>
+              <a:t>4/27/2018</a:t>
             </a:fld>
             <a:endParaRPr lang="en-US" dirty="0"/>
           </a:p>
@@ -6064,7 +6069,7 @@
           <a:p>
             <a:fld id="{D3E6C14A-C1C9-468A-84A1-A5431EACEFB5}" type="datetime1">
               <a:rPr lang="en-US" smtClean="0"/>
-              <a:t>4/26/2018</a:t>
+              <a:t>4/27/2018</a:t>
             </a:fld>
             <a:endParaRPr lang="en-US"/>
           </a:p>
@@ -6392,7 +6397,7 @@
           <a:p>
             <a:fld id="{D43472F1-3952-4503-8344-FC01477074DF}" type="datetime1">
               <a:rPr lang="en-US" smtClean="0"/>
-              <a:t>4/26/2018</a:t>
+              <a:t>4/27/2018</a:t>
             </a:fld>
             <a:endParaRPr lang="en-US"/>
           </a:p>
@@ -6838,7 +6843,7 @@
           <a:p>
             <a:fld id="{F1141425-65D8-4D1D-BC00-745F272508EF}" type="datetime1">
               <a:rPr lang="en-US" smtClean="0"/>
-              <a:t>4/26/2018</a:t>
+              <a:t>4/27/2018</a:t>
             </a:fld>
             <a:endParaRPr lang="en-US"/>
           </a:p>
@@ -6980,7 +6985,7 @@
           <a:p>
             <a:fld id="{309C56CB-397B-4C9B-9EFC-CBF534F53E4B}" type="datetime1">
               <a:rPr lang="en-US" smtClean="0"/>
-              <a:t>4/26/2018</a:t>
+              <a:t>4/27/2018</a:t>
             </a:fld>
             <a:endParaRPr lang="en-US"/>
           </a:p>
@@ -7099,7 +7104,7 @@
           <a:p>
             <a:fld id="{52D23DDF-99F2-4AA4-8FD7-366F3FD78F85}" type="datetime1">
               <a:rPr lang="en-US" smtClean="0"/>
-              <a:t>4/26/2018</a:t>
+              <a:t>4/27/2018</a:t>
             </a:fld>
             <a:endParaRPr lang="en-US"/>
           </a:p>
@@ -7400,7 +7405,7 @@
           <a:p>
             <a:fld id="{E6084F7C-E9E8-4111-A001-546D804B477A}" type="datetime1">
               <a:rPr lang="en-US" smtClean="0"/>
-              <a:t>4/26/2018</a:t>
+              <a:t>4/27/2018</a:t>
             </a:fld>
             <a:endParaRPr lang="en-US"/>
           </a:p>
@@ -7677,7 +7682,7 @@
           <a:p>
             <a:fld id="{1FF7E1E2-FB75-4C59-AED5-B3E200865E63}" type="datetime1">
               <a:rPr lang="en-US" smtClean="0"/>
-              <a:t>4/26/2018</a:t>
+              <a:t>4/27/2018</a:t>
             </a:fld>
             <a:endParaRPr lang="en-US"/>
           </a:p>
@@ -7871,7 +7876,7 @@
           <a:p>
             <a:fld id="{2A582A41-123F-4622-BE64-6791A77FF33B}" type="datetime1">
               <a:rPr lang="en-US" smtClean="0"/>
-              <a:t>4/26/2018</a:t>
+              <a:t>4/27/2018</a:t>
             </a:fld>
             <a:endParaRPr lang="en-US"/>
           </a:p>
@@ -8075,7 +8080,7 @@
           <a:p>
             <a:fld id="{3D710422-FBD7-4A61-AA13-A87D99296692}" type="datetime1">
               <a:rPr lang="en-US" smtClean="0"/>
-              <a:t>4/26/2018</a:t>
+              <a:t>4/27/2018</a:t>
             </a:fld>
             <a:endParaRPr lang="en-US"/>
           </a:p>
@@ -8371,7 +8376,7 @@
           <a:p>
             <a:fld id="{48A87A34-81AB-432B-8DAE-1953F412C126}" type="datetimeFigureOut">
               <a:rPr lang="en-US" dirty="0"/>
-              <a:t>4/26/2018</a:t>
+              <a:t>4/27/2018</a:t>
             </a:fld>
             <a:endParaRPr lang="en-US" dirty="0"/>
           </a:p>
@@ -8633,7 +8638,7 @@
           <a:p>
             <a:fld id="{48A87A34-81AB-432B-8DAE-1953F412C126}" type="datetimeFigureOut">
               <a:rPr lang="en-US" dirty="0"/>
-              <a:t>4/26/2018</a:t>
+              <a:t>4/27/2018</a:t>
             </a:fld>
             <a:endParaRPr lang="en-US" dirty="0"/>
           </a:p>
@@ -9043,7 +9048,7 @@
           <a:p>
             <a:fld id="{48A87A34-81AB-432B-8DAE-1953F412C126}" type="datetimeFigureOut">
               <a:rPr lang="en-US" dirty="0"/>
-              <a:t>4/26/2018</a:t>
+              <a:t>4/27/2018</a:t>
             </a:fld>
             <a:endParaRPr lang="en-US" dirty="0"/>
           </a:p>
@@ -9186,7 +9191,7 @@
           <a:p>
             <a:fld id="{48A87A34-81AB-432B-8DAE-1953F412C126}" type="datetimeFigureOut">
               <a:rPr lang="en-US" dirty="0"/>
-              <a:t>4/26/2018</a:t>
+              <a:t>4/27/2018</a:t>
             </a:fld>
             <a:endParaRPr lang="en-US" dirty="0"/>
           </a:p>
@@ -9306,7 +9311,7 @@
           <a:p>
             <a:fld id="{48A87A34-81AB-432B-8DAE-1953F412C126}" type="datetimeFigureOut">
               <a:rPr lang="en-US" dirty="0"/>
-              <a:t>4/26/2018</a:t>
+              <a:t>4/27/2018</a:t>
             </a:fld>
             <a:endParaRPr lang="en-US" dirty="0"/>
           </a:p>
@@ -9580,7 +9585,7 @@
           <a:p>
             <a:fld id="{48A87A34-81AB-432B-8DAE-1953F412C126}" type="datetimeFigureOut">
               <a:rPr lang="en-US" dirty="0"/>
-              <a:t>4/26/2018</a:t>
+              <a:t>4/27/2018</a:t>
             </a:fld>
             <a:endParaRPr lang="en-US" dirty="0"/>
           </a:p>
@@ -9887,7 +9892,7 @@
           <a:p>
             <a:fld id="{48A87A34-81AB-432B-8DAE-1953F412C126}" type="datetimeFigureOut">
               <a:rPr lang="en-US" dirty="0"/>
-              <a:t>4/26/2018</a:t>
+              <a:t>4/27/2018</a:t>
             </a:fld>
             <a:endParaRPr lang="en-US" dirty="0"/>
           </a:p>
@@ -10136,7 +10141,7 @@
             <a:fld id="{48A87A34-81AB-432B-8DAE-1953F412C126}" type="datetimeFigureOut">
               <a:rPr lang="en-US" dirty="0"/>
               <a:pPr/>
-              <a:t>4/26/2018</a:t>
+              <a:t>4/27/2018</a:t>
             </a:fld>
             <a:endParaRPr lang="en-US" dirty="0"/>
           </a:p>
@@ -11086,1684 +11091,10 @@
             <p:ph type="title"/>
           </p:nvPr>
         </p:nvSpPr>
-        <p:spPr/>
-        <p:txBody>
-          <a:bodyPr/>
-          <a:lstStyle/>
-          <a:p>
-            <a:pPr algn="ctr"/>
-            <a:r>
-              <a:rPr lang="en-US" dirty="0" smtClean="0"/>
-              <a:t>Satisfaction</a:t>
-            </a:r>
-            <a:endParaRPr lang="en-US" dirty="0"/>
-          </a:p>
-        </p:txBody>
-      </p:sp>
-      <p:graphicFrame>
-        <p:nvGraphicFramePr>
-          <p:cNvPr id="6" name="Content Placeholder 5"/>
-          <p:cNvGraphicFramePr>
-            <a:graphicFrameLocks noGrp="1"/>
-          </p:cNvGraphicFramePr>
-          <p:nvPr>
-            <p:ph idx="1"/>
-            <p:extLst/>
-          </p:nvPr>
-        </p:nvGraphicFramePr>
-        <p:xfrm>
-          <a:off x="1981200" y="1155701"/>
-          <a:ext cx="8229600" cy="4970463"/>
-        </p:xfrm>
-        <a:graphic>
-          <a:graphicData uri="http://schemas.openxmlformats.org/drawingml/2006/chart">
-            <c:chart xmlns:c="http://schemas.openxmlformats.org/drawingml/2006/chart" xmlns:r="http://schemas.openxmlformats.org/officeDocument/2006/relationships" r:id="rId3"/>
-          </a:graphicData>
-        </a:graphic>
-      </p:graphicFrame>
-    </p:spTree>
-    <p:extLst>
-      <p:ext uri="{BB962C8B-B14F-4D97-AF65-F5344CB8AC3E}">
-        <p14:creationId xmlns:p14="http://schemas.microsoft.com/office/powerpoint/2010/main" val="3252945752"/>
-      </p:ext>
-    </p:extLst>
-  </p:cSld>
-  <p:clrMapOvr>
-    <a:masterClrMapping/>
-  </p:clrMapOvr>
-  <p:timing>
-    <p:tnLst>
-      <p:par>
-        <p:cTn id="1" dur="indefinite" restart="never" nodeType="tmRoot"/>
-      </p:par>
-    </p:tnLst>
-  </p:timing>
-</p:sld>
-</file>
-
-<file path=ppt/slides/slide11.xml><?xml version="1.0" encoding="utf-8"?>
-<p:sld xmlns:a="http://schemas.openxmlformats.org/drawingml/2006/main" xmlns:r="http://schemas.openxmlformats.org/officeDocument/2006/relationships" xmlns:p="http://schemas.openxmlformats.org/presentationml/2006/main">
-  <p:cSld>
-    <p:spTree>
-      <p:nvGrpSpPr>
-        <p:cNvPr id="1" name=""/>
-        <p:cNvGrpSpPr/>
-        <p:nvPr/>
-      </p:nvGrpSpPr>
-      <p:grpSpPr>
-        <a:xfrm>
-          <a:off x="0" y="0"/>
-          <a:ext cx="0" cy="0"/>
-          <a:chOff x="0" y="0"/>
-          <a:chExt cx="0" cy="0"/>
-        </a:xfrm>
-      </p:grpSpPr>
-      <p:sp>
-        <p:nvSpPr>
-          <p:cNvPr id="4" name="Title 3"/>
-          <p:cNvSpPr>
-            <a:spLocks noGrp="1"/>
-          </p:cNvSpPr>
-          <p:nvPr>
-            <p:ph type="title"/>
-          </p:nvPr>
-        </p:nvSpPr>
-        <p:spPr>
-          <a:xfrm>
-            <a:off x="913774" y="94816"/>
-            <a:ext cx="10364451" cy="944276"/>
-          </a:xfrm>
-        </p:spPr>
-        <p:txBody>
-          <a:bodyPr/>
-          <a:lstStyle/>
-          <a:p>
-            <a:r>
-              <a:rPr lang="en-US" dirty="0" smtClean="0"/>
-              <a:t>Data Science Process</a:t>
-            </a:r>
-            <a:endParaRPr lang="en-US" dirty="0"/>
-          </a:p>
-        </p:txBody>
-      </p:sp>
-      <p:sp>
-        <p:nvSpPr>
-          <p:cNvPr id="5" name="Content Placeholder 4"/>
-          <p:cNvSpPr>
-            <a:spLocks noGrp="1"/>
-          </p:cNvSpPr>
-          <p:nvPr>
-            <p:ph sz="quarter" idx="13"/>
-          </p:nvPr>
-        </p:nvSpPr>
-        <p:spPr>
-          <a:xfrm>
-            <a:off x="913774" y="1236561"/>
-            <a:ext cx="10363826" cy="3424107"/>
-          </a:xfrm>
-        </p:spPr>
-        <p:txBody>
-          <a:bodyPr/>
-          <a:lstStyle/>
-          <a:p>
-            <a:pPr marL="457200" indent="-457200">
-              <a:buFont typeface="+mj-lt"/>
-              <a:buAutoNum type="arabicPeriod"/>
-            </a:pPr>
-            <a:r>
-              <a:rPr lang="en-US" sz="2800" cap="none" dirty="0" smtClean="0"/>
-              <a:t>Extensive data process of obtaining, cleaning, merging &amp; carpentry</a:t>
-            </a:r>
-          </a:p>
-          <a:p>
-            <a:pPr marL="457200" indent="-457200">
-              <a:buFont typeface="+mj-lt"/>
-              <a:buAutoNum type="arabicPeriod"/>
-            </a:pPr>
-            <a:r>
-              <a:rPr lang="en-US" sz="2800" cap="none" dirty="0" smtClean="0"/>
-              <a:t>Python</a:t>
-            </a:r>
-          </a:p>
-          <a:p>
-            <a:pPr marL="914400" lvl="1" indent="-457200">
-              <a:buFont typeface="+mj-lt"/>
-              <a:buAutoNum type="arabicPeriod"/>
-            </a:pPr>
-            <a:r>
-              <a:rPr lang="en-US" sz="2400" cap="none" dirty="0" smtClean="0"/>
-              <a:t>Load and review, imputation of missing values, balance data, split data</a:t>
-            </a:r>
-          </a:p>
-          <a:p>
-            <a:pPr marL="914400" lvl="1" indent="-457200">
-              <a:buFont typeface="+mj-lt"/>
-              <a:buAutoNum type="arabicPeriod"/>
-            </a:pPr>
-            <a:r>
-              <a:rPr lang="en-US" sz="2400" cap="none" dirty="0" smtClean="0"/>
-              <a:t>Review regression and correlation</a:t>
-            </a:r>
-          </a:p>
-          <a:p>
-            <a:pPr marL="914400" lvl="1" indent="-457200">
-              <a:buFont typeface="+mj-lt"/>
-              <a:buAutoNum type="arabicPeriod"/>
-            </a:pPr>
-            <a:r>
-              <a:rPr lang="en-US" sz="2400" cap="none" dirty="0" smtClean="0"/>
-              <a:t>Run Machine Learn Algorithms</a:t>
-            </a:r>
-          </a:p>
-          <a:p>
-            <a:pPr marL="457200" lvl="1" indent="0">
-              <a:buNone/>
-            </a:pPr>
-            <a:endParaRPr lang="en-US" cap="none" dirty="0" smtClean="0"/>
-          </a:p>
-        </p:txBody>
-      </p:sp>
-    </p:spTree>
-    <p:extLst>
-      <p:ext uri="{BB962C8B-B14F-4D97-AF65-F5344CB8AC3E}">
-        <p14:creationId xmlns:p14="http://schemas.microsoft.com/office/powerpoint/2010/main" val="153087222"/>
-      </p:ext>
-    </p:extLst>
-  </p:cSld>
-  <p:clrMapOvr>
-    <a:masterClrMapping/>
-  </p:clrMapOvr>
-</p:sld>
-</file>
-
-<file path=ppt/slides/slide12.xml><?xml version="1.0" encoding="utf-8"?>
-<p:sld xmlns:a="http://schemas.openxmlformats.org/drawingml/2006/main" xmlns:r="http://schemas.openxmlformats.org/officeDocument/2006/relationships" xmlns:p="http://schemas.openxmlformats.org/presentationml/2006/main">
-  <p:cSld>
-    <p:spTree>
-      <p:nvGrpSpPr>
-        <p:cNvPr id="1" name=""/>
-        <p:cNvGrpSpPr/>
-        <p:nvPr/>
-      </p:nvGrpSpPr>
-      <p:grpSpPr>
-        <a:xfrm>
-          <a:off x="0" y="0"/>
-          <a:ext cx="0" cy="0"/>
-          <a:chOff x="0" y="0"/>
-          <a:chExt cx="0" cy="0"/>
-        </a:xfrm>
-      </p:grpSpPr>
-      <p:sp>
-        <p:nvSpPr>
-          <p:cNvPr id="3" name="Content Placeholder 2"/>
-          <p:cNvSpPr>
-            <a:spLocks noGrp="1"/>
-          </p:cNvSpPr>
-          <p:nvPr>
-            <p:ph sz="quarter" idx="13"/>
-          </p:nvPr>
-        </p:nvSpPr>
-        <p:spPr/>
-        <p:txBody>
-          <a:bodyPr/>
-          <a:lstStyle/>
-          <a:p>
-            <a:endParaRPr lang="en-US" dirty="0"/>
-          </a:p>
-        </p:txBody>
-      </p:sp>
-      <p:sp>
-        <p:nvSpPr>
-          <p:cNvPr id="2" name="Title 1"/>
-          <p:cNvSpPr>
-            <a:spLocks noGrp="1"/>
-          </p:cNvSpPr>
-          <p:nvPr>
-            <p:ph type="title"/>
-          </p:nvPr>
-        </p:nvSpPr>
-        <p:spPr>
-          <a:xfrm>
-            <a:off x="1985554" y="-69461"/>
-            <a:ext cx="9292671" cy="1596177"/>
-          </a:xfrm>
-        </p:spPr>
-        <p:txBody>
-          <a:bodyPr/>
-          <a:lstStyle/>
-          <a:p>
-            <a:r>
-              <a:rPr lang="en-US" cap="none" dirty="0" smtClean="0"/>
-              <a:t>REVIEW REGRESSION AND CORRELATION</a:t>
-            </a:r>
-            <a:endParaRPr lang="en-US" cap="none" dirty="0"/>
-          </a:p>
-        </p:txBody>
-      </p:sp>
-      <p:pic>
-        <p:nvPicPr>
-          <p:cNvPr id="4" name="Picture 3"/>
-          <p:cNvPicPr>
-            <a:picLocks noChangeAspect="1"/>
-          </p:cNvPicPr>
-          <p:nvPr/>
-        </p:nvPicPr>
-        <p:blipFill>
-          <a:blip r:embed="rId2"/>
-          <a:stretch>
-            <a:fillRect/>
-          </a:stretch>
-        </p:blipFill>
-        <p:spPr>
-          <a:xfrm>
-            <a:off x="259043" y="1422292"/>
-            <a:ext cx="4922558" cy="2513982"/>
-          </a:xfrm>
-          <a:prstGeom prst="rect">
-            <a:avLst/>
-          </a:prstGeom>
-        </p:spPr>
-      </p:pic>
-      <p:pic>
-        <p:nvPicPr>
-          <p:cNvPr id="6" name="Picture 5"/>
-          <p:cNvPicPr>
-            <a:picLocks noChangeAspect="1"/>
-          </p:cNvPicPr>
-          <p:nvPr/>
-        </p:nvPicPr>
-        <p:blipFill>
-          <a:blip r:embed="rId3"/>
-          <a:stretch>
-            <a:fillRect/>
-          </a:stretch>
-        </p:blipFill>
-        <p:spPr>
-          <a:xfrm>
-            <a:off x="5315223" y="2623633"/>
-            <a:ext cx="6542857" cy="3704762"/>
-          </a:xfrm>
-          <a:prstGeom prst="rect">
-            <a:avLst/>
-          </a:prstGeom>
-        </p:spPr>
-      </p:pic>
-    </p:spTree>
-    <p:extLst>
-      <p:ext uri="{BB962C8B-B14F-4D97-AF65-F5344CB8AC3E}">
-        <p14:creationId xmlns:p14="http://schemas.microsoft.com/office/powerpoint/2010/main" val="4205477432"/>
-      </p:ext>
-    </p:extLst>
-  </p:cSld>
-  <p:clrMapOvr>
-    <a:masterClrMapping/>
-  </p:clrMapOvr>
-  <p:timing>
-    <p:tnLst>
-      <p:par>
-        <p:cTn id="1" dur="indefinite" restart="never" nodeType="tmRoot"/>
-      </p:par>
-    </p:tnLst>
-  </p:timing>
-</p:sld>
-</file>
-
-<file path=ppt/slides/slide13.xml><?xml version="1.0" encoding="utf-8"?>
-<p:sld xmlns:a="http://schemas.openxmlformats.org/drawingml/2006/main" xmlns:r="http://schemas.openxmlformats.org/officeDocument/2006/relationships" xmlns:p="http://schemas.openxmlformats.org/presentationml/2006/main">
-  <p:cSld>
-    <p:spTree>
-      <p:nvGrpSpPr>
-        <p:cNvPr id="1" name=""/>
-        <p:cNvGrpSpPr/>
-        <p:nvPr/>
-      </p:nvGrpSpPr>
-      <p:grpSpPr>
-        <a:xfrm>
-          <a:off x="0" y="0"/>
-          <a:ext cx="0" cy="0"/>
-          <a:chOff x="0" y="0"/>
-          <a:chExt cx="0" cy="0"/>
-        </a:xfrm>
-      </p:grpSpPr>
-      <p:sp>
-        <p:nvSpPr>
-          <p:cNvPr id="2" name="Title 1"/>
-          <p:cNvSpPr>
-            <a:spLocks noGrp="1"/>
-          </p:cNvSpPr>
-          <p:nvPr>
-            <p:ph type="title"/>
-          </p:nvPr>
-        </p:nvSpPr>
-        <p:spPr>
-          <a:xfrm>
-            <a:off x="913774" y="0"/>
-            <a:ext cx="10364451" cy="1166949"/>
-          </a:xfrm>
-        </p:spPr>
-        <p:txBody>
-          <a:bodyPr/>
-          <a:lstStyle/>
-          <a:p>
-            <a:r>
-              <a:rPr lang="en-US" dirty="0" smtClean="0"/>
-              <a:t>Machine Learning Results</a:t>
-            </a:r>
-            <a:endParaRPr lang="en-US" dirty="0"/>
-          </a:p>
-        </p:txBody>
-      </p:sp>
-      <p:sp>
-        <p:nvSpPr>
-          <p:cNvPr id="3" name="Content Placeholder 2"/>
-          <p:cNvSpPr>
-            <a:spLocks noGrp="1"/>
-          </p:cNvSpPr>
-          <p:nvPr>
-            <p:ph sz="quarter" idx="13"/>
-          </p:nvPr>
-        </p:nvSpPr>
-        <p:spPr>
-          <a:xfrm>
-            <a:off x="913774" y="1166949"/>
-            <a:ext cx="10363826" cy="5190307"/>
-          </a:xfrm>
-        </p:spPr>
-        <p:txBody>
-          <a:bodyPr>
-            <a:normAutofit lnSpcReduction="10000"/>
-          </a:bodyPr>
-          <a:lstStyle/>
-          <a:p>
-            <a:pPr marL="0" indent="-457200">
-              <a:spcBef>
-                <a:spcPts val="0"/>
-              </a:spcBef>
-              <a:buFont typeface="+mj-lt"/>
-              <a:buAutoNum type="arabicPeriod"/>
-            </a:pPr>
-            <a:r>
-              <a:rPr lang="en-US" kern="0" cap="none" dirty="0" smtClean="0"/>
-              <a:t>LogisticRegression 			train = .69  	test = .60</a:t>
-            </a:r>
-          </a:p>
-          <a:p>
-            <a:pPr marL="0" indent="-457200">
-              <a:spcBef>
-                <a:spcPts val="0"/>
-              </a:spcBef>
-              <a:buFont typeface="+mj-lt"/>
-              <a:buAutoNum type="arabicPeriod"/>
-            </a:pPr>
-            <a:r>
-              <a:rPr lang="en-US" kern="0" cap="none" dirty="0" err="1" smtClean="0"/>
-              <a:t>LogisticRegression</a:t>
-            </a:r>
-            <a:r>
-              <a:rPr lang="en-US" kern="0" cap="none" dirty="0" smtClean="0"/>
-              <a:t>(C=110) </a:t>
-            </a:r>
-            <a:r>
-              <a:rPr lang="en-US" kern="0" cap="none" dirty="0"/>
-              <a:t>	</a:t>
-            </a:r>
-            <a:r>
-              <a:rPr lang="en-US" kern="0" cap="none" dirty="0" smtClean="0"/>
-              <a:t>	train </a:t>
-            </a:r>
-            <a:r>
-              <a:rPr lang="en-US" kern="0" cap="none" dirty="0"/>
-              <a:t>= </a:t>
-            </a:r>
-            <a:r>
-              <a:rPr lang="en-US" kern="0" cap="none" dirty="0" smtClean="0"/>
-              <a:t>.70  </a:t>
-            </a:r>
-            <a:r>
-              <a:rPr lang="en-US" kern="0" cap="none" dirty="0"/>
-              <a:t>	test = </a:t>
-            </a:r>
-            <a:r>
-              <a:rPr lang="en-US" kern="0" cap="none" dirty="0" smtClean="0"/>
-              <a:t>.62</a:t>
-            </a:r>
-          </a:p>
-          <a:p>
-            <a:pPr marL="0" indent="-457200">
-              <a:spcBef>
-                <a:spcPts val="0"/>
-              </a:spcBef>
-              <a:buFont typeface="+mj-lt"/>
-              <a:buAutoNum type="arabicPeriod"/>
-            </a:pPr>
-            <a:r>
-              <a:rPr lang="en-US" kern="0" cap="none" dirty="0" err="1" smtClean="0"/>
-              <a:t>LogisticRegression</a:t>
-            </a:r>
-            <a:r>
-              <a:rPr lang="en-US" kern="0" cap="none" dirty="0" smtClean="0"/>
-              <a:t>(C=001) </a:t>
-            </a:r>
-            <a:r>
-              <a:rPr lang="en-US" kern="0" cap="none" dirty="0"/>
-              <a:t>	</a:t>
-            </a:r>
-            <a:r>
-              <a:rPr lang="en-US" kern="0" cap="none" dirty="0" smtClean="0"/>
-              <a:t>	train </a:t>
-            </a:r>
-            <a:r>
-              <a:rPr lang="en-US" kern="0" cap="none" dirty="0"/>
-              <a:t>= </a:t>
-            </a:r>
-            <a:r>
-              <a:rPr lang="en-US" kern="0" cap="none" dirty="0" smtClean="0"/>
-              <a:t>.67  </a:t>
-            </a:r>
-            <a:r>
-              <a:rPr lang="en-US" kern="0" cap="none" dirty="0"/>
-              <a:t>	test = </a:t>
-            </a:r>
-            <a:r>
-              <a:rPr lang="en-US" kern="0" cap="none" dirty="0" smtClean="0"/>
-              <a:t>.57</a:t>
-            </a:r>
-          </a:p>
-          <a:p>
-            <a:pPr marL="0" indent="-457200">
-              <a:spcBef>
-                <a:spcPts val="0"/>
-              </a:spcBef>
-              <a:buFont typeface="+mj-lt"/>
-              <a:buAutoNum type="arabicPeriod"/>
-            </a:pPr>
-            <a:r>
-              <a:rPr lang="en-US" kern="0" cap="none" dirty="0" err="1" smtClean="0"/>
-              <a:t>DescisionTree</a:t>
-            </a:r>
-            <a:r>
-              <a:rPr lang="en-US" kern="0" cap="none" dirty="0" smtClean="0"/>
-              <a:t>		</a:t>
-            </a:r>
-            <a:r>
-              <a:rPr lang="en-US" kern="0" cap="none" dirty="0"/>
-              <a:t>	</a:t>
-            </a:r>
-            <a:r>
-              <a:rPr lang="en-US" kern="0" cap="none" dirty="0" smtClean="0"/>
-              <a:t>	train </a:t>
-            </a:r>
-            <a:r>
-              <a:rPr lang="en-US" kern="0" cap="none" dirty="0"/>
-              <a:t>= </a:t>
-            </a:r>
-            <a:r>
-              <a:rPr lang="en-US" kern="0" cap="none" dirty="0" smtClean="0"/>
-              <a:t>.81  </a:t>
-            </a:r>
-            <a:r>
-              <a:rPr lang="en-US" kern="0" cap="none" dirty="0"/>
-              <a:t>	test = </a:t>
-            </a:r>
-            <a:r>
-              <a:rPr lang="en-US" kern="0" cap="none" dirty="0" smtClean="0"/>
-              <a:t>.53</a:t>
-            </a:r>
-          </a:p>
-          <a:p>
-            <a:pPr marL="0" indent="-457200">
-              <a:spcBef>
-                <a:spcPts val="0"/>
-              </a:spcBef>
-              <a:buFont typeface="+mj-lt"/>
-              <a:buAutoNum type="arabicPeriod"/>
-            </a:pPr>
-            <a:r>
-              <a:rPr lang="en-US" kern="0" cap="none" dirty="0" err="1"/>
-              <a:t>DescisionTree</a:t>
-            </a:r>
-            <a:r>
-              <a:rPr lang="en-US" kern="0" cap="none" dirty="0"/>
-              <a:t>	</a:t>
-            </a:r>
-            <a:r>
-              <a:rPr lang="en-US" kern="0" cap="none" dirty="0" smtClean="0"/>
-              <a:t>(Depth = 4)</a:t>
-            </a:r>
-            <a:r>
-              <a:rPr lang="en-US" kern="0" cap="none" dirty="0"/>
-              <a:t>	</a:t>
-            </a:r>
-            <a:r>
-              <a:rPr lang="en-US" kern="0" cap="none" dirty="0" smtClean="0"/>
-              <a:t>	train </a:t>
-            </a:r>
-            <a:r>
-              <a:rPr lang="en-US" kern="0" cap="none" dirty="0"/>
-              <a:t>= </a:t>
-            </a:r>
-            <a:r>
-              <a:rPr lang="en-US" kern="0" cap="none" dirty="0" smtClean="0"/>
-              <a:t>.74  </a:t>
-            </a:r>
-            <a:r>
-              <a:rPr lang="en-US" kern="0" cap="none" dirty="0"/>
-              <a:t>	test = </a:t>
-            </a:r>
-            <a:r>
-              <a:rPr lang="en-US" kern="0" cap="none" dirty="0" smtClean="0"/>
-              <a:t>.58</a:t>
-            </a:r>
-          </a:p>
-          <a:p>
-            <a:pPr marL="0" indent="-457200">
-              <a:spcBef>
-                <a:spcPts val="0"/>
-              </a:spcBef>
-              <a:buFont typeface="+mj-lt"/>
-              <a:buAutoNum type="arabicPeriod"/>
-            </a:pPr>
-            <a:r>
-              <a:rPr lang="en-US" kern="0" cap="none" dirty="0" smtClean="0"/>
-              <a:t>Random Forest	</a:t>
-            </a:r>
-            <a:r>
-              <a:rPr lang="en-US" kern="0" cap="none" dirty="0"/>
-              <a:t>	</a:t>
-            </a:r>
-            <a:r>
-              <a:rPr lang="en-US" kern="0" cap="none" dirty="0" smtClean="0"/>
-              <a:t>	train </a:t>
-            </a:r>
-            <a:r>
-              <a:rPr lang="en-US" kern="0" cap="none" dirty="0"/>
-              <a:t>= </a:t>
-            </a:r>
-            <a:r>
-              <a:rPr lang="en-US" kern="0" cap="none" dirty="0" smtClean="0"/>
-              <a:t>.81  </a:t>
-            </a:r>
-            <a:r>
-              <a:rPr lang="en-US" kern="0" cap="none" dirty="0"/>
-              <a:t>	test = </a:t>
-            </a:r>
-            <a:r>
-              <a:rPr lang="en-US" kern="0" cap="none" dirty="0" smtClean="0"/>
-              <a:t>.53</a:t>
-            </a:r>
-          </a:p>
-          <a:p>
-            <a:pPr marL="0" indent="-457200">
-              <a:spcBef>
-                <a:spcPts val="0"/>
-              </a:spcBef>
-              <a:buFont typeface="+mj-lt"/>
-              <a:buAutoNum type="arabicPeriod"/>
-            </a:pPr>
-            <a:r>
-              <a:rPr lang="en-US" kern="0" cap="none" dirty="0" smtClean="0"/>
-              <a:t>Gradient Boost			train = .79	test = .58</a:t>
-            </a:r>
-          </a:p>
-          <a:p>
-            <a:pPr marL="0" indent="-457200">
-              <a:spcBef>
-                <a:spcPts val="0"/>
-              </a:spcBef>
-              <a:buFont typeface="+mj-lt"/>
-              <a:buAutoNum type="arabicPeriod"/>
-            </a:pPr>
-            <a:r>
-              <a:rPr lang="en-US" kern="0" cap="none" dirty="0"/>
-              <a:t>Gradient </a:t>
-            </a:r>
-            <a:r>
-              <a:rPr lang="en-US" kern="0" cap="none" dirty="0" smtClean="0"/>
-              <a:t>Boost (Depth =1</a:t>
-            </a:r>
-            <a:r>
-              <a:rPr lang="en-US" kern="0" cap="none" dirty="0"/>
-              <a:t>	</a:t>
-            </a:r>
-            <a:r>
-              <a:rPr lang="en-US" kern="0" cap="none" dirty="0" smtClean="0"/>
-              <a:t>	train </a:t>
-            </a:r>
-            <a:r>
-              <a:rPr lang="en-US" kern="0" cap="none" dirty="0"/>
-              <a:t>= </a:t>
-            </a:r>
-            <a:r>
-              <a:rPr lang="en-US" kern="0" cap="none" dirty="0" smtClean="0"/>
-              <a:t>.72</a:t>
-            </a:r>
-            <a:r>
-              <a:rPr lang="en-US" kern="0" cap="none" dirty="0"/>
-              <a:t>	test = </a:t>
-            </a:r>
-            <a:r>
-              <a:rPr lang="en-US" kern="0" cap="none" dirty="0" smtClean="0"/>
-              <a:t>.60</a:t>
-            </a:r>
-          </a:p>
-          <a:p>
-            <a:pPr marL="0" indent="-457200">
-              <a:spcBef>
-                <a:spcPts val="0"/>
-              </a:spcBef>
-              <a:buFont typeface="+mj-lt"/>
-              <a:buAutoNum type="arabicPeriod"/>
-            </a:pPr>
-            <a:r>
-              <a:rPr lang="en-US" kern="0" cap="none" dirty="0"/>
-              <a:t>Gradient Boost </a:t>
-            </a:r>
-            <a:r>
-              <a:rPr lang="en-US" kern="0" cap="none" dirty="0" smtClean="0"/>
-              <a:t>(Learn rate </a:t>
-            </a:r>
-            <a:r>
-              <a:rPr lang="en-US" kern="0" cap="none" dirty="0"/>
-              <a:t>=</a:t>
-            </a:r>
-            <a:r>
-              <a:rPr lang="en-US" kern="0" cap="none" dirty="0" smtClean="0"/>
-              <a:t>1)		train </a:t>
-            </a:r>
-            <a:r>
-              <a:rPr lang="en-US" kern="0" cap="none" dirty="0"/>
-              <a:t>= .72	test = .</a:t>
-            </a:r>
-            <a:r>
-              <a:rPr lang="en-US" kern="0" cap="none" dirty="0" smtClean="0"/>
-              <a:t>60</a:t>
-            </a:r>
-          </a:p>
-          <a:p>
-            <a:pPr marL="0" indent="-457200">
-              <a:spcBef>
-                <a:spcPts val="0"/>
-              </a:spcBef>
-              <a:buFont typeface="+mj-lt"/>
-              <a:buAutoNum type="arabicPeriod"/>
-            </a:pPr>
-            <a:r>
-              <a:rPr lang="en-US" kern="0" cap="none" dirty="0" smtClean="0"/>
-              <a:t>SVC					train = .69	test = .62</a:t>
-            </a:r>
-          </a:p>
-          <a:p>
-            <a:pPr marL="0" indent="-457200">
-              <a:spcBef>
-                <a:spcPts val="0"/>
-              </a:spcBef>
-              <a:buFont typeface="+mj-lt"/>
-              <a:buAutoNum type="arabicPeriod"/>
-            </a:pPr>
-            <a:r>
-              <a:rPr lang="en-US" kern="0" cap="none" dirty="0"/>
-              <a:t>SVC	</a:t>
-            </a:r>
-            <a:r>
-              <a:rPr lang="en-US" kern="0" cap="none" dirty="0" smtClean="0"/>
-              <a:t> (C=1000)</a:t>
-            </a:r>
-            <a:r>
-              <a:rPr lang="en-US" kern="0" cap="none" dirty="0"/>
-              <a:t>			</a:t>
-            </a:r>
-            <a:r>
-              <a:rPr lang="en-US" kern="0" cap="none" dirty="0" smtClean="0"/>
-              <a:t>train </a:t>
-            </a:r>
-            <a:r>
-              <a:rPr lang="en-US" kern="0" cap="none" dirty="0"/>
-              <a:t>= </a:t>
-            </a:r>
-            <a:r>
-              <a:rPr lang="en-US" kern="0" cap="none" dirty="0" smtClean="0"/>
-              <a:t>.80</a:t>
-            </a:r>
-            <a:r>
-              <a:rPr lang="en-US" kern="0" cap="none" dirty="0"/>
-              <a:t>	test = </a:t>
-            </a:r>
-            <a:r>
-              <a:rPr lang="en-US" kern="0" cap="none" dirty="0" smtClean="0"/>
-              <a:t>.55</a:t>
-            </a:r>
-          </a:p>
-          <a:p>
-            <a:pPr marL="0" indent="-457200">
-              <a:spcBef>
-                <a:spcPts val="0"/>
-              </a:spcBef>
-              <a:buFont typeface="+mj-lt"/>
-              <a:buAutoNum type="arabicPeriod"/>
-            </a:pPr>
-            <a:r>
-              <a:rPr lang="en-US" kern="0" cap="none" dirty="0" err="1" smtClean="0"/>
-              <a:t>MLPClassifier</a:t>
-            </a:r>
-            <a:r>
-              <a:rPr lang="en-US" kern="0" cap="none" dirty="0"/>
-              <a:t>	</a:t>
-            </a:r>
-            <a:r>
-              <a:rPr lang="en-US" kern="0" cap="none" dirty="0" smtClean="0"/>
-              <a:t> </a:t>
-            </a:r>
-            <a:r>
-              <a:rPr lang="en-US" kern="0" cap="none" dirty="0"/>
-              <a:t>		</a:t>
-            </a:r>
-            <a:r>
-              <a:rPr lang="en-US" kern="0" cap="none" dirty="0" smtClean="0"/>
-              <a:t>	train </a:t>
-            </a:r>
-            <a:r>
-              <a:rPr lang="en-US" kern="0" cap="none" dirty="0"/>
-              <a:t>= .80	test = .</a:t>
-            </a:r>
-            <a:r>
-              <a:rPr lang="en-US" kern="0" cap="none" dirty="0" smtClean="0"/>
-              <a:t>55</a:t>
-            </a:r>
-          </a:p>
-          <a:p>
-            <a:pPr marL="0" indent="-457200">
-              <a:spcBef>
-                <a:spcPts val="0"/>
-              </a:spcBef>
-              <a:buFont typeface="+mj-lt"/>
-              <a:buAutoNum type="arabicPeriod"/>
-            </a:pPr>
-            <a:r>
-              <a:rPr lang="en-US" kern="0" cap="none" dirty="0" err="1"/>
-              <a:t>MLPClassifier</a:t>
-            </a:r>
-            <a:r>
-              <a:rPr lang="en-US" kern="0" cap="none" dirty="0"/>
-              <a:t>	 </a:t>
-            </a:r>
-            <a:r>
-              <a:rPr lang="en-US" kern="0" cap="none" dirty="0" smtClean="0"/>
-              <a:t>(</a:t>
-            </a:r>
-            <a:r>
-              <a:rPr lang="en-US" kern="0" cap="none" dirty="0" err="1" smtClean="0"/>
-              <a:t>max_iter</a:t>
-            </a:r>
-            <a:r>
-              <a:rPr lang="en-US" kern="0" cap="none" dirty="0" smtClean="0"/>
-              <a:t> = 1000)</a:t>
-            </a:r>
-            <a:r>
-              <a:rPr lang="en-US" kern="0" cap="none" dirty="0"/>
-              <a:t>	</a:t>
-            </a:r>
-            <a:r>
-              <a:rPr lang="en-US" kern="0" cap="none" dirty="0" smtClean="0"/>
-              <a:t>train </a:t>
-            </a:r>
-            <a:r>
-              <a:rPr lang="en-US" kern="0" cap="none" dirty="0"/>
-              <a:t>= .80	test = .55</a:t>
-            </a:r>
-          </a:p>
-          <a:p>
-            <a:pPr marL="0" indent="-457200">
-              <a:spcBef>
-                <a:spcPts val="0"/>
-              </a:spcBef>
-              <a:buFont typeface="+mj-lt"/>
-              <a:buAutoNum type="arabicPeriod"/>
-            </a:pPr>
-            <a:r>
-              <a:rPr lang="en-US" kern="0" cap="none" dirty="0" err="1"/>
-              <a:t>MLPClassifier</a:t>
-            </a:r>
-            <a:r>
-              <a:rPr lang="en-US" kern="0" cap="none" dirty="0"/>
-              <a:t>	 </a:t>
-            </a:r>
-            <a:r>
-              <a:rPr lang="en-US" kern="0" cap="none" dirty="0" smtClean="0"/>
-              <a:t>(alpha = 1)</a:t>
-            </a:r>
-            <a:r>
-              <a:rPr lang="en-US" kern="0" cap="none" dirty="0"/>
-              <a:t>		train = .80	test = .55</a:t>
-            </a:r>
-          </a:p>
-          <a:p>
-            <a:pPr marL="0" indent="-457200">
-              <a:spcBef>
-                <a:spcPts val="0"/>
-              </a:spcBef>
-              <a:buFont typeface="+mj-lt"/>
-              <a:buAutoNum type="arabicPeriod"/>
-            </a:pPr>
-            <a:endParaRPr lang="en-US" kern="0" cap="none" dirty="0"/>
-          </a:p>
-          <a:p>
-            <a:pPr marL="0" indent="-457200">
-              <a:spcBef>
-                <a:spcPts val="0"/>
-              </a:spcBef>
-              <a:buFont typeface="+mj-lt"/>
-              <a:buAutoNum type="arabicPeriod"/>
-            </a:pPr>
-            <a:endParaRPr lang="en-US" kern="0" cap="none" dirty="0"/>
-          </a:p>
-          <a:p>
-            <a:pPr marL="457200" indent="-457200">
-              <a:buFont typeface="+mj-lt"/>
-              <a:buAutoNum type="arabicPeriod"/>
-            </a:pPr>
-            <a:endParaRPr lang="en-US" cap="none" dirty="0" smtClean="0"/>
-          </a:p>
-          <a:p>
-            <a:pPr marL="457200" indent="-457200">
-              <a:buFont typeface="+mj-lt"/>
-              <a:buAutoNum type="arabicPeriod"/>
-            </a:pPr>
-            <a:endParaRPr lang="en-US" cap="none" dirty="0"/>
-          </a:p>
-          <a:p>
-            <a:pPr marL="457200" indent="-457200">
-              <a:buFont typeface="+mj-lt"/>
-              <a:buAutoNum type="arabicPeriod"/>
-            </a:pPr>
-            <a:endParaRPr lang="en-US" cap="none" dirty="0" smtClean="0"/>
-          </a:p>
-          <a:p>
-            <a:pPr marL="457200" indent="-457200">
-              <a:buFont typeface="+mj-lt"/>
-              <a:buAutoNum type="arabicPeriod"/>
-            </a:pPr>
-            <a:endParaRPr lang="en-US" cap="none" dirty="0"/>
-          </a:p>
-          <a:p>
-            <a:pPr marL="457200" indent="-457200">
-              <a:buFont typeface="+mj-lt"/>
-              <a:buAutoNum type="arabicPeriod"/>
-            </a:pPr>
-            <a:endParaRPr lang="en-US" cap="none" dirty="0"/>
-          </a:p>
-          <a:p>
-            <a:pPr marL="457200" indent="-457200">
-              <a:buFont typeface="+mj-lt"/>
-              <a:buAutoNum type="arabicPeriod"/>
-            </a:pPr>
-            <a:endParaRPr lang="en-US" cap="none" dirty="0" smtClean="0"/>
-          </a:p>
-          <a:p>
-            <a:pPr marL="457200" indent="-457200">
-              <a:buFont typeface="+mj-lt"/>
-              <a:buAutoNum type="arabicPeriod"/>
-            </a:pPr>
-            <a:endParaRPr lang="en-US" cap="none" dirty="0"/>
-          </a:p>
-          <a:p>
-            <a:pPr marL="457200" indent="-457200">
-              <a:buFont typeface="+mj-lt"/>
-              <a:buAutoNum type="arabicPeriod"/>
-            </a:pPr>
-            <a:endParaRPr lang="en-US" cap="none" dirty="0"/>
-          </a:p>
-          <a:p>
-            <a:pPr marL="457200" indent="-457200">
-              <a:buFont typeface="+mj-lt"/>
-              <a:buAutoNum type="arabicPeriod"/>
-            </a:pPr>
-            <a:endParaRPr lang="en-US" cap="none" dirty="0" smtClean="0"/>
-          </a:p>
-          <a:p>
-            <a:pPr marL="457200" indent="-457200">
-              <a:buFont typeface="+mj-lt"/>
-              <a:buAutoNum type="arabicPeriod"/>
-            </a:pPr>
-            <a:endParaRPr lang="en-US" cap="none" dirty="0"/>
-          </a:p>
-          <a:p>
-            <a:pPr marL="457200" indent="-457200">
-              <a:buFont typeface="+mj-lt"/>
-              <a:buAutoNum type="arabicPeriod"/>
-            </a:pPr>
-            <a:endParaRPr lang="en-US" cap="none" dirty="0"/>
-          </a:p>
-        </p:txBody>
-      </p:sp>
-    </p:spTree>
-    <p:extLst>
-      <p:ext uri="{BB962C8B-B14F-4D97-AF65-F5344CB8AC3E}">
-        <p14:creationId xmlns:p14="http://schemas.microsoft.com/office/powerpoint/2010/main" val="1876920429"/>
-      </p:ext>
-    </p:extLst>
-  </p:cSld>
-  <p:clrMapOvr>
-    <a:masterClrMapping/>
-  </p:clrMapOvr>
-</p:sld>
-</file>
-
-<file path=ppt/slides/slide14.xml><?xml version="1.0" encoding="utf-8"?>
-<p:sld xmlns:a="http://schemas.openxmlformats.org/drawingml/2006/main" xmlns:r="http://schemas.openxmlformats.org/officeDocument/2006/relationships" xmlns:p="http://schemas.openxmlformats.org/presentationml/2006/main">
-  <p:cSld>
-    <p:spTree>
-      <p:nvGrpSpPr>
-        <p:cNvPr id="1" name=""/>
-        <p:cNvGrpSpPr/>
-        <p:nvPr/>
-      </p:nvGrpSpPr>
-      <p:grpSpPr>
-        <a:xfrm>
-          <a:off x="0" y="0"/>
-          <a:ext cx="0" cy="0"/>
-          <a:chOff x="0" y="0"/>
-          <a:chExt cx="0" cy="0"/>
-        </a:xfrm>
-      </p:grpSpPr>
-      <p:sp>
-        <p:nvSpPr>
-          <p:cNvPr id="9" name="Rounded Rectangle 8"/>
-          <p:cNvSpPr/>
-          <p:nvPr/>
-        </p:nvSpPr>
-        <p:spPr>
-          <a:xfrm>
-            <a:off x="391886" y="261258"/>
-            <a:ext cx="4807131" cy="5886993"/>
-          </a:xfrm>
-          <a:prstGeom prst="roundRect">
-            <a:avLst/>
-          </a:prstGeom>
-        </p:spPr>
-        <p:style>
-          <a:lnRef idx="1">
-            <a:schemeClr val="accent1"/>
-          </a:lnRef>
-          <a:fillRef idx="3">
-            <a:schemeClr val="accent1"/>
-          </a:fillRef>
-          <a:effectRef idx="2">
-            <a:schemeClr val="accent1"/>
-          </a:effectRef>
-          <a:fontRef idx="minor">
-            <a:schemeClr val="lt1"/>
-          </a:fontRef>
-        </p:style>
-        <p:txBody>
-          <a:bodyPr rtlCol="0" anchor="ctr"/>
-          <a:lstStyle/>
-          <a:p>
-            <a:pPr algn="ctr"/>
-            <a:endParaRPr lang="en-US"/>
-          </a:p>
-        </p:txBody>
-      </p:sp>
-      <p:pic>
-        <p:nvPicPr>
-          <p:cNvPr id="2" name="Picture 1"/>
-          <p:cNvPicPr>
-            <a:picLocks noChangeAspect="1"/>
-          </p:cNvPicPr>
-          <p:nvPr/>
-        </p:nvPicPr>
-        <p:blipFill>
-          <a:blip r:embed="rId2">
-            <a:clrChange>
-              <a:clrFrom>
-                <a:srgbClr val="FFFFFF"/>
-              </a:clrFrom>
-              <a:clrTo>
-                <a:srgbClr val="FFFFFF">
-                  <a:alpha val="0"/>
-                </a:srgbClr>
-              </a:clrTo>
-            </a:clrChange>
-          </a:blip>
-          <a:stretch>
-            <a:fillRect/>
-          </a:stretch>
-        </p:blipFill>
-        <p:spPr>
-          <a:xfrm>
-            <a:off x="204584" y="261258"/>
-            <a:ext cx="11843723" cy="6453051"/>
-          </a:xfrm>
-          <a:prstGeom prst="rect">
-            <a:avLst/>
-          </a:prstGeom>
-          <a:ln>
-            <a:noFill/>
-          </a:ln>
-          <a:effectLst/>
-          <a:scene3d>
-            <a:camera prst="orthographicFront">
-              <a:rot lat="0" lon="0" rev="0"/>
-            </a:camera>
-            <a:lightRig rig="glow" dir="t">
-              <a:rot lat="0" lon="0" rev="14100000"/>
-            </a:lightRig>
-          </a:scene3d>
-          <a:sp3d prstMaterial="softEdge">
-            <a:bevelT w="127000" prst="artDeco"/>
-          </a:sp3d>
-        </p:spPr>
-      </p:pic>
-      <p:sp>
-        <p:nvSpPr>
-          <p:cNvPr id="3" name="Up Arrow 2"/>
-          <p:cNvSpPr/>
-          <p:nvPr/>
-        </p:nvSpPr>
-        <p:spPr>
-          <a:xfrm rot="2658010">
-            <a:off x="818599" y="1805804"/>
-            <a:ext cx="431074" cy="705394"/>
-          </a:xfrm>
-          <a:prstGeom prst="upArrow">
-            <a:avLst/>
-          </a:prstGeom>
-          <a:solidFill>
-            <a:srgbClr val="00B050"/>
-          </a:solidFill>
-        </p:spPr>
-        <p:style>
-          <a:lnRef idx="1">
-            <a:schemeClr val="accent1"/>
-          </a:lnRef>
-          <a:fillRef idx="3">
-            <a:schemeClr val="accent1"/>
-          </a:fillRef>
-          <a:effectRef idx="2">
-            <a:schemeClr val="accent1"/>
-          </a:effectRef>
-          <a:fontRef idx="minor">
-            <a:schemeClr val="lt1"/>
-          </a:fontRef>
-        </p:style>
-        <p:txBody>
-          <a:bodyPr rtlCol="0" anchor="ctr"/>
-          <a:lstStyle/>
-          <a:p>
-            <a:pPr algn="ctr"/>
-            <a:endParaRPr lang="en-US"/>
-          </a:p>
-        </p:txBody>
-      </p:sp>
-      <p:sp>
-        <p:nvSpPr>
-          <p:cNvPr id="4" name="Left-Right Arrow 3"/>
-          <p:cNvSpPr/>
-          <p:nvPr/>
-        </p:nvSpPr>
-        <p:spPr>
-          <a:xfrm>
-            <a:off x="711925" y="5259977"/>
-            <a:ext cx="986246" cy="444137"/>
-          </a:xfrm>
-          <a:prstGeom prst="leftRightArrow">
-            <a:avLst/>
-          </a:prstGeom>
-          <a:solidFill>
-            <a:schemeClr val="accent2">
-              <a:lumMod val="60000"/>
-              <a:lumOff val="40000"/>
-            </a:schemeClr>
-          </a:solidFill>
-        </p:spPr>
-        <p:style>
-          <a:lnRef idx="1">
-            <a:schemeClr val="accent1"/>
-          </a:lnRef>
-          <a:fillRef idx="3">
-            <a:schemeClr val="accent1"/>
-          </a:fillRef>
-          <a:effectRef idx="2">
-            <a:schemeClr val="accent1"/>
-          </a:effectRef>
-          <a:fontRef idx="minor">
-            <a:schemeClr val="lt1"/>
-          </a:fontRef>
-        </p:style>
-        <p:txBody>
-          <a:bodyPr rtlCol="0" anchor="ctr"/>
-          <a:lstStyle/>
-          <a:p>
-            <a:pPr algn="ctr"/>
-            <a:endParaRPr lang="en-US"/>
-          </a:p>
-        </p:txBody>
-      </p:sp>
-      <p:sp>
-        <p:nvSpPr>
-          <p:cNvPr id="11" name="Not Equal 10"/>
-          <p:cNvSpPr/>
-          <p:nvPr/>
-        </p:nvSpPr>
-        <p:spPr>
-          <a:xfrm>
-            <a:off x="5978436" y="3688077"/>
-            <a:ext cx="2342606" cy="1036320"/>
-          </a:xfrm>
-          <a:prstGeom prst="mathNotEqual">
-            <a:avLst/>
-          </a:prstGeom>
-          <a:solidFill>
-            <a:srgbClr val="FFFF00"/>
-          </a:solidFill>
-        </p:spPr>
-        <p:style>
-          <a:lnRef idx="1">
-            <a:schemeClr val="accent1"/>
-          </a:lnRef>
-          <a:fillRef idx="3">
-            <a:schemeClr val="accent1"/>
-          </a:fillRef>
-          <a:effectRef idx="2">
-            <a:schemeClr val="accent1"/>
-          </a:effectRef>
-          <a:fontRef idx="minor">
-            <a:schemeClr val="lt1"/>
-          </a:fontRef>
-        </p:style>
-        <p:txBody>
-          <a:bodyPr rtlCol="0" anchor="ctr"/>
-          <a:lstStyle/>
-          <a:p>
-            <a:pPr algn="ctr"/>
-            <a:endParaRPr lang="en-US">
-              <a:solidFill>
-                <a:schemeClr val="tx1"/>
-              </a:solidFill>
-            </a:endParaRPr>
-          </a:p>
-        </p:txBody>
-      </p:sp>
-      <p:sp>
-        <p:nvSpPr>
-          <p:cNvPr id="13" name="TextBox 12"/>
-          <p:cNvSpPr txBox="1"/>
-          <p:nvPr/>
-        </p:nvSpPr>
-        <p:spPr>
-          <a:xfrm>
-            <a:off x="8177356" y="2158501"/>
-            <a:ext cx="2020389" cy="584775"/>
-          </a:xfrm>
-          <a:prstGeom prst="rect">
-            <a:avLst/>
-          </a:prstGeom>
-          <a:noFill/>
-        </p:spPr>
-        <p:txBody>
-          <a:bodyPr wrap="square" rtlCol="0">
-            <a:spAutoFit/>
-          </a:bodyPr>
-          <a:lstStyle/>
-          <a:p>
-            <a:r>
-              <a:rPr lang="en-US" sz="3200" dirty="0" smtClean="0">
-                <a:solidFill>
-                  <a:schemeClr val="accent6">
-                    <a:lumMod val="75000"/>
-                  </a:schemeClr>
-                </a:solidFill>
-              </a:rPr>
-              <a:t>Yet</a:t>
-            </a:r>
-            <a:endParaRPr lang="en-US" sz="3200" dirty="0">
-              <a:solidFill>
-                <a:schemeClr val="accent6">
-                  <a:lumMod val="75000"/>
-                </a:schemeClr>
-              </a:solidFill>
-            </a:endParaRPr>
-          </a:p>
-        </p:txBody>
-      </p:sp>
-      <p:sp>
-        <p:nvSpPr>
-          <p:cNvPr id="14" name="Not Equal 13"/>
-          <p:cNvSpPr/>
-          <p:nvPr/>
-        </p:nvSpPr>
-        <p:spPr>
-          <a:xfrm>
-            <a:off x="6130836" y="1932729"/>
-            <a:ext cx="2342606" cy="1036320"/>
-          </a:xfrm>
-          <a:prstGeom prst="mathNotEqual">
-            <a:avLst/>
-          </a:prstGeom>
-          <a:solidFill>
-            <a:srgbClr val="FFFF00"/>
-          </a:solidFill>
-        </p:spPr>
-        <p:style>
-          <a:lnRef idx="1">
-            <a:schemeClr val="accent1"/>
-          </a:lnRef>
-          <a:fillRef idx="3">
-            <a:schemeClr val="accent1"/>
-          </a:fillRef>
-          <a:effectRef idx="2">
-            <a:schemeClr val="accent1"/>
-          </a:effectRef>
-          <a:fontRef idx="minor">
-            <a:schemeClr val="lt1"/>
-          </a:fontRef>
-        </p:style>
-        <p:txBody>
-          <a:bodyPr rtlCol="0" anchor="ctr"/>
-          <a:lstStyle/>
-          <a:p>
-            <a:pPr algn="ctr"/>
-            <a:endParaRPr lang="en-US">
-              <a:solidFill>
-                <a:schemeClr val="tx1"/>
-              </a:solidFill>
-            </a:endParaRPr>
-          </a:p>
-        </p:txBody>
-      </p:sp>
-      <p:sp>
-        <p:nvSpPr>
-          <p:cNvPr id="15" name="TextBox 14"/>
-          <p:cNvSpPr txBox="1"/>
-          <p:nvPr/>
-        </p:nvSpPr>
-        <p:spPr>
-          <a:xfrm>
-            <a:off x="8090266" y="3913849"/>
-            <a:ext cx="2020389" cy="584775"/>
-          </a:xfrm>
-          <a:prstGeom prst="rect">
-            <a:avLst/>
-          </a:prstGeom>
-          <a:noFill/>
-        </p:spPr>
-        <p:txBody>
-          <a:bodyPr wrap="square" rtlCol="0">
-            <a:spAutoFit/>
-          </a:bodyPr>
-          <a:lstStyle/>
-          <a:p>
-            <a:r>
-              <a:rPr lang="en-US" sz="3200" dirty="0" smtClean="0">
-                <a:solidFill>
-                  <a:schemeClr val="accent6">
-                    <a:lumMod val="75000"/>
-                  </a:schemeClr>
-                </a:solidFill>
-              </a:rPr>
-              <a:t>Yet</a:t>
-            </a:r>
-            <a:endParaRPr lang="en-US" sz="3200" dirty="0">
-              <a:solidFill>
-                <a:schemeClr val="accent6">
-                  <a:lumMod val="75000"/>
-                </a:schemeClr>
-              </a:solidFill>
-            </a:endParaRPr>
-          </a:p>
-        </p:txBody>
-      </p:sp>
-      <p:sp>
-        <p:nvSpPr>
-          <p:cNvPr id="16" name="&quot;No&quot; Symbol 15"/>
-          <p:cNvSpPr/>
-          <p:nvPr/>
-        </p:nvSpPr>
-        <p:spPr>
-          <a:xfrm>
-            <a:off x="3962400" y="2865120"/>
-            <a:ext cx="783771" cy="740229"/>
-          </a:xfrm>
-          <a:prstGeom prst="noSmoking">
-            <a:avLst/>
-          </a:prstGeom>
-          <a:solidFill>
-            <a:schemeClr val="accent6">
-              <a:lumMod val="60000"/>
-              <a:lumOff val="40000"/>
-            </a:schemeClr>
-          </a:solidFill>
-        </p:spPr>
-        <p:style>
-          <a:lnRef idx="1">
-            <a:schemeClr val="accent1"/>
-          </a:lnRef>
-          <a:fillRef idx="3">
-            <a:schemeClr val="accent1"/>
-          </a:fillRef>
-          <a:effectRef idx="2">
-            <a:schemeClr val="accent1"/>
-          </a:effectRef>
-          <a:fontRef idx="minor">
-            <a:schemeClr val="lt1"/>
-          </a:fontRef>
-        </p:style>
-        <p:txBody>
-          <a:bodyPr rtlCol="0" anchor="ctr"/>
-          <a:lstStyle/>
-          <a:p>
-            <a:pPr algn="ctr"/>
-            <a:endParaRPr lang="en-US">
-              <a:solidFill>
-                <a:schemeClr val="tx1"/>
-              </a:solidFill>
-            </a:endParaRPr>
-          </a:p>
-        </p:txBody>
-      </p:sp>
-      <p:sp>
-        <p:nvSpPr>
-          <p:cNvPr id="17" name="Up Arrow 16"/>
-          <p:cNvSpPr/>
-          <p:nvPr/>
-        </p:nvSpPr>
-        <p:spPr>
-          <a:xfrm rot="2658010">
-            <a:off x="3914496" y="643210"/>
-            <a:ext cx="431074" cy="705394"/>
-          </a:xfrm>
-          <a:prstGeom prst="upArrow">
-            <a:avLst/>
-          </a:prstGeom>
-          <a:solidFill>
-            <a:srgbClr val="00B050"/>
-          </a:solidFill>
-        </p:spPr>
-        <p:style>
-          <a:lnRef idx="1">
-            <a:schemeClr val="accent1"/>
-          </a:lnRef>
-          <a:fillRef idx="3">
-            <a:schemeClr val="accent1"/>
-          </a:fillRef>
-          <a:effectRef idx="2">
-            <a:schemeClr val="accent1"/>
-          </a:effectRef>
-          <a:fontRef idx="minor">
-            <a:schemeClr val="lt1"/>
-          </a:fontRef>
-        </p:style>
-        <p:txBody>
-          <a:bodyPr rtlCol="0" anchor="ctr"/>
-          <a:lstStyle/>
-          <a:p>
-            <a:pPr algn="ctr"/>
-            <a:endParaRPr lang="en-US"/>
-          </a:p>
-        </p:txBody>
-      </p:sp>
-      <p:sp>
-        <p:nvSpPr>
-          <p:cNvPr id="18" name="&quot;No&quot; Symbol 17"/>
-          <p:cNvSpPr/>
-          <p:nvPr/>
-        </p:nvSpPr>
-        <p:spPr>
-          <a:xfrm>
-            <a:off x="3962399" y="3913849"/>
-            <a:ext cx="783771" cy="740229"/>
-          </a:xfrm>
-          <a:prstGeom prst="noSmoking">
-            <a:avLst/>
-          </a:prstGeom>
-          <a:solidFill>
-            <a:schemeClr val="accent6">
-              <a:lumMod val="60000"/>
-              <a:lumOff val="40000"/>
-            </a:schemeClr>
-          </a:solidFill>
-        </p:spPr>
-        <p:style>
-          <a:lnRef idx="1">
-            <a:schemeClr val="accent1"/>
-          </a:lnRef>
-          <a:fillRef idx="3">
-            <a:schemeClr val="accent1"/>
-          </a:fillRef>
-          <a:effectRef idx="2">
-            <a:schemeClr val="accent1"/>
-          </a:effectRef>
-          <a:fontRef idx="minor">
-            <a:schemeClr val="lt1"/>
-          </a:fontRef>
-        </p:style>
-        <p:txBody>
-          <a:bodyPr rtlCol="0" anchor="ctr"/>
-          <a:lstStyle/>
-          <a:p>
-            <a:pPr algn="ctr"/>
-            <a:endParaRPr lang="en-US">
-              <a:solidFill>
-                <a:schemeClr val="tx1"/>
-              </a:solidFill>
-            </a:endParaRPr>
-          </a:p>
-        </p:txBody>
-      </p:sp>
-    </p:spTree>
-    <p:extLst>
-      <p:ext uri="{BB962C8B-B14F-4D97-AF65-F5344CB8AC3E}">
-        <p14:creationId xmlns:p14="http://schemas.microsoft.com/office/powerpoint/2010/main" val="508460314"/>
-      </p:ext>
-    </p:extLst>
-  </p:cSld>
-  <p:clrMapOvr>
-    <a:masterClrMapping/>
-  </p:clrMapOvr>
-</p:sld>
-</file>
-
-<file path=ppt/slides/slide15.xml><?xml version="1.0" encoding="utf-8"?>
-<p:sld xmlns:a="http://schemas.openxmlformats.org/drawingml/2006/main" xmlns:r="http://schemas.openxmlformats.org/officeDocument/2006/relationships" xmlns:p="http://schemas.openxmlformats.org/presentationml/2006/main">
-  <p:cSld>
-    <p:spTree>
-      <p:nvGrpSpPr>
-        <p:cNvPr id="1" name=""/>
-        <p:cNvGrpSpPr/>
-        <p:nvPr/>
-      </p:nvGrpSpPr>
-      <p:grpSpPr>
-        <a:xfrm>
-          <a:off x="0" y="0"/>
-          <a:ext cx="0" cy="0"/>
-          <a:chOff x="0" y="0"/>
-          <a:chExt cx="0" cy="0"/>
-        </a:xfrm>
-      </p:grpSpPr>
-      <p:sp>
-        <p:nvSpPr>
-          <p:cNvPr id="4" name="Title 3"/>
-          <p:cNvSpPr>
-            <a:spLocks noGrp="1"/>
-          </p:cNvSpPr>
-          <p:nvPr>
-            <p:ph type="title"/>
-          </p:nvPr>
-        </p:nvSpPr>
-        <p:spPr>
-          <a:xfrm>
-            <a:off x="835398" y="0"/>
-            <a:ext cx="10364451" cy="1596177"/>
-          </a:xfrm>
-        </p:spPr>
-        <p:txBody>
-          <a:bodyPr/>
-          <a:lstStyle/>
-          <a:p>
-            <a:r>
-              <a:rPr lang="en-US" dirty="0" smtClean="0"/>
-              <a:t>Results</a:t>
-            </a:r>
-            <a:endParaRPr lang="en-US" dirty="0"/>
-          </a:p>
-        </p:txBody>
-      </p:sp>
-      <p:sp>
-        <p:nvSpPr>
-          <p:cNvPr id="5" name="Content Placeholder 4"/>
-          <p:cNvSpPr>
-            <a:spLocks noGrp="1"/>
-          </p:cNvSpPr>
-          <p:nvPr>
-            <p:ph sz="quarter" idx="13"/>
-          </p:nvPr>
-        </p:nvSpPr>
-        <p:spPr>
-          <a:xfrm>
-            <a:off x="913774" y="1245326"/>
-            <a:ext cx="10363826" cy="4545873"/>
-          </a:xfrm>
-        </p:spPr>
-        <p:txBody>
-          <a:bodyPr>
-            <a:noAutofit/>
-          </a:bodyPr>
-          <a:lstStyle/>
-          <a:p>
-            <a:r>
-              <a:rPr lang="en-US" sz="2400" cap="none" dirty="0" smtClean="0"/>
-              <a:t>Student Affairs Key Performance Measures relate to each other, but not to intended outcomes</a:t>
-            </a:r>
-          </a:p>
-          <a:p>
-            <a:pPr lvl="1"/>
-            <a:r>
-              <a:rPr lang="en-US" sz="2000" cap="none" dirty="0" smtClean="0"/>
-              <a:t>SOB – Engagement - Satisfaction</a:t>
-            </a:r>
-          </a:p>
-          <a:p>
-            <a:pPr lvl="1"/>
-            <a:r>
-              <a:rPr lang="en-US" sz="2000" cap="none" dirty="0" smtClean="0"/>
-              <a:t>Resiliency and Thoughts of Leaving do not predict much</a:t>
-            </a:r>
-          </a:p>
-          <a:p>
-            <a:r>
-              <a:rPr lang="en-US" sz="2400" cap="none" dirty="0" smtClean="0"/>
-              <a:t>When comparing intend outcome proxies in the survey, things look good, but…..</a:t>
-            </a:r>
-          </a:p>
-          <a:p>
-            <a:r>
-              <a:rPr lang="en-US" sz="2400" cap="none" dirty="0" smtClean="0"/>
-              <a:t>When compared to System Level data, Student </a:t>
-            </a:r>
-            <a:r>
-              <a:rPr lang="en-US" sz="2400" cap="none" dirty="0"/>
-              <a:t>Affairs Key Performance Measures </a:t>
-            </a:r>
-            <a:r>
-              <a:rPr lang="en-US" sz="2400" cap="none" dirty="0" smtClean="0"/>
-              <a:t>do not predict SIS measures of Intended Outcomes </a:t>
-            </a:r>
-          </a:p>
-          <a:p>
-            <a:pPr lvl="1"/>
-            <a:r>
-              <a:rPr lang="en-US" sz="2000" cap="none" dirty="0" smtClean="0"/>
-              <a:t>Academic Success</a:t>
-            </a:r>
-          </a:p>
-          <a:p>
-            <a:pPr lvl="1"/>
-            <a:r>
-              <a:rPr lang="en-US" sz="2000" cap="none" dirty="0" smtClean="0"/>
-              <a:t>Retention </a:t>
-            </a:r>
-          </a:p>
-          <a:p>
-            <a:pPr lvl="1"/>
-            <a:r>
-              <a:rPr lang="en-US" sz="2000" cap="none" dirty="0" smtClean="0"/>
-              <a:t>Graduation</a:t>
-            </a:r>
-            <a:endParaRPr lang="en-US" sz="2000" dirty="0"/>
-          </a:p>
-        </p:txBody>
-      </p:sp>
-    </p:spTree>
-    <p:extLst>
-      <p:ext uri="{BB962C8B-B14F-4D97-AF65-F5344CB8AC3E}">
-        <p14:creationId xmlns:p14="http://schemas.microsoft.com/office/powerpoint/2010/main" val="583272738"/>
-      </p:ext>
-    </p:extLst>
-  </p:cSld>
-  <p:clrMapOvr>
-    <a:masterClrMapping/>
-  </p:clrMapOvr>
-</p:sld>
-</file>
-
-<file path=ppt/slides/slide16.xml><?xml version="1.0" encoding="utf-8"?>
-<p:sld xmlns:a="http://schemas.openxmlformats.org/drawingml/2006/main" xmlns:r="http://schemas.openxmlformats.org/officeDocument/2006/relationships" xmlns:p="http://schemas.openxmlformats.org/presentationml/2006/main">
-  <p:cSld>
-    <p:spTree>
-      <p:nvGrpSpPr>
-        <p:cNvPr id="1" name=""/>
-        <p:cNvGrpSpPr/>
-        <p:nvPr/>
-      </p:nvGrpSpPr>
-      <p:grpSpPr>
-        <a:xfrm>
-          <a:off x="0" y="0"/>
-          <a:ext cx="0" cy="0"/>
-          <a:chOff x="0" y="0"/>
-          <a:chExt cx="0" cy="0"/>
-        </a:xfrm>
-      </p:grpSpPr>
-      <p:sp>
-        <p:nvSpPr>
-          <p:cNvPr id="2" name="Title 1"/>
-          <p:cNvSpPr>
-            <a:spLocks noGrp="1"/>
-          </p:cNvSpPr>
-          <p:nvPr>
-            <p:ph type="title"/>
-          </p:nvPr>
-        </p:nvSpPr>
-        <p:spPr>
-          <a:xfrm>
-            <a:off x="1000861" y="0"/>
-            <a:ext cx="10364451" cy="1596177"/>
-          </a:xfrm>
-        </p:spPr>
-        <p:txBody>
-          <a:bodyPr/>
-          <a:lstStyle/>
-          <a:p>
-            <a:r>
-              <a:rPr lang="en-US" dirty="0" smtClean="0"/>
-              <a:t>Limitations</a:t>
-            </a:r>
-            <a:endParaRPr lang="en-US" dirty="0"/>
-          </a:p>
-        </p:txBody>
-      </p:sp>
-      <p:sp>
-        <p:nvSpPr>
-          <p:cNvPr id="3" name="Content Placeholder 2"/>
-          <p:cNvSpPr>
-            <a:spLocks noGrp="1"/>
-          </p:cNvSpPr>
-          <p:nvPr>
-            <p:ph sz="quarter" idx="13"/>
-          </p:nvPr>
-        </p:nvSpPr>
-        <p:spPr>
-          <a:xfrm>
-            <a:off x="913774" y="1410790"/>
-            <a:ext cx="10363826" cy="4380410"/>
+        <p:spPr>
+          <a:xfrm>
+            <a:off x="2128058" y="274638"/>
+            <a:ext cx="9454342" cy="1143000"/>
           </a:xfrm>
         </p:spPr>
         <p:txBody>
@@ -12773,1165 +11104,8 @@
           <a:lstStyle/>
           <a:p>
             <a:r>
-              <a:rPr lang="en-US" sz="2400" cap="none" dirty="0" smtClean="0"/>
-              <a:t>Student perceptions and intentions are gathered in Spring, rather than Fall Semester</a:t>
-            </a:r>
-          </a:p>
-          <a:p>
-            <a:r>
-              <a:rPr lang="en-US" sz="2400" cap="none" dirty="0" smtClean="0"/>
-              <a:t>Appears to be a strong Selection Bias among survey respondents compared to non respondents</a:t>
-            </a:r>
-          </a:p>
-          <a:p>
-            <a:r>
-              <a:rPr lang="en-US" sz="2400" cap="none" dirty="0" smtClean="0"/>
-              <a:t>Access to data is only recently becoming available.</a:t>
-            </a:r>
-            <a:endParaRPr lang="en-US" sz="2400" cap="none" dirty="0"/>
-          </a:p>
-        </p:txBody>
-      </p:sp>
-    </p:spTree>
-    <p:extLst>
-      <p:ext uri="{BB962C8B-B14F-4D97-AF65-F5344CB8AC3E}">
-        <p14:creationId xmlns:p14="http://schemas.microsoft.com/office/powerpoint/2010/main" val="2999009401"/>
-      </p:ext>
-    </p:extLst>
-  </p:cSld>
-  <p:clrMapOvr>
-    <a:masterClrMapping/>
-  </p:clrMapOvr>
-</p:sld>
-</file>
-
-<file path=ppt/slides/slide17.xml><?xml version="1.0" encoding="utf-8"?>
-<p:sld xmlns:a="http://schemas.openxmlformats.org/drawingml/2006/main" xmlns:r="http://schemas.openxmlformats.org/officeDocument/2006/relationships" xmlns:p="http://schemas.openxmlformats.org/presentationml/2006/main">
-  <p:cSld>
-    <p:spTree>
-      <p:nvGrpSpPr>
-        <p:cNvPr id="1" name=""/>
-        <p:cNvGrpSpPr/>
-        <p:nvPr/>
-      </p:nvGrpSpPr>
-      <p:grpSpPr>
-        <a:xfrm>
-          <a:off x="0" y="0"/>
-          <a:ext cx="0" cy="0"/>
-          <a:chOff x="0" y="0"/>
-          <a:chExt cx="0" cy="0"/>
-        </a:xfrm>
-      </p:grpSpPr>
-      <p:sp>
-        <p:nvSpPr>
-          <p:cNvPr id="2" name="Title 1"/>
-          <p:cNvSpPr>
-            <a:spLocks noGrp="1"/>
-          </p:cNvSpPr>
-          <p:nvPr>
-            <p:ph type="title"/>
-          </p:nvPr>
-        </p:nvSpPr>
-        <p:spPr>
-          <a:xfrm>
-            <a:off x="983444" y="0"/>
-            <a:ext cx="10364451" cy="1596177"/>
-          </a:xfrm>
-        </p:spPr>
-        <p:txBody>
-          <a:bodyPr/>
-          <a:lstStyle/>
-          <a:p>
-            <a:r>
               <a:rPr lang="en-US" dirty="0" smtClean="0"/>
-              <a:t>Recommendations</a:t>
-            </a:r>
-            <a:endParaRPr lang="en-US" dirty="0"/>
-          </a:p>
-        </p:txBody>
-      </p:sp>
-      <p:sp>
-        <p:nvSpPr>
-          <p:cNvPr id="3" name="Content Placeholder 2"/>
-          <p:cNvSpPr>
-            <a:spLocks noGrp="1"/>
-          </p:cNvSpPr>
-          <p:nvPr>
-            <p:ph sz="quarter" idx="13"/>
-          </p:nvPr>
-        </p:nvSpPr>
-        <p:spPr>
-          <a:xfrm>
-            <a:off x="913774" y="1463040"/>
-            <a:ext cx="10363826" cy="4328159"/>
-          </a:xfrm>
-        </p:spPr>
-        <p:txBody>
-          <a:bodyPr>
-            <a:normAutofit/>
-          </a:bodyPr>
-          <a:lstStyle/>
-          <a:p>
-            <a:r>
-              <a:rPr lang="en-US" sz="2800" cap="none" dirty="0" smtClean="0"/>
-              <a:t>Fall collection of Key Performance Measures</a:t>
-            </a:r>
-          </a:p>
-          <a:p>
-            <a:r>
-              <a:rPr lang="en-US" sz="2800" cap="none" dirty="0" smtClean="0"/>
-              <a:t>Summer collection of Intended Outcomes</a:t>
-            </a:r>
-          </a:p>
-          <a:p>
-            <a:r>
-              <a:rPr lang="en-US" sz="2800" cap="none" dirty="0" smtClean="0"/>
-              <a:t>Continue improvement in data access and sharing</a:t>
-            </a:r>
-          </a:p>
-          <a:p>
-            <a:r>
-              <a:rPr lang="en-US" sz="2800" cap="none" dirty="0" smtClean="0"/>
-              <a:t>Allocation of resources to Student Affairs Assessment Team of Data Scientist </a:t>
-            </a:r>
-            <a:endParaRPr lang="en-US" sz="2800" cap="none" dirty="0"/>
-          </a:p>
-        </p:txBody>
-      </p:sp>
-    </p:spTree>
-    <p:extLst>
-      <p:ext uri="{BB962C8B-B14F-4D97-AF65-F5344CB8AC3E}">
-        <p14:creationId xmlns:p14="http://schemas.microsoft.com/office/powerpoint/2010/main" val="2297675735"/>
-      </p:ext>
-    </p:extLst>
-  </p:cSld>
-  <p:clrMapOvr>
-    <a:masterClrMapping/>
-  </p:clrMapOvr>
-</p:sld>
-</file>
-
-<file path=ppt/slides/slide2.xml><?xml version="1.0" encoding="utf-8"?>
-<p:sld xmlns:a="http://schemas.openxmlformats.org/drawingml/2006/main" xmlns:r="http://schemas.openxmlformats.org/officeDocument/2006/relationships" xmlns:p="http://schemas.openxmlformats.org/presentationml/2006/main">
-  <p:cSld>
-    <p:spTree>
-      <p:nvGrpSpPr>
-        <p:cNvPr id="1" name=""/>
-        <p:cNvGrpSpPr/>
-        <p:nvPr/>
-      </p:nvGrpSpPr>
-      <p:grpSpPr>
-        <a:xfrm>
-          <a:off x="0" y="0"/>
-          <a:ext cx="0" cy="0"/>
-          <a:chOff x="0" y="0"/>
-          <a:chExt cx="0" cy="0"/>
-        </a:xfrm>
-      </p:grpSpPr>
-      <p:sp>
-        <p:nvSpPr>
-          <p:cNvPr id="2" name="Title 1"/>
-          <p:cNvSpPr>
-            <a:spLocks noGrp="1"/>
-          </p:cNvSpPr>
-          <p:nvPr>
-            <p:ph type="title"/>
-          </p:nvPr>
-        </p:nvSpPr>
-        <p:spPr>
-          <a:xfrm>
-            <a:off x="913774" y="239694"/>
-            <a:ext cx="10364451" cy="1596177"/>
-          </a:xfrm>
-        </p:spPr>
-        <p:txBody>
-          <a:bodyPr/>
-          <a:lstStyle/>
-          <a:p>
-            <a:r>
-              <a:rPr lang="en-US" dirty="0" smtClean="0"/>
-              <a:t>Disruption</a:t>
-            </a:r>
-            <a:endParaRPr lang="en-US" dirty="0"/>
-          </a:p>
-        </p:txBody>
-      </p:sp>
-      <p:sp>
-        <p:nvSpPr>
-          <p:cNvPr id="3" name="Content Placeholder 2"/>
-          <p:cNvSpPr>
-            <a:spLocks noGrp="1"/>
-          </p:cNvSpPr>
-          <p:nvPr>
-            <p:ph sz="quarter" idx="13"/>
-          </p:nvPr>
-        </p:nvSpPr>
-        <p:spPr>
-          <a:xfrm>
-            <a:off x="914399" y="1727012"/>
-            <a:ext cx="10363826" cy="3424107"/>
-          </a:xfrm>
-        </p:spPr>
-        <p:txBody>
-          <a:bodyPr>
-            <a:noAutofit/>
-          </a:bodyPr>
-          <a:lstStyle/>
-          <a:p>
-            <a:pPr marL="0" indent="0">
-              <a:buNone/>
-            </a:pPr>
-            <a:r>
-              <a:rPr lang="en-US" sz="3200" cap="none" dirty="0" smtClean="0"/>
-              <a:t>Division </a:t>
-            </a:r>
-            <a:r>
-              <a:rPr lang="en-US" sz="3200" cap="none" dirty="0" smtClean="0"/>
-              <a:t>does not currently have well defined understanding of which of their key performance measures contribute to student success.</a:t>
-            </a:r>
-            <a:endParaRPr lang="en-US" sz="3200" cap="none" dirty="0"/>
-          </a:p>
-        </p:txBody>
-      </p:sp>
-    </p:spTree>
-    <p:extLst>
-      <p:ext uri="{BB962C8B-B14F-4D97-AF65-F5344CB8AC3E}">
-        <p14:creationId xmlns:p14="http://schemas.microsoft.com/office/powerpoint/2010/main" val="345043587"/>
-      </p:ext>
-    </p:extLst>
-  </p:cSld>
-  <p:clrMapOvr>
-    <a:masterClrMapping/>
-  </p:clrMapOvr>
-</p:sld>
-</file>
-
-<file path=ppt/slides/slide3.xml><?xml version="1.0" encoding="utf-8"?>
-<p:sld xmlns:a="http://schemas.openxmlformats.org/drawingml/2006/main" xmlns:r="http://schemas.openxmlformats.org/officeDocument/2006/relationships" xmlns:p="http://schemas.openxmlformats.org/presentationml/2006/main">
-  <p:cSld>
-    <p:spTree>
-      <p:nvGrpSpPr>
-        <p:cNvPr id="1" name=""/>
-        <p:cNvGrpSpPr/>
-        <p:nvPr/>
-      </p:nvGrpSpPr>
-      <p:grpSpPr>
-        <a:xfrm>
-          <a:off x="0" y="0"/>
-          <a:ext cx="0" cy="0"/>
-          <a:chOff x="0" y="0"/>
-          <a:chExt cx="0" cy="0"/>
-        </a:xfrm>
-      </p:grpSpPr>
-      <p:sp>
-        <p:nvSpPr>
-          <p:cNvPr id="2" name="Title 1"/>
-          <p:cNvSpPr>
-            <a:spLocks noGrp="1"/>
-          </p:cNvSpPr>
-          <p:nvPr>
-            <p:ph type="title"/>
-          </p:nvPr>
-        </p:nvSpPr>
-        <p:spPr>
-          <a:xfrm>
-            <a:off x="913774" y="187442"/>
-            <a:ext cx="10364451" cy="1596177"/>
-          </a:xfrm>
-        </p:spPr>
-        <p:txBody>
-          <a:bodyPr/>
-          <a:lstStyle/>
-          <a:p>
-            <a:r>
-              <a:rPr lang="en-US" dirty="0" smtClean="0"/>
-              <a:t>Key performance Measures</a:t>
-            </a:r>
-            <a:endParaRPr lang="en-US" dirty="0"/>
-          </a:p>
-        </p:txBody>
-      </p:sp>
-      <p:sp>
-        <p:nvSpPr>
-          <p:cNvPr id="3" name="Content Placeholder 2"/>
-          <p:cNvSpPr>
-            <a:spLocks noGrp="1"/>
-          </p:cNvSpPr>
-          <p:nvPr>
-            <p:ph sz="quarter" idx="13"/>
-          </p:nvPr>
-        </p:nvSpPr>
-        <p:spPr>
-          <a:xfrm>
-            <a:off x="914399" y="1531069"/>
-            <a:ext cx="10363826" cy="3424107"/>
-          </a:xfrm>
-        </p:spPr>
-        <p:txBody>
-          <a:bodyPr>
-            <a:noAutofit/>
-          </a:bodyPr>
-          <a:lstStyle/>
-          <a:p>
-            <a:pPr marL="457200" indent="-457200">
-              <a:buFont typeface="+mj-lt"/>
-              <a:buAutoNum type="arabicPeriod"/>
-            </a:pPr>
-            <a:r>
-              <a:rPr lang="en-US" sz="4000" cap="none" dirty="0" smtClean="0"/>
-              <a:t>Sense of Belonging</a:t>
-            </a:r>
-          </a:p>
-          <a:p>
-            <a:pPr marL="457200" indent="-457200">
-              <a:buFont typeface="+mj-lt"/>
-              <a:buAutoNum type="arabicPeriod"/>
-            </a:pPr>
-            <a:r>
-              <a:rPr lang="en-US" sz="4000" cap="none" dirty="0" smtClean="0"/>
-              <a:t>Level of University </a:t>
-            </a:r>
-            <a:r>
-              <a:rPr lang="en-US" sz="4000" cap="none" dirty="0"/>
-              <a:t>E</a:t>
-            </a:r>
-            <a:r>
-              <a:rPr lang="en-US" sz="4000" cap="none" dirty="0" smtClean="0"/>
-              <a:t>ngagement</a:t>
-            </a:r>
-          </a:p>
-          <a:p>
-            <a:pPr marL="457200" indent="-457200">
-              <a:buFont typeface="+mj-lt"/>
-              <a:buAutoNum type="arabicPeriod"/>
-            </a:pPr>
-            <a:r>
-              <a:rPr lang="en-US" sz="4000" cap="none" dirty="0" smtClean="0"/>
-              <a:t>Thoughts of Leaving </a:t>
-            </a:r>
-            <a:r>
-              <a:rPr lang="en-US" sz="4000" cap="none" dirty="0"/>
-              <a:t>S</a:t>
-            </a:r>
-            <a:r>
-              <a:rPr lang="en-US" sz="4000" cap="none" dirty="0" smtClean="0"/>
-              <a:t>chool</a:t>
-            </a:r>
-          </a:p>
-          <a:p>
-            <a:pPr marL="457200" indent="-457200">
-              <a:buFont typeface="+mj-lt"/>
-              <a:buAutoNum type="arabicPeriod"/>
-            </a:pPr>
-            <a:r>
-              <a:rPr lang="en-US" sz="4000" cap="none" dirty="0" smtClean="0"/>
-              <a:t>Resiliency</a:t>
-            </a:r>
-          </a:p>
-          <a:p>
-            <a:pPr marL="457200" indent="-457200">
-              <a:buFont typeface="+mj-lt"/>
-              <a:buAutoNum type="arabicPeriod"/>
-            </a:pPr>
-            <a:r>
-              <a:rPr lang="en-US" sz="4000" cap="none" dirty="0" smtClean="0"/>
-              <a:t>Satisfaction</a:t>
-            </a:r>
-            <a:endParaRPr lang="en-US" sz="4000" cap="none" dirty="0"/>
-          </a:p>
-        </p:txBody>
-      </p:sp>
-    </p:spTree>
-    <p:extLst>
-      <p:ext uri="{BB962C8B-B14F-4D97-AF65-F5344CB8AC3E}">
-        <p14:creationId xmlns:p14="http://schemas.microsoft.com/office/powerpoint/2010/main" val="3749243034"/>
-      </p:ext>
-    </p:extLst>
-  </p:cSld>
-  <p:clrMapOvr>
-    <a:masterClrMapping/>
-  </p:clrMapOvr>
-</p:sld>
-</file>
-
-<file path=ppt/slides/slide4.xml><?xml version="1.0" encoding="utf-8"?>
-<p:sld xmlns:a="http://schemas.openxmlformats.org/drawingml/2006/main" xmlns:r="http://schemas.openxmlformats.org/officeDocument/2006/relationships" xmlns:p="http://schemas.openxmlformats.org/presentationml/2006/main">
-  <p:cSld>
-    <p:spTree>
-      <p:nvGrpSpPr>
-        <p:cNvPr id="1" name=""/>
-        <p:cNvGrpSpPr/>
-        <p:nvPr/>
-      </p:nvGrpSpPr>
-      <p:grpSpPr>
-        <a:xfrm>
-          <a:off x="0" y="0"/>
-          <a:ext cx="0" cy="0"/>
-          <a:chOff x="0" y="0"/>
-          <a:chExt cx="0" cy="0"/>
-        </a:xfrm>
-      </p:grpSpPr>
-      <p:sp>
-        <p:nvSpPr>
-          <p:cNvPr id="2" name="Title 1"/>
-          <p:cNvSpPr>
-            <a:spLocks noGrp="1"/>
-          </p:cNvSpPr>
-          <p:nvPr>
-            <p:ph type="title"/>
-          </p:nvPr>
-        </p:nvSpPr>
-        <p:spPr>
-          <a:xfrm>
-            <a:off x="2119745" y="0"/>
-            <a:ext cx="9157855" cy="1596177"/>
-          </a:xfrm>
-        </p:spPr>
-        <p:txBody>
-          <a:bodyPr>
-            <a:normAutofit/>
-          </a:bodyPr>
-          <a:lstStyle/>
-          <a:p>
-            <a:r>
-              <a:rPr lang="en-US" sz="6600" dirty="0" smtClean="0"/>
-              <a:t>Proposed </a:t>
-            </a:r>
-            <a:r>
-              <a:rPr lang="en-US" sz="6600" dirty="0" smtClean="0"/>
-              <a:t>Outcomes</a:t>
-            </a:r>
-            <a:endParaRPr lang="en-US" sz="6600" dirty="0"/>
-          </a:p>
-        </p:txBody>
-      </p:sp>
-      <p:sp>
-        <p:nvSpPr>
-          <p:cNvPr id="3" name="Content Placeholder 2"/>
-          <p:cNvSpPr>
-            <a:spLocks noGrp="1"/>
-          </p:cNvSpPr>
-          <p:nvPr>
-            <p:ph sz="quarter" idx="13"/>
-          </p:nvPr>
-        </p:nvSpPr>
-        <p:spPr>
-          <a:xfrm>
-            <a:off x="913149" y="1596177"/>
-            <a:ext cx="10363826" cy="3424107"/>
-          </a:xfrm>
-        </p:spPr>
-        <p:txBody>
-          <a:bodyPr>
-            <a:noAutofit/>
-          </a:bodyPr>
-          <a:lstStyle/>
-          <a:p>
-            <a:pPr marL="457200" indent="-457200">
-              <a:buFont typeface="+mj-lt"/>
-              <a:buAutoNum type="arabicPeriod"/>
-            </a:pPr>
-            <a:r>
-              <a:rPr lang="en-US" sz="6000" cap="none" dirty="0" smtClean="0"/>
-              <a:t>Academic Success</a:t>
-            </a:r>
-          </a:p>
-          <a:p>
-            <a:pPr marL="457200" indent="-457200">
-              <a:buFont typeface="+mj-lt"/>
-              <a:buAutoNum type="arabicPeriod"/>
-            </a:pPr>
-            <a:r>
-              <a:rPr lang="en-US" sz="6000" cap="none" dirty="0" smtClean="0"/>
-              <a:t>Retention</a:t>
-            </a:r>
-          </a:p>
-          <a:p>
-            <a:pPr marL="457200" indent="-457200">
-              <a:buFont typeface="+mj-lt"/>
-              <a:buAutoNum type="arabicPeriod"/>
-            </a:pPr>
-            <a:r>
-              <a:rPr lang="en-US" sz="6000" cap="none" dirty="0" smtClean="0"/>
-              <a:t>Graduation</a:t>
-            </a:r>
-            <a:endParaRPr lang="en-US" sz="6000" cap="none" dirty="0" smtClean="0"/>
-          </a:p>
-        </p:txBody>
-      </p:sp>
-    </p:spTree>
-    <p:extLst>
-      <p:ext uri="{BB962C8B-B14F-4D97-AF65-F5344CB8AC3E}">
-        <p14:creationId xmlns:p14="http://schemas.microsoft.com/office/powerpoint/2010/main" val="3315531120"/>
-      </p:ext>
-    </p:extLst>
-  </p:cSld>
-  <p:clrMapOvr>
-    <a:masterClrMapping/>
-  </p:clrMapOvr>
-</p:sld>
-</file>
-
-<file path=ppt/slides/slide5.xml><?xml version="1.0" encoding="utf-8"?>
-<p:sld xmlns:a="http://schemas.openxmlformats.org/drawingml/2006/main" xmlns:r="http://schemas.openxmlformats.org/officeDocument/2006/relationships" xmlns:p="http://schemas.openxmlformats.org/presentationml/2006/main">
-  <p:cSld>
-    <p:spTree>
-      <p:nvGrpSpPr>
-        <p:cNvPr id="1" name=""/>
-        <p:cNvGrpSpPr/>
-        <p:nvPr/>
-      </p:nvGrpSpPr>
-      <p:grpSpPr>
-        <a:xfrm>
-          <a:off x="0" y="0"/>
-          <a:ext cx="0" cy="0"/>
-          <a:chOff x="0" y="0"/>
-          <a:chExt cx="0" cy="0"/>
-        </a:xfrm>
-      </p:grpSpPr>
-      <p:sp>
-        <p:nvSpPr>
-          <p:cNvPr id="7" name="Title 6"/>
-          <p:cNvSpPr>
-            <a:spLocks noGrp="1"/>
-          </p:cNvSpPr>
-          <p:nvPr>
-            <p:ph type="title"/>
-          </p:nvPr>
-        </p:nvSpPr>
-        <p:spPr>
-          <a:xfrm>
-            <a:off x="913149" y="0"/>
-            <a:ext cx="10364451" cy="1596177"/>
-          </a:xfrm>
-        </p:spPr>
-        <p:txBody>
-          <a:bodyPr>
-            <a:normAutofit/>
-          </a:bodyPr>
-          <a:lstStyle/>
-          <a:p>
-            <a:r>
-              <a:rPr lang="en-US" sz="6000" dirty="0" smtClean="0"/>
-              <a:t>Data Sources</a:t>
-            </a:r>
-            <a:endParaRPr lang="en-US" sz="6000" dirty="0"/>
-          </a:p>
-        </p:txBody>
-      </p:sp>
-      <p:sp>
-        <p:nvSpPr>
-          <p:cNvPr id="8" name="Content Placeholder 7"/>
-          <p:cNvSpPr>
-            <a:spLocks noGrp="1"/>
-          </p:cNvSpPr>
-          <p:nvPr>
-            <p:ph sz="quarter" idx="13"/>
-          </p:nvPr>
-        </p:nvSpPr>
-        <p:spPr>
-          <a:xfrm>
-            <a:off x="913774" y="1321855"/>
-            <a:ext cx="10363826" cy="4197794"/>
-          </a:xfrm>
-        </p:spPr>
-        <p:txBody>
-          <a:bodyPr>
-            <a:noAutofit/>
-          </a:bodyPr>
-          <a:lstStyle/>
-          <a:p>
-            <a:pPr marL="0" indent="0">
-              <a:buNone/>
-            </a:pPr>
-            <a:r>
-              <a:rPr lang="en-US" sz="3600" cap="none" dirty="0"/>
-              <a:t>Student Experience Survey </a:t>
-            </a:r>
-            <a:r>
-              <a:rPr lang="en-US" sz="3600" cap="none" dirty="0" smtClean="0"/>
-              <a:t>(CampusLabs – SPSS)</a:t>
-            </a:r>
-            <a:endParaRPr lang="en-US" sz="3600" cap="none" dirty="0"/>
-          </a:p>
-          <a:p>
-            <a:pPr marL="0" indent="0">
-              <a:buNone/>
-            </a:pPr>
-            <a:r>
-              <a:rPr lang="en-US" sz="3600" cap="none" dirty="0" smtClean="0"/>
-              <a:t>Student </a:t>
-            </a:r>
-            <a:r>
-              <a:rPr lang="en-US" sz="3600" cap="none" dirty="0" smtClean="0"/>
-              <a:t>Information </a:t>
-            </a:r>
-            <a:r>
-              <a:rPr lang="en-US" sz="3600" cap="none" dirty="0" smtClean="0"/>
-              <a:t>System (SQL &amp; Tableau)</a:t>
-            </a:r>
-            <a:endParaRPr lang="en-US" sz="3600" cap="none" dirty="0" smtClean="0"/>
-          </a:p>
-          <a:p>
-            <a:pPr marL="457200" lvl="1" indent="0">
-              <a:buNone/>
-            </a:pPr>
-            <a:r>
-              <a:rPr lang="en-US" sz="3600" cap="none" dirty="0" smtClean="0"/>
-              <a:t>Retention Table</a:t>
-            </a:r>
-          </a:p>
-          <a:p>
-            <a:pPr marL="457200" lvl="1" indent="0">
-              <a:buNone/>
-            </a:pPr>
-            <a:r>
-              <a:rPr lang="en-US" sz="3600" cap="none" dirty="0" smtClean="0"/>
-              <a:t>Census Data</a:t>
-            </a:r>
-          </a:p>
-          <a:p>
-            <a:pPr marL="0" indent="0">
-              <a:buNone/>
-            </a:pPr>
-            <a:r>
-              <a:rPr lang="en-US" sz="3600" cap="none" dirty="0" smtClean="0"/>
-              <a:t>OrgSync – Campus </a:t>
-            </a:r>
-            <a:r>
-              <a:rPr lang="en-US" sz="3600" cap="none" dirty="0" smtClean="0"/>
-              <a:t>Involvement (API to Excel)</a:t>
-            </a:r>
-          </a:p>
-          <a:p>
-            <a:pPr marL="0" indent="0">
-              <a:buNone/>
-            </a:pPr>
-            <a:r>
-              <a:rPr lang="en-US" sz="3600" cap="none" dirty="0" smtClean="0"/>
-              <a:t>MU Connect – Predictive Analytic Module (API to CSV)</a:t>
-            </a:r>
-            <a:endParaRPr lang="en-US" sz="3600" cap="none" dirty="0" smtClean="0"/>
-          </a:p>
-        </p:txBody>
-      </p:sp>
-    </p:spTree>
-    <p:extLst>
-      <p:ext uri="{BB962C8B-B14F-4D97-AF65-F5344CB8AC3E}">
-        <p14:creationId xmlns:p14="http://schemas.microsoft.com/office/powerpoint/2010/main" val="3585915601"/>
-      </p:ext>
-    </p:extLst>
-  </p:cSld>
-  <p:clrMapOvr>
-    <a:masterClrMapping/>
-  </p:clrMapOvr>
-</p:sld>
-</file>
-
-<file path=ppt/slides/slide6.xml><?xml version="1.0" encoding="utf-8"?>
-<p:sld xmlns:a="http://schemas.openxmlformats.org/drawingml/2006/main" xmlns:r="http://schemas.openxmlformats.org/officeDocument/2006/relationships" xmlns:p="http://schemas.openxmlformats.org/presentationml/2006/main">
-  <p:cSld>
-    <p:spTree>
-      <p:nvGrpSpPr>
-        <p:cNvPr id="1" name=""/>
-        <p:cNvGrpSpPr/>
-        <p:nvPr/>
-      </p:nvGrpSpPr>
-      <p:grpSpPr>
-        <a:xfrm>
-          <a:off x="0" y="0"/>
-          <a:ext cx="0" cy="0"/>
-          <a:chOff x="0" y="0"/>
-          <a:chExt cx="0" cy="0"/>
-        </a:xfrm>
-      </p:grpSpPr>
-      <p:sp>
-        <p:nvSpPr>
-          <p:cNvPr id="2" name="Title 1"/>
-          <p:cNvSpPr>
-            <a:spLocks noGrp="1"/>
-          </p:cNvSpPr>
-          <p:nvPr>
-            <p:ph type="title"/>
-          </p:nvPr>
-        </p:nvSpPr>
-        <p:spPr/>
-        <p:txBody>
-          <a:bodyPr/>
-          <a:lstStyle/>
-          <a:p>
-            <a:pPr algn="ctr"/>
-            <a:r>
-              <a:rPr lang="en-US" dirty="0" smtClean="0"/>
-              <a:t>2017 Student Life Survey</a:t>
-            </a:r>
-            <a:endParaRPr lang="en-US" dirty="0"/>
-          </a:p>
-        </p:txBody>
-      </p:sp>
-      <p:sp>
-        <p:nvSpPr>
-          <p:cNvPr id="3" name="Content Placeholder 2"/>
-          <p:cNvSpPr>
-            <a:spLocks noGrp="1"/>
-          </p:cNvSpPr>
-          <p:nvPr>
-            <p:ph idx="1"/>
-          </p:nvPr>
-        </p:nvSpPr>
-        <p:spPr/>
-        <p:txBody>
-          <a:bodyPr/>
-          <a:lstStyle/>
-          <a:p>
-            <a:pPr marL="0" indent="0">
-              <a:spcBef>
-                <a:spcPts val="0"/>
-              </a:spcBef>
-              <a:spcAft>
-                <a:spcPts val="0"/>
-              </a:spcAft>
-              <a:buNone/>
-            </a:pPr>
-            <a:r>
-              <a:rPr lang="en-US" dirty="0" smtClean="0"/>
-              <a:t>Implemented </a:t>
-            </a:r>
-            <a:r>
-              <a:rPr lang="en-US" dirty="0" smtClean="0">
-                <a:solidFill>
-                  <a:srgbClr val="FF0000"/>
-                </a:solidFill>
-              </a:rPr>
-              <a:t>Spring</a:t>
-            </a:r>
-            <a:r>
-              <a:rPr lang="en-US" dirty="0" smtClean="0"/>
-              <a:t> </a:t>
-            </a:r>
-            <a:r>
-              <a:rPr lang="en-US" dirty="0" smtClean="0"/>
-              <a:t>of </a:t>
-            </a:r>
-            <a:r>
-              <a:rPr lang="en-US" dirty="0" smtClean="0"/>
-              <a:t>2017 – related to Outcomes measure in Spring 2018</a:t>
-            </a:r>
-            <a:endParaRPr lang="en-US" dirty="0" smtClean="0"/>
-          </a:p>
-          <a:p>
-            <a:pPr marL="0" indent="0">
-              <a:spcBef>
-                <a:spcPts val="0"/>
-              </a:spcBef>
-              <a:spcAft>
-                <a:spcPts val="0"/>
-              </a:spcAft>
-              <a:buNone/>
-            </a:pPr>
-            <a:endParaRPr lang="en-US" dirty="0" smtClean="0"/>
-          </a:p>
-          <a:p>
-            <a:pPr marL="0" indent="0">
-              <a:spcBef>
-                <a:spcPts val="0"/>
-              </a:spcBef>
-              <a:spcAft>
-                <a:spcPts val="0"/>
-              </a:spcAft>
-              <a:buNone/>
-            </a:pPr>
-            <a:r>
-              <a:rPr lang="en-US" dirty="0" smtClean="0"/>
-              <a:t>1,247 Responses from 7,000 randomly sampled students</a:t>
-            </a:r>
-          </a:p>
-          <a:p>
-            <a:pPr marL="0" indent="0">
-              <a:spcBef>
-                <a:spcPts val="0"/>
-              </a:spcBef>
-              <a:spcAft>
-                <a:spcPts val="0"/>
-              </a:spcAft>
-              <a:buNone/>
-            </a:pPr>
-            <a:r>
-              <a:rPr lang="en-US" dirty="0"/>
-              <a:t>	</a:t>
-            </a:r>
-            <a:r>
-              <a:rPr lang="en-US" dirty="0" smtClean="0"/>
-              <a:t>5,000 Undergraduates		(N = 877)</a:t>
-            </a:r>
-          </a:p>
-          <a:p>
-            <a:pPr marL="0" indent="0">
-              <a:spcBef>
-                <a:spcPts val="0"/>
-              </a:spcBef>
-              <a:spcAft>
-                <a:spcPts val="0"/>
-              </a:spcAft>
-              <a:buNone/>
-            </a:pPr>
-            <a:r>
-              <a:rPr lang="en-US" dirty="0"/>
-              <a:t>	</a:t>
-            </a:r>
-            <a:r>
-              <a:rPr lang="en-US" dirty="0" smtClean="0"/>
-              <a:t>2,000 Graduates			</a:t>
-            </a:r>
-            <a:r>
-              <a:rPr lang="en-US" dirty="0"/>
-              <a:t>	(N = 370</a:t>
-            </a:r>
-            <a:r>
-              <a:rPr lang="en-US" dirty="0" smtClean="0"/>
-              <a:t>)</a:t>
-            </a:r>
-          </a:p>
-          <a:p>
-            <a:pPr marL="0" indent="0">
-              <a:spcBef>
-                <a:spcPts val="0"/>
-              </a:spcBef>
-              <a:spcAft>
-                <a:spcPts val="0"/>
-              </a:spcAft>
-              <a:buNone/>
-            </a:pPr>
-            <a:endParaRPr lang="en-US" dirty="0"/>
-          </a:p>
-          <a:p>
-            <a:pPr marL="0" indent="0">
-              <a:spcBef>
-                <a:spcPts val="0"/>
-              </a:spcBef>
-              <a:spcAft>
-                <a:spcPts val="0"/>
-              </a:spcAft>
-              <a:buNone/>
-            </a:pPr>
-            <a:r>
-              <a:rPr lang="en-US" dirty="0" smtClean="0"/>
-              <a:t>18% Overall Response Rate</a:t>
-            </a:r>
-          </a:p>
-          <a:p>
-            <a:pPr marL="0" indent="0">
-              <a:spcBef>
-                <a:spcPts val="0"/>
-              </a:spcBef>
-              <a:spcAft>
-                <a:spcPts val="0"/>
-              </a:spcAft>
-              <a:buNone/>
-            </a:pPr>
-            <a:r>
-              <a:rPr lang="en-US" dirty="0"/>
-              <a:t>	</a:t>
-            </a:r>
-            <a:r>
-              <a:rPr lang="en-US" dirty="0" smtClean="0"/>
-              <a:t>17.5%		Undergraduate</a:t>
-            </a:r>
-          </a:p>
-          <a:p>
-            <a:pPr marL="0" indent="0">
-              <a:spcBef>
-                <a:spcPts val="0"/>
-              </a:spcBef>
-              <a:spcAft>
-                <a:spcPts val="0"/>
-              </a:spcAft>
-              <a:buNone/>
-            </a:pPr>
-            <a:r>
-              <a:rPr lang="en-US" dirty="0"/>
-              <a:t>	</a:t>
-            </a:r>
-            <a:r>
-              <a:rPr lang="en-US" dirty="0" smtClean="0"/>
-              <a:t>18.5%		Graduate</a:t>
-            </a:r>
-            <a:endParaRPr lang="en-US" dirty="0"/>
-          </a:p>
-        </p:txBody>
-      </p:sp>
-    </p:spTree>
-    <p:extLst>
-      <p:ext uri="{BB962C8B-B14F-4D97-AF65-F5344CB8AC3E}">
-        <p14:creationId xmlns:p14="http://schemas.microsoft.com/office/powerpoint/2010/main" val="1303652888"/>
-      </p:ext>
-    </p:extLst>
-  </p:cSld>
-  <p:clrMapOvr>
-    <a:masterClrMapping/>
-  </p:clrMapOvr>
-  <p:timing>
-    <p:tnLst>
-      <p:par>
-        <p:cTn id="1" dur="indefinite" restart="never" nodeType="tmRoot"/>
-      </p:par>
-    </p:tnLst>
-  </p:timing>
-</p:sld>
-</file>
-
-<file path=ppt/slides/slide7.xml><?xml version="1.0" encoding="utf-8"?>
-<p:sld xmlns:a="http://schemas.openxmlformats.org/drawingml/2006/main" xmlns:r="http://schemas.openxmlformats.org/officeDocument/2006/relationships" xmlns:p="http://schemas.openxmlformats.org/presentationml/2006/main">
-  <p:cSld>
-    <p:spTree>
-      <p:nvGrpSpPr>
-        <p:cNvPr id="1" name=""/>
-        <p:cNvGrpSpPr/>
-        <p:nvPr/>
-      </p:nvGrpSpPr>
-      <p:grpSpPr>
-        <a:xfrm>
-          <a:off x="0" y="0"/>
-          <a:ext cx="0" cy="0"/>
-          <a:chOff x="0" y="0"/>
-          <a:chExt cx="0" cy="0"/>
-        </a:xfrm>
-      </p:grpSpPr>
-      <p:pic>
-        <p:nvPicPr>
-          <p:cNvPr id="2" name="Picture 1"/>
-          <p:cNvPicPr>
-            <a:picLocks noChangeAspect="1"/>
-          </p:cNvPicPr>
-          <p:nvPr/>
-        </p:nvPicPr>
-        <p:blipFill>
-          <a:blip r:embed="rId2">
-            <a:clrChange>
-              <a:clrFrom>
-                <a:srgbClr val="FFFFFF"/>
-              </a:clrFrom>
-              <a:clrTo>
-                <a:srgbClr val="FFFFFF">
-                  <a:alpha val="0"/>
-                </a:srgbClr>
-              </a:clrTo>
-            </a:clrChange>
-          </a:blip>
-          <a:stretch>
-            <a:fillRect/>
-          </a:stretch>
-        </p:blipFill>
-        <p:spPr>
-          <a:xfrm>
-            <a:off x="687910" y="718458"/>
-            <a:ext cx="11843723" cy="6453051"/>
-          </a:xfrm>
-          <a:prstGeom prst="rect">
-            <a:avLst/>
-          </a:prstGeom>
-          <a:ln>
-            <a:noFill/>
-          </a:ln>
-          <a:effectLst/>
-          <a:scene3d>
-            <a:camera prst="orthographicFront">
-              <a:rot lat="0" lon="0" rev="0"/>
-            </a:camera>
-            <a:lightRig rig="glow" dir="t">
-              <a:rot lat="0" lon="0" rev="14100000"/>
-            </a:lightRig>
-          </a:scene3d>
-          <a:sp3d prstMaterial="softEdge">
-            <a:bevelT w="127000" prst="artDeco"/>
-          </a:sp3d>
-        </p:spPr>
-      </p:pic>
-    </p:spTree>
-    <p:extLst>
-      <p:ext uri="{BB962C8B-B14F-4D97-AF65-F5344CB8AC3E}">
-        <p14:creationId xmlns:p14="http://schemas.microsoft.com/office/powerpoint/2010/main" val="533436899"/>
-      </p:ext>
-    </p:extLst>
-  </p:cSld>
-  <p:clrMapOvr>
-    <a:masterClrMapping/>
-  </p:clrMapOvr>
-</p:sld>
-</file>
-
-<file path=ppt/slides/slide8.xml><?xml version="1.0" encoding="utf-8"?>
-<p:sld xmlns:a="http://schemas.openxmlformats.org/drawingml/2006/main" xmlns:r="http://schemas.openxmlformats.org/officeDocument/2006/relationships" xmlns:p="http://schemas.openxmlformats.org/presentationml/2006/main">
-  <p:cSld>
-    <p:spTree>
-      <p:nvGrpSpPr>
-        <p:cNvPr id="1" name=""/>
-        <p:cNvGrpSpPr/>
-        <p:nvPr/>
-      </p:nvGrpSpPr>
-      <p:grpSpPr>
-        <a:xfrm>
-          <a:off x="0" y="0"/>
-          <a:ext cx="0" cy="0"/>
-          <a:chOff x="0" y="0"/>
-          <a:chExt cx="0" cy="0"/>
-        </a:xfrm>
-      </p:grpSpPr>
-      <p:pic>
-        <p:nvPicPr>
-          <p:cNvPr id="3" name="Picture 2"/>
-          <p:cNvPicPr>
-            <a:picLocks noChangeAspect="1"/>
-          </p:cNvPicPr>
-          <p:nvPr/>
-        </p:nvPicPr>
-        <p:blipFill>
-          <a:blip r:embed="rId2"/>
-          <a:stretch>
-            <a:fillRect/>
-          </a:stretch>
-        </p:blipFill>
-        <p:spPr>
-          <a:xfrm>
-            <a:off x="202775" y="249382"/>
-            <a:ext cx="4802665" cy="3091576"/>
-          </a:xfrm>
-          <a:prstGeom prst="rect">
-            <a:avLst/>
-          </a:prstGeom>
-        </p:spPr>
-      </p:pic>
-      <p:pic>
-        <p:nvPicPr>
-          <p:cNvPr id="4" name="Picture 3"/>
-          <p:cNvPicPr>
-            <a:picLocks noChangeAspect="1"/>
-          </p:cNvPicPr>
-          <p:nvPr/>
-        </p:nvPicPr>
-        <p:blipFill>
-          <a:blip r:embed="rId3"/>
-          <a:stretch>
-            <a:fillRect/>
-          </a:stretch>
-        </p:blipFill>
-        <p:spPr>
-          <a:xfrm>
-            <a:off x="5951913" y="249382"/>
-            <a:ext cx="4780996" cy="3079926"/>
-          </a:xfrm>
-          <a:prstGeom prst="rect">
-            <a:avLst/>
-          </a:prstGeom>
-        </p:spPr>
-      </p:pic>
-      <p:pic>
-        <p:nvPicPr>
-          <p:cNvPr id="5" name="Picture 4"/>
-          <p:cNvPicPr>
-            <a:picLocks noChangeAspect="1"/>
-          </p:cNvPicPr>
-          <p:nvPr/>
-        </p:nvPicPr>
-        <p:blipFill>
-          <a:blip r:embed="rId4"/>
-          <a:stretch>
-            <a:fillRect/>
-          </a:stretch>
-        </p:blipFill>
-        <p:spPr>
-          <a:xfrm>
-            <a:off x="206575" y="3507971"/>
-            <a:ext cx="4798865" cy="3279774"/>
-          </a:xfrm>
-          <a:prstGeom prst="rect">
-            <a:avLst/>
-          </a:prstGeom>
-        </p:spPr>
-      </p:pic>
-      <p:pic>
-        <p:nvPicPr>
-          <p:cNvPr id="6" name="Picture 5"/>
-          <p:cNvPicPr>
-            <a:picLocks noChangeAspect="1"/>
-          </p:cNvPicPr>
-          <p:nvPr/>
-        </p:nvPicPr>
-        <p:blipFill>
-          <a:blip r:embed="rId5"/>
-          <a:stretch>
-            <a:fillRect/>
-          </a:stretch>
-        </p:blipFill>
-        <p:spPr>
-          <a:xfrm>
-            <a:off x="5951913" y="3603789"/>
-            <a:ext cx="4780996" cy="3059838"/>
-          </a:xfrm>
-          <a:prstGeom prst="rect">
-            <a:avLst/>
-          </a:prstGeom>
-        </p:spPr>
-      </p:pic>
-    </p:spTree>
-    <p:extLst>
-      <p:ext uri="{BB962C8B-B14F-4D97-AF65-F5344CB8AC3E}">
-        <p14:creationId xmlns:p14="http://schemas.microsoft.com/office/powerpoint/2010/main" val="3564634272"/>
-      </p:ext>
-    </p:extLst>
-  </p:cSld>
-  <p:clrMapOvr>
-    <a:masterClrMapping/>
-  </p:clrMapOvr>
-</p:sld>
-</file>
-
-<file path=ppt/slides/slide9.xml><?xml version="1.0" encoding="utf-8"?>
-<p:sld xmlns:a="http://schemas.openxmlformats.org/drawingml/2006/main" xmlns:r="http://schemas.openxmlformats.org/officeDocument/2006/relationships" xmlns:p="http://schemas.openxmlformats.org/presentationml/2006/main">
-  <p:cSld>
-    <p:spTree>
-      <p:nvGrpSpPr>
-        <p:cNvPr id="1" name=""/>
-        <p:cNvGrpSpPr/>
-        <p:nvPr/>
-      </p:nvGrpSpPr>
-      <p:grpSpPr>
-        <a:xfrm>
-          <a:off x="0" y="0"/>
-          <a:ext cx="0" cy="0"/>
-          <a:chOff x="0" y="0"/>
-          <a:chExt cx="0" cy="0"/>
-        </a:xfrm>
-      </p:grpSpPr>
-      <p:sp>
-        <p:nvSpPr>
-          <p:cNvPr id="2" name="Title 1"/>
-          <p:cNvSpPr>
-            <a:spLocks noGrp="1"/>
-          </p:cNvSpPr>
-          <p:nvPr>
-            <p:ph type="title"/>
-          </p:nvPr>
-        </p:nvSpPr>
-        <p:spPr>
-          <a:xfrm>
-            <a:off x="2128058" y="274638"/>
-            <a:ext cx="9454342" cy="1143000"/>
-          </a:xfrm>
-        </p:spPr>
-        <p:txBody>
-          <a:bodyPr>
-            <a:normAutofit/>
-          </a:bodyPr>
-          <a:lstStyle/>
-          <a:p>
-            <a:r>
-              <a:rPr lang="en-US" dirty="0" smtClean="0"/>
-              <a:t>Engagement and </a:t>
-            </a:r>
-            <a:r>
-              <a:rPr lang="en-US" dirty="0" smtClean="0"/>
-              <a:t>Outcomes</a:t>
+              <a:t>Engagement and Outcomes</a:t>
             </a:r>
             <a:endParaRPr lang="en-US" dirty="0"/>
           </a:p>
@@ -17657,6 +14831,6125 @@
       </p:par>
     </p:tnLst>
   </p:timing>
+</p:sld>
+</file>
+
+<file path=ppt/slides/slide11.xml><?xml version="1.0" encoding="utf-8"?>
+<p:sld xmlns:a="http://schemas.openxmlformats.org/drawingml/2006/main" xmlns:r="http://schemas.openxmlformats.org/officeDocument/2006/relationships" xmlns:p="http://schemas.openxmlformats.org/presentationml/2006/main">
+  <p:cSld>
+    <p:spTree>
+      <p:nvGrpSpPr>
+        <p:cNvPr id="1" name=""/>
+        <p:cNvGrpSpPr/>
+        <p:nvPr/>
+      </p:nvGrpSpPr>
+      <p:grpSpPr>
+        <a:xfrm>
+          <a:off x="0" y="0"/>
+          <a:ext cx="0" cy="0"/>
+          <a:chOff x="0" y="0"/>
+          <a:chExt cx="0" cy="0"/>
+        </a:xfrm>
+      </p:grpSpPr>
+      <p:sp>
+        <p:nvSpPr>
+          <p:cNvPr id="2" name="Title 1"/>
+          <p:cNvSpPr>
+            <a:spLocks noGrp="1"/>
+          </p:cNvSpPr>
+          <p:nvPr>
+            <p:ph type="title"/>
+          </p:nvPr>
+        </p:nvSpPr>
+        <p:spPr/>
+        <p:txBody>
+          <a:bodyPr/>
+          <a:lstStyle/>
+          <a:p>
+            <a:pPr algn="ctr"/>
+            <a:r>
+              <a:rPr lang="en-US" dirty="0" smtClean="0"/>
+              <a:t>Satisfaction</a:t>
+            </a:r>
+            <a:endParaRPr lang="en-US" dirty="0"/>
+          </a:p>
+        </p:txBody>
+      </p:sp>
+      <p:graphicFrame>
+        <p:nvGraphicFramePr>
+          <p:cNvPr id="6" name="Content Placeholder 5"/>
+          <p:cNvGraphicFramePr>
+            <a:graphicFrameLocks noGrp="1"/>
+          </p:cNvGraphicFramePr>
+          <p:nvPr>
+            <p:ph idx="1"/>
+            <p:extLst/>
+          </p:nvPr>
+        </p:nvGraphicFramePr>
+        <p:xfrm>
+          <a:off x="1981200" y="1155701"/>
+          <a:ext cx="8229600" cy="4970463"/>
+        </p:xfrm>
+        <a:graphic>
+          <a:graphicData uri="http://schemas.openxmlformats.org/drawingml/2006/chart">
+            <c:chart xmlns:c="http://schemas.openxmlformats.org/drawingml/2006/chart" xmlns:r="http://schemas.openxmlformats.org/officeDocument/2006/relationships" r:id="rId3"/>
+          </a:graphicData>
+        </a:graphic>
+      </p:graphicFrame>
+    </p:spTree>
+    <p:extLst>
+      <p:ext uri="{BB962C8B-B14F-4D97-AF65-F5344CB8AC3E}">
+        <p14:creationId xmlns:p14="http://schemas.microsoft.com/office/powerpoint/2010/main" val="3252945752"/>
+      </p:ext>
+    </p:extLst>
+  </p:cSld>
+  <p:clrMapOvr>
+    <a:masterClrMapping/>
+  </p:clrMapOvr>
+  <p:timing>
+    <p:tnLst>
+      <p:par>
+        <p:cTn id="1" dur="indefinite" restart="never" nodeType="tmRoot"/>
+      </p:par>
+    </p:tnLst>
+  </p:timing>
+</p:sld>
+</file>
+
+<file path=ppt/slides/slide12.xml><?xml version="1.0" encoding="utf-8"?>
+<p:sld xmlns:a="http://schemas.openxmlformats.org/drawingml/2006/main" xmlns:r="http://schemas.openxmlformats.org/officeDocument/2006/relationships" xmlns:p="http://schemas.openxmlformats.org/presentationml/2006/main">
+  <p:cSld>
+    <p:spTree>
+      <p:nvGrpSpPr>
+        <p:cNvPr id="1" name=""/>
+        <p:cNvGrpSpPr/>
+        <p:nvPr/>
+      </p:nvGrpSpPr>
+      <p:grpSpPr>
+        <a:xfrm>
+          <a:off x="0" y="0"/>
+          <a:ext cx="0" cy="0"/>
+          <a:chOff x="0" y="0"/>
+          <a:chExt cx="0" cy="0"/>
+        </a:xfrm>
+      </p:grpSpPr>
+      <p:sp>
+        <p:nvSpPr>
+          <p:cNvPr id="2" name="TextBox 1"/>
+          <p:cNvSpPr txBox="1"/>
+          <p:nvPr/>
+        </p:nvSpPr>
+        <p:spPr>
+          <a:xfrm>
+            <a:off x="1105987" y="740229"/>
+            <a:ext cx="10737669" cy="5909310"/>
+          </a:xfrm>
+          <a:prstGeom prst="rect">
+            <a:avLst/>
+          </a:prstGeom>
+          <a:noFill/>
+        </p:spPr>
+        <p:txBody>
+          <a:bodyPr wrap="square" rtlCol="0">
+            <a:spAutoFit/>
+          </a:bodyPr>
+          <a:lstStyle/>
+          <a:p>
+            <a:r>
+              <a:rPr lang="en-US" sz="3800" b="1" dirty="0" smtClean="0">
+                <a:latin typeface="Bradley Hand ITC" panose="03070402050302030203" pitchFamily="66" charset="0"/>
+              </a:rPr>
+              <a:t>Parent:		How is School son?</a:t>
+            </a:r>
+          </a:p>
+          <a:p>
+            <a:endParaRPr lang="en-US" sz="3800" b="1" dirty="0">
+              <a:latin typeface="Bradley Hand ITC" panose="03070402050302030203" pitchFamily="66" charset="0"/>
+            </a:endParaRPr>
+          </a:p>
+          <a:p>
+            <a:r>
+              <a:rPr lang="en-US" sz="3800" b="1" dirty="0" smtClean="0">
+                <a:solidFill>
+                  <a:schemeClr val="bg2">
+                    <a:lumMod val="50000"/>
+                  </a:schemeClr>
+                </a:solidFill>
+                <a:latin typeface="Bradley Hand ITC" panose="03070402050302030203" pitchFamily="66" charset="0"/>
+              </a:rPr>
+              <a:t>Student:		It is great, there is so much to do, </a:t>
+            </a:r>
+            <a:br>
+              <a:rPr lang="en-US" sz="3800" b="1" dirty="0" smtClean="0">
+                <a:solidFill>
+                  <a:schemeClr val="bg2">
+                    <a:lumMod val="50000"/>
+                  </a:schemeClr>
+                </a:solidFill>
+                <a:latin typeface="Bradley Hand ITC" panose="03070402050302030203" pitchFamily="66" charset="0"/>
+              </a:rPr>
+            </a:br>
+            <a:r>
+              <a:rPr lang="en-US" sz="3800" b="1" dirty="0" smtClean="0">
+                <a:solidFill>
+                  <a:schemeClr val="bg2">
+                    <a:lumMod val="50000"/>
+                  </a:schemeClr>
+                </a:solidFill>
+                <a:latin typeface="Bradley Hand ITC" panose="03070402050302030203" pitchFamily="66" charset="0"/>
+              </a:rPr>
+              <a:t>					I love it!</a:t>
+            </a:r>
+          </a:p>
+          <a:p>
+            <a:endParaRPr lang="en-US" sz="3800" b="1" dirty="0">
+              <a:latin typeface="Bradley Hand ITC" panose="03070402050302030203" pitchFamily="66" charset="0"/>
+            </a:endParaRPr>
+          </a:p>
+          <a:p>
+            <a:r>
+              <a:rPr lang="en-US" sz="3800" b="1" dirty="0" smtClean="0">
+                <a:latin typeface="Bradley Hand ITC" panose="03070402050302030203" pitchFamily="66" charset="0"/>
+              </a:rPr>
+              <a:t>Parent:		How are your classes?</a:t>
+            </a:r>
+          </a:p>
+          <a:p>
+            <a:endParaRPr lang="en-US" sz="3800" b="1" dirty="0">
+              <a:latin typeface="Bradley Hand ITC" panose="03070402050302030203" pitchFamily="66" charset="0"/>
+            </a:endParaRPr>
+          </a:p>
+          <a:p>
+            <a:r>
+              <a:rPr lang="en-US" sz="3800" b="1" dirty="0" smtClean="0">
+                <a:solidFill>
+                  <a:schemeClr val="bg2">
+                    <a:lumMod val="50000"/>
+                  </a:schemeClr>
+                </a:solidFill>
+                <a:latin typeface="Bradley Hand ITC" panose="03070402050302030203" pitchFamily="66" charset="0"/>
+              </a:rPr>
+              <a:t>Student:		Not sure, there has been so much </a:t>
+            </a:r>
+          </a:p>
+          <a:p>
+            <a:r>
+              <a:rPr lang="en-US" sz="3800" b="1" dirty="0">
+                <a:solidFill>
+                  <a:schemeClr val="bg2">
+                    <a:lumMod val="50000"/>
+                  </a:schemeClr>
+                </a:solidFill>
+                <a:latin typeface="Bradley Hand ITC" panose="03070402050302030203" pitchFamily="66" charset="0"/>
+              </a:rPr>
+              <a:t>	</a:t>
+            </a:r>
+            <a:r>
+              <a:rPr lang="en-US" sz="3800" b="1" dirty="0" smtClean="0">
+                <a:solidFill>
+                  <a:schemeClr val="bg2">
+                    <a:lumMod val="50000"/>
+                  </a:schemeClr>
+                </a:solidFill>
+                <a:latin typeface="Bradley Hand ITC" panose="03070402050302030203" pitchFamily="66" charset="0"/>
+              </a:rPr>
+              <a:t>				other stuff to do…..</a:t>
+            </a:r>
+          </a:p>
+          <a:p>
+            <a:endParaRPr lang="en-US" sz="3600" b="1" dirty="0">
+              <a:latin typeface="Bradley Hand ITC" panose="03070402050302030203" pitchFamily="66" charset="0"/>
+            </a:endParaRPr>
+          </a:p>
+        </p:txBody>
+      </p:sp>
+    </p:spTree>
+    <p:extLst>
+      <p:ext uri="{BB962C8B-B14F-4D97-AF65-F5344CB8AC3E}">
+        <p14:creationId xmlns:p14="http://schemas.microsoft.com/office/powerpoint/2010/main" val="3699592926"/>
+      </p:ext>
+    </p:extLst>
+  </p:cSld>
+  <p:clrMapOvr>
+    <a:masterClrMapping/>
+  </p:clrMapOvr>
+</p:sld>
+</file>
+
+<file path=ppt/slides/slide13.xml><?xml version="1.0" encoding="utf-8"?>
+<p:sld xmlns:a="http://schemas.openxmlformats.org/drawingml/2006/main" xmlns:r="http://schemas.openxmlformats.org/officeDocument/2006/relationships" xmlns:p="http://schemas.openxmlformats.org/presentationml/2006/main">
+  <p:cSld>
+    <p:spTree>
+      <p:nvGrpSpPr>
+        <p:cNvPr id="1" name=""/>
+        <p:cNvGrpSpPr/>
+        <p:nvPr/>
+      </p:nvGrpSpPr>
+      <p:grpSpPr>
+        <a:xfrm>
+          <a:off x="0" y="0"/>
+          <a:ext cx="0" cy="0"/>
+          <a:chOff x="0" y="0"/>
+          <a:chExt cx="0" cy="0"/>
+        </a:xfrm>
+      </p:grpSpPr>
+      <p:sp>
+        <p:nvSpPr>
+          <p:cNvPr id="4" name="Title 3"/>
+          <p:cNvSpPr>
+            <a:spLocks noGrp="1"/>
+          </p:cNvSpPr>
+          <p:nvPr>
+            <p:ph type="title"/>
+          </p:nvPr>
+        </p:nvSpPr>
+        <p:spPr>
+          <a:xfrm>
+            <a:off x="913774" y="94816"/>
+            <a:ext cx="10364451" cy="944276"/>
+          </a:xfrm>
+        </p:spPr>
+        <p:txBody>
+          <a:bodyPr/>
+          <a:lstStyle/>
+          <a:p>
+            <a:r>
+              <a:rPr lang="en-US" dirty="0" smtClean="0"/>
+              <a:t>Data Science Process</a:t>
+            </a:r>
+            <a:endParaRPr lang="en-US" dirty="0"/>
+          </a:p>
+        </p:txBody>
+      </p:sp>
+      <p:sp>
+        <p:nvSpPr>
+          <p:cNvPr id="5" name="Content Placeholder 4"/>
+          <p:cNvSpPr>
+            <a:spLocks noGrp="1"/>
+          </p:cNvSpPr>
+          <p:nvPr>
+            <p:ph sz="quarter" idx="13"/>
+          </p:nvPr>
+        </p:nvSpPr>
+        <p:spPr>
+          <a:xfrm>
+            <a:off x="913774" y="1236561"/>
+            <a:ext cx="10363826" cy="3424107"/>
+          </a:xfrm>
+        </p:spPr>
+        <p:txBody>
+          <a:bodyPr/>
+          <a:lstStyle/>
+          <a:p>
+            <a:pPr marL="457200" indent="-457200">
+              <a:buFont typeface="+mj-lt"/>
+              <a:buAutoNum type="arabicPeriod"/>
+            </a:pPr>
+            <a:r>
+              <a:rPr lang="en-US" sz="2800" cap="none" dirty="0" smtClean="0"/>
+              <a:t>Extensive data process of obtaining, cleaning, merging &amp; carpentry</a:t>
+            </a:r>
+          </a:p>
+          <a:p>
+            <a:pPr marL="457200" indent="-457200">
+              <a:buFont typeface="+mj-lt"/>
+              <a:buAutoNum type="arabicPeriod"/>
+            </a:pPr>
+            <a:r>
+              <a:rPr lang="en-US" sz="2800" cap="none" dirty="0" smtClean="0"/>
+              <a:t>Python</a:t>
+            </a:r>
+          </a:p>
+          <a:p>
+            <a:pPr marL="914400" lvl="1" indent="-457200">
+              <a:buFont typeface="+mj-lt"/>
+              <a:buAutoNum type="arabicPeriod"/>
+            </a:pPr>
+            <a:r>
+              <a:rPr lang="en-US" sz="2400" cap="none" dirty="0" smtClean="0"/>
+              <a:t>Load and review, imputation of missing values, balance data, split data</a:t>
+            </a:r>
+          </a:p>
+          <a:p>
+            <a:pPr marL="914400" lvl="1" indent="-457200">
+              <a:buFont typeface="+mj-lt"/>
+              <a:buAutoNum type="arabicPeriod"/>
+            </a:pPr>
+            <a:r>
+              <a:rPr lang="en-US" sz="2400" cap="none" dirty="0" smtClean="0"/>
+              <a:t>Review regression and correlation</a:t>
+            </a:r>
+          </a:p>
+          <a:p>
+            <a:pPr marL="914400" lvl="1" indent="-457200">
+              <a:buFont typeface="+mj-lt"/>
+              <a:buAutoNum type="arabicPeriod"/>
+            </a:pPr>
+            <a:r>
+              <a:rPr lang="en-US" sz="2400" cap="none" dirty="0" smtClean="0"/>
+              <a:t>Run Machine Learn Algorithms</a:t>
+            </a:r>
+          </a:p>
+          <a:p>
+            <a:pPr marL="457200" lvl="1" indent="0">
+              <a:buNone/>
+            </a:pPr>
+            <a:endParaRPr lang="en-US" cap="none" dirty="0" smtClean="0"/>
+          </a:p>
+        </p:txBody>
+      </p:sp>
+    </p:spTree>
+    <p:extLst>
+      <p:ext uri="{BB962C8B-B14F-4D97-AF65-F5344CB8AC3E}">
+        <p14:creationId xmlns:p14="http://schemas.microsoft.com/office/powerpoint/2010/main" val="153087222"/>
+      </p:ext>
+    </p:extLst>
+  </p:cSld>
+  <p:clrMapOvr>
+    <a:masterClrMapping/>
+  </p:clrMapOvr>
+</p:sld>
+</file>
+
+<file path=ppt/slides/slide14.xml><?xml version="1.0" encoding="utf-8"?>
+<p:sld xmlns:a="http://schemas.openxmlformats.org/drawingml/2006/main" xmlns:r="http://schemas.openxmlformats.org/officeDocument/2006/relationships" xmlns:p="http://schemas.openxmlformats.org/presentationml/2006/main">
+  <p:cSld>
+    <p:spTree>
+      <p:nvGrpSpPr>
+        <p:cNvPr id="1" name=""/>
+        <p:cNvGrpSpPr/>
+        <p:nvPr/>
+      </p:nvGrpSpPr>
+      <p:grpSpPr>
+        <a:xfrm>
+          <a:off x="0" y="0"/>
+          <a:ext cx="0" cy="0"/>
+          <a:chOff x="0" y="0"/>
+          <a:chExt cx="0" cy="0"/>
+        </a:xfrm>
+      </p:grpSpPr>
+      <p:sp>
+        <p:nvSpPr>
+          <p:cNvPr id="3" name="Content Placeholder 2"/>
+          <p:cNvSpPr>
+            <a:spLocks noGrp="1"/>
+          </p:cNvSpPr>
+          <p:nvPr>
+            <p:ph sz="quarter" idx="13"/>
+          </p:nvPr>
+        </p:nvSpPr>
+        <p:spPr/>
+        <p:txBody>
+          <a:bodyPr/>
+          <a:lstStyle/>
+          <a:p>
+            <a:endParaRPr lang="en-US" dirty="0"/>
+          </a:p>
+        </p:txBody>
+      </p:sp>
+      <p:sp>
+        <p:nvSpPr>
+          <p:cNvPr id="2" name="Title 1"/>
+          <p:cNvSpPr>
+            <a:spLocks noGrp="1"/>
+          </p:cNvSpPr>
+          <p:nvPr>
+            <p:ph type="title"/>
+          </p:nvPr>
+        </p:nvSpPr>
+        <p:spPr>
+          <a:xfrm>
+            <a:off x="1985554" y="-69461"/>
+            <a:ext cx="9292671" cy="1596177"/>
+          </a:xfrm>
+        </p:spPr>
+        <p:txBody>
+          <a:bodyPr/>
+          <a:lstStyle/>
+          <a:p>
+            <a:r>
+              <a:rPr lang="en-US" cap="none" dirty="0" smtClean="0"/>
+              <a:t>REVIEW REGRESSION AND CORRELATION</a:t>
+            </a:r>
+            <a:endParaRPr lang="en-US" cap="none" dirty="0"/>
+          </a:p>
+        </p:txBody>
+      </p:sp>
+      <p:pic>
+        <p:nvPicPr>
+          <p:cNvPr id="4" name="Picture 3"/>
+          <p:cNvPicPr>
+            <a:picLocks noChangeAspect="1"/>
+          </p:cNvPicPr>
+          <p:nvPr/>
+        </p:nvPicPr>
+        <p:blipFill>
+          <a:blip r:embed="rId2"/>
+          <a:stretch>
+            <a:fillRect/>
+          </a:stretch>
+        </p:blipFill>
+        <p:spPr>
+          <a:xfrm>
+            <a:off x="259043" y="1422292"/>
+            <a:ext cx="4922558" cy="2513982"/>
+          </a:xfrm>
+          <a:prstGeom prst="rect">
+            <a:avLst/>
+          </a:prstGeom>
+        </p:spPr>
+      </p:pic>
+      <p:pic>
+        <p:nvPicPr>
+          <p:cNvPr id="6" name="Picture 5"/>
+          <p:cNvPicPr>
+            <a:picLocks noChangeAspect="1"/>
+          </p:cNvPicPr>
+          <p:nvPr/>
+        </p:nvPicPr>
+        <p:blipFill>
+          <a:blip r:embed="rId3"/>
+          <a:stretch>
+            <a:fillRect/>
+          </a:stretch>
+        </p:blipFill>
+        <p:spPr>
+          <a:xfrm>
+            <a:off x="5315223" y="2623633"/>
+            <a:ext cx="6542857" cy="3704762"/>
+          </a:xfrm>
+          <a:prstGeom prst="rect">
+            <a:avLst/>
+          </a:prstGeom>
+        </p:spPr>
+      </p:pic>
+    </p:spTree>
+    <p:extLst>
+      <p:ext uri="{BB962C8B-B14F-4D97-AF65-F5344CB8AC3E}">
+        <p14:creationId xmlns:p14="http://schemas.microsoft.com/office/powerpoint/2010/main" val="4205477432"/>
+      </p:ext>
+    </p:extLst>
+  </p:cSld>
+  <p:clrMapOvr>
+    <a:masterClrMapping/>
+  </p:clrMapOvr>
+  <p:timing>
+    <p:tnLst>
+      <p:par>
+        <p:cTn id="1" dur="indefinite" restart="never" nodeType="tmRoot"/>
+      </p:par>
+    </p:tnLst>
+  </p:timing>
+</p:sld>
+</file>
+
+<file path=ppt/slides/slide15.xml><?xml version="1.0" encoding="utf-8"?>
+<p:sld xmlns:a="http://schemas.openxmlformats.org/drawingml/2006/main" xmlns:r="http://schemas.openxmlformats.org/officeDocument/2006/relationships" xmlns:p="http://schemas.openxmlformats.org/presentationml/2006/main">
+  <p:cSld>
+    <p:spTree>
+      <p:nvGrpSpPr>
+        <p:cNvPr id="1" name=""/>
+        <p:cNvGrpSpPr/>
+        <p:nvPr/>
+      </p:nvGrpSpPr>
+      <p:grpSpPr>
+        <a:xfrm>
+          <a:off x="0" y="0"/>
+          <a:ext cx="0" cy="0"/>
+          <a:chOff x="0" y="0"/>
+          <a:chExt cx="0" cy="0"/>
+        </a:xfrm>
+      </p:grpSpPr>
+      <p:sp>
+        <p:nvSpPr>
+          <p:cNvPr id="2" name="Title 1"/>
+          <p:cNvSpPr>
+            <a:spLocks noGrp="1"/>
+          </p:cNvSpPr>
+          <p:nvPr>
+            <p:ph type="title"/>
+          </p:nvPr>
+        </p:nvSpPr>
+        <p:spPr>
+          <a:xfrm>
+            <a:off x="913774" y="0"/>
+            <a:ext cx="10364451" cy="1166949"/>
+          </a:xfrm>
+        </p:spPr>
+        <p:txBody>
+          <a:bodyPr/>
+          <a:lstStyle/>
+          <a:p>
+            <a:r>
+              <a:rPr lang="en-US" dirty="0" smtClean="0"/>
+              <a:t>Machine Learning Results</a:t>
+            </a:r>
+            <a:endParaRPr lang="en-US" dirty="0"/>
+          </a:p>
+        </p:txBody>
+      </p:sp>
+      <p:sp>
+        <p:nvSpPr>
+          <p:cNvPr id="3" name="Content Placeholder 2"/>
+          <p:cNvSpPr>
+            <a:spLocks noGrp="1"/>
+          </p:cNvSpPr>
+          <p:nvPr>
+            <p:ph sz="quarter" idx="13"/>
+          </p:nvPr>
+        </p:nvSpPr>
+        <p:spPr>
+          <a:xfrm>
+            <a:off x="913774" y="1166949"/>
+            <a:ext cx="10363826" cy="5190307"/>
+          </a:xfrm>
+        </p:spPr>
+        <p:txBody>
+          <a:bodyPr>
+            <a:normAutofit lnSpcReduction="10000"/>
+          </a:bodyPr>
+          <a:lstStyle/>
+          <a:p>
+            <a:pPr marL="0" indent="-457200">
+              <a:spcBef>
+                <a:spcPts val="0"/>
+              </a:spcBef>
+              <a:buFont typeface="+mj-lt"/>
+              <a:buAutoNum type="arabicPeriod"/>
+            </a:pPr>
+            <a:r>
+              <a:rPr lang="en-US" kern="0" cap="none" dirty="0" smtClean="0"/>
+              <a:t>LogisticRegression 			train = .69  	test = .60</a:t>
+            </a:r>
+          </a:p>
+          <a:p>
+            <a:pPr marL="0" indent="-457200">
+              <a:spcBef>
+                <a:spcPts val="0"/>
+              </a:spcBef>
+              <a:buFont typeface="+mj-lt"/>
+              <a:buAutoNum type="arabicPeriod"/>
+            </a:pPr>
+            <a:r>
+              <a:rPr lang="en-US" kern="0" cap="none" dirty="0" err="1" smtClean="0"/>
+              <a:t>LogisticRegression</a:t>
+            </a:r>
+            <a:r>
+              <a:rPr lang="en-US" kern="0" cap="none" dirty="0" smtClean="0"/>
+              <a:t>(C=110) </a:t>
+            </a:r>
+            <a:r>
+              <a:rPr lang="en-US" kern="0" cap="none" dirty="0"/>
+              <a:t>	</a:t>
+            </a:r>
+            <a:r>
+              <a:rPr lang="en-US" kern="0" cap="none" dirty="0" smtClean="0"/>
+              <a:t>	train </a:t>
+            </a:r>
+            <a:r>
+              <a:rPr lang="en-US" kern="0" cap="none" dirty="0"/>
+              <a:t>= </a:t>
+            </a:r>
+            <a:r>
+              <a:rPr lang="en-US" kern="0" cap="none" dirty="0" smtClean="0"/>
+              <a:t>.70  </a:t>
+            </a:r>
+            <a:r>
+              <a:rPr lang="en-US" kern="0" cap="none" dirty="0"/>
+              <a:t>	test = </a:t>
+            </a:r>
+            <a:r>
+              <a:rPr lang="en-US" kern="0" cap="none" dirty="0" smtClean="0"/>
+              <a:t>.62</a:t>
+            </a:r>
+          </a:p>
+          <a:p>
+            <a:pPr marL="0" indent="-457200">
+              <a:spcBef>
+                <a:spcPts val="0"/>
+              </a:spcBef>
+              <a:buFont typeface="+mj-lt"/>
+              <a:buAutoNum type="arabicPeriod"/>
+            </a:pPr>
+            <a:r>
+              <a:rPr lang="en-US" kern="0" cap="none" dirty="0" err="1" smtClean="0"/>
+              <a:t>LogisticRegression</a:t>
+            </a:r>
+            <a:r>
+              <a:rPr lang="en-US" kern="0" cap="none" dirty="0" smtClean="0"/>
+              <a:t>(C=001) </a:t>
+            </a:r>
+            <a:r>
+              <a:rPr lang="en-US" kern="0" cap="none" dirty="0"/>
+              <a:t>	</a:t>
+            </a:r>
+            <a:r>
+              <a:rPr lang="en-US" kern="0" cap="none" dirty="0" smtClean="0"/>
+              <a:t>	train </a:t>
+            </a:r>
+            <a:r>
+              <a:rPr lang="en-US" kern="0" cap="none" dirty="0"/>
+              <a:t>= </a:t>
+            </a:r>
+            <a:r>
+              <a:rPr lang="en-US" kern="0" cap="none" dirty="0" smtClean="0"/>
+              <a:t>.67  </a:t>
+            </a:r>
+            <a:r>
+              <a:rPr lang="en-US" kern="0" cap="none" dirty="0"/>
+              <a:t>	test = </a:t>
+            </a:r>
+            <a:r>
+              <a:rPr lang="en-US" kern="0" cap="none" dirty="0" smtClean="0"/>
+              <a:t>.57</a:t>
+            </a:r>
+          </a:p>
+          <a:p>
+            <a:pPr marL="0" indent="-457200">
+              <a:spcBef>
+                <a:spcPts val="0"/>
+              </a:spcBef>
+              <a:buFont typeface="+mj-lt"/>
+              <a:buAutoNum type="arabicPeriod"/>
+            </a:pPr>
+            <a:r>
+              <a:rPr lang="en-US" kern="0" cap="none" dirty="0" err="1" smtClean="0"/>
+              <a:t>DescisionTree</a:t>
+            </a:r>
+            <a:r>
+              <a:rPr lang="en-US" kern="0" cap="none" dirty="0" smtClean="0"/>
+              <a:t>		</a:t>
+            </a:r>
+            <a:r>
+              <a:rPr lang="en-US" kern="0" cap="none" dirty="0"/>
+              <a:t>	</a:t>
+            </a:r>
+            <a:r>
+              <a:rPr lang="en-US" kern="0" cap="none" dirty="0" smtClean="0"/>
+              <a:t>	train </a:t>
+            </a:r>
+            <a:r>
+              <a:rPr lang="en-US" kern="0" cap="none" dirty="0"/>
+              <a:t>= </a:t>
+            </a:r>
+            <a:r>
+              <a:rPr lang="en-US" kern="0" cap="none" dirty="0" smtClean="0"/>
+              <a:t>.81  </a:t>
+            </a:r>
+            <a:r>
+              <a:rPr lang="en-US" kern="0" cap="none" dirty="0"/>
+              <a:t>	test = </a:t>
+            </a:r>
+            <a:r>
+              <a:rPr lang="en-US" kern="0" cap="none" dirty="0" smtClean="0"/>
+              <a:t>.53</a:t>
+            </a:r>
+          </a:p>
+          <a:p>
+            <a:pPr marL="0" indent="-457200">
+              <a:spcBef>
+                <a:spcPts val="0"/>
+              </a:spcBef>
+              <a:buFont typeface="+mj-lt"/>
+              <a:buAutoNum type="arabicPeriod"/>
+            </a:pPr>
+            <a:r>
+              <a:rPr lang="en-US" kern="0" cap="none" dirty="0" err="1"/>
+              <a:t>DescisionTree</a:t>
+            </a:r>
+            <a:r>
+              <a:rPr lang="en-US" kern="0" cap="none" dirty="0"/>
+              <a:t>	</a:t>
+            </a:r>
+            <a:r>
+              <a:rPr lang="en-US" kern="0" cap="none" dirty="0" smtClean="0"/>
+              <a:t>(Depth = 4)</a:t>
+            </a:r>
+            <a:r>
+              <a:rPr lang="en-US" kern="0" cap="none" dirty="0"/>
+              <a:t>	</a:t>
+            </a:r>
+            <a:r>
+              <a:rPr lang="en-US" kern="0" cap="none" dirty="0" smtClean="0"/>
+              <a:t>	train </a:t>
+            </a:r>
+            <a:r>
+              <a:rPr lang="en-US" kern="0" cap="none" dirty="0"/>
+              <a:t>= </a:t>
+            </a:r>
+            <a:r>
+              <a:rPr lang="en-US" kern="0" cap="none" dirty="0" smtClean="0"/>
+              <a:t>.74  </a:t>
+            </a:r>
+            <a:r>
+              <a:rPr lang="en-US" kern="0" cap="none" dirty="0"/>
+              <a:t>	test = </a:t>
+            </a:r>
+            <a:r>
+              <a:rPr lang="en-US" kern="0" cap="none" dirty="0" smtClean="0"/>
+              <a:t>.58</a:t>
+            </a:r>
+          </a:p>
+          <a:p>
+            <a:pPr marL="0" indent="-457200">
+              <a:spcBef>
+                <a:spcPts val="0"/>
+              </a:spcBef>
+              <a:buFont typeface="+mj-lt"/>
+              <a:buAutoNum type="arabicPeriod"/>
+            </a:pPr>
+            <a:r>
+              <a:rPr lang="en-US" kern="0" cap="none" dirty="0" smtClean="0"/>
+              <a:t>Random Forest	</a:t>
+            </a:r>
+            <a:r>
+              <a:rPr lang="en-US" kern="0" cap="none" dirty="0"/>
+              <a:t>	</a:t>
+            </a:r>
+            <a:r>
+              <a:rPr lang="en-US" kern="0" cap="none" dirty="0" smtClean="0"/>
+              <a:t>	train </a:t>
+            </a:r>
+            <a:r>
+              <a:rPr lang="en-US" kern="0" cap="none" dirty="0"/>
+              <a:t>= </a:t>
+            </a:r>
+            <a:r>
+              <a:rPr lang="en-US" kern="0" cap="none" dirty="0" smtClean="0"/>
+              <a:t>.81  </a:t>
+            </a:r>
+            <a:r>
+              <a:rPr lang="en-US" kern="0" cap="none" dirty="0"/>
+              <a:t>	test = </a:t>
+            </a:r>
+            <a:r>
+              <a:rPr lang="en-US" kern="0" cap="none" dirty="0" smtClean="0"/>
+              <a:t>.53</a:t>
+            </a:r>
+          </a:p>
+          <a:p>
+            <a:pPr marL="0" indent="-457200">
+              <a:spcBef>
+                <a:spcPts val="0"/>
+              </a:spcBef>
+              <a:buFont typeface="+mj-lt"/>
+              <a:buAutoNum type="arabicPeriod"/>
+            </a:pPr>
+            <a:r>
+              <a:rPr lang="en-US" kern="0" cap="none" dirty="0" smtClean="0"/>
+              <a:t>Gradient Boost			train = .79	test = .58</a:t>
+            </a:r>
+          </a:p>
+          <a:p>
+            <a:pPr marL="0" indent="-457200">
+              <a:spcBef>
+                <a:spcPts val="0"/>
+              </a:spcBef>
+              <a:buFont typeface="+mj-lt"/>
+              <a:buAutoNum type="arabicPeriod"/>
+            </a:pPr>
+            <a:r>
+              <a:rPr lang="en-US" kern="0" cap="none" dirty="0"/>
+              <a:t>Gradient </a:t>
+            </a:r>
+            <a:r>
+              <a:rPr lang="en-US" kern="0" cap="none" dirty="0" smtClean="0"/>
+              <a:t>Boost (Depth =1</a:t>
+            </a:r>
+            <a:r>
+              <a:rPr lang="en-US" kern="0" cap="none" dirty="0"/>
+              <a:t>	</a:t>
+            </a:r>
+            <a:r>
+              <a:rPr lang="en-US" kern="0" cap="none" dirty="0" smtClean="0"/>
+              <a:t>	train </a:t>
+            </a:r>
+            <a:r>
+              <a:rPr lang="en-US" kern="0" cap="none" dirty="0"/>
+              <a:t>= </a:t>
+            </a:r>
+            <a:r>
+              <a:rPr lang="en-US" kern="0" cap="none" dirty="0" smtClean="0"/>
+              <a:t>.72</a:t>
+            </a:r>
+            <a:r>
+              <a:rPr lang="en-US" kern="0" cap="none" dirty="0"/>
+              <a:t>	test = </a:t>
+            </a:r>
+            <a:r>
+              <a:rPr lang="en-US" kern="0" cap="none" dirty="0" smtClean="0"/>
+              <a:t>.60</a:t>
+            </a:r>
+          </a:p>
+          <a:p>
+            <a:pPr marL="0" indent="-457200">
+              <a:spcBef>
+                <a:spcPts val="0"/>
+              </a:spcBef>
+              <a:buFont typeface="+mj-lt"/>
+              <a:buAutoNum type="arabicPeriod"/>
+            </a:pPr>
+            <a:r>
+              <a:rPr lang="en-US" kern="0" cap="none" dirty="0"/>
+              <a:t>Gradient Boost </a:t>
+            </a:r>
+            <a:r>
+              <a:rPr lang="en-US" kern="0" cap="none" dirty="0" smtClean="0"/>
+              <a:t>(Learn rate </a:t>
+            </a:r>
+            <a:r>
+              <a:rPr lang="en-US" kern="0" cap="none" dirty="0"/>
+              <a:t>=</a:t>
+            </a:r>
+            <a:r>
+              <a:rPr lang="en-US" kern="0" cap="none" dirty="0" smtClean="0"/>
+              <a:t>1)		train </a:t>
+            </a:r>
+            <a:r>
+              <a:rPr lang="en-US" kern="0" cap="none" dirty="0"/>
+              <a:t>= .72	test = .</a:t>
+            </a:r>
+            <a:r>
+              <a:rPr lang="en-US" kern="0" cap="none" dirty="0" smtClean="0"/>
+              <a:t>60</a:t>
+            </a:r>
+          </a:p>
+          <a:p>
+            <a:pPr marL="0" indent="-457200">
+              <a:spcBef>
+                <a:spcPts val="0"/>
+              </a:spcBef>
+              <a:buFont typeface="+mj-lt"/>
+              <a:buAutoNum type="arabicPeriod"/>
+            </a:pPr>
+            <a:r>
+              <a:rPr lang="en-US" kern="0" cap="none" dirty="0" smtClean="0"/>
+              <a:t>SVC					train = .69	test = .62</a:t>
+            </a:r>
+          </a:p>
+          <a:p>
+            <a:pPr marL="0" indent="-457200">
+              <a:spcBef>
+                <a:spcPts val="0"/>
+              </a:spcBef>
+              <a:buFont typeface="+mj-lt"/>
+              <a:buAutoNum type="arabicPeriod"/>
+            </a:pPr>
+            <a:r>
+              <a:rPr lang="en-US" kern="0" cap="none" dirty="0"/>
+              <a:t>SVC	</a:t>
+            </a:r>
+            <a:r>
+              <a:rPr lang="en-US" kern="0" cap="none" dirty="0" smtClean="0"/>
+              <a:t> (C=1000)</a:t>
+            </a:r>
+            <a:r>
+              <a:rPr lang="en-US" kern="0" cap="none" dirty="0"/>
+              <a:t>			</a:t>
+            </a:r>
+            <a:r>
+              <a:rPr lang="en-US" kern="0" cap="none" dirty="0" smtClean="0"/>
+              <a:t>train </a:t>
+            </a:r>
+            <a:r>
+              <a:rPr lang="en-US" kern="0" cap="none" dirty="0"/>
+              <a:t>= </a:t>
+            </a:r>
+            <a:r>
+              <a:rPr lang="en-US" kern="0" cap="none" dirty="0" smtClean="0"/>
+              <a:t>.80</a:t>
+            </a:r>
+            <a:r>
+              <a:rPr lang="en-US" kern="0" cap="none" dirty="0"/>
+              <a:t>	test = </a:t>
+            </a:r>
+            <a:r>
+              <a:rPr lang="en-US" kern="0" cap="none" dirty="0" smtClean="0"/>
+              <a:t>.55</a:t>
+            </a:r>
+          </a:p>
+          <a:p>
+            <a:pPr marL="0" indent="-457200">
+              <a:spcBef>
+                <a:spcPts val="0"/>
+              </a:spcBef>
+              <a:buFont typeface="+mj-lt"/>
+              <a:buAutoNum type="arabicPeriod"/>
+            </a:pPr>
+            <a:r>
+              <a:rPr lang="en-US" kern="0" cap="none" dirty="0" err="1" smtClean="0"/>
+              <a:t>MLPClassifier</a:t>
+            </a:r>
+            <a:r>
+              <a:rPr lang="en-US" kern="0" cap="none" dirty="0"/>
+              <a:t>	</a:t>
+            </a:r>
+            <a:r>
+              <a:rPr lang="en-US" kern="0" cap="none" dirty="0" smtClean="0"/>
+              <a:t> </a:t>
+            </a:r>
+            <a:r>
+              <a:rPr lang="en-US" kern="0" cap="none" dirty="0"/>
+              <a:t>		</a:t>
+            </a:r>
+            <a:r>
+              <a:rPr lang="en-US" kern="0" cap="none" dirty="0" smtClean="0"/>
+              <a:t>	train </a:t>
+            </a:r>
+            <a:r>
+              <a:rPr lang="en-US" kern="0" cap="none" dirty="0"/>
+              <a:t>= .80	test = .</a:t>
+            </a:r>
+            <a:r>
+              <a:rPr lang="en-US" kern="0" cap="none" dirty="0" smtClean="0"/>
+              <a:t>55</a:t>
+            </a:r>
+          </a:p>
+          <a:p>
+            <a:pPr marL="0" indent="-457200">
+              <a:spcBef>
+                <a:spcPts val="0"/>
+              </a:spcBef>
+              <a:buFont typeface="+mj-lt"/>
+              <a:buAutoNum type="arabicPeriod"/>
+            </a:pPr>
+            <a:r>
+              <a:rPr lang="en-US" kern="0" cap="none" dirty="0" err="1"/>
+              <a:t>MLPClassifier</a:t>
+            </a:r>
+            <a:r>
+              <a:rPr lang="en-US" kern="0" cap="none" dirty="0"/>
+              <a:t>	 </a:t>
+            </a:r>
+            <a:r>
+              <a:rPr lang="en-US" kern="0" cap="none" dirty="0" smtClean="0"/>
+              <a:t>(</a:t>
+            </a:r>
+            <a:r>
+              <a:rPr lang="en-US" kern="0" cap="none" dirty="0" err="1" smtClean="0"/>
+              <a:t>max_iter</a:t>
+            </a:r>
+            <a:r>
+              <a:rPr lang="en-US" kern="0" cap="none" dirty="0" smtClean="0"/>
+              <a:t> = 1000)</a:t>
+            </a:r>
+            <a:r>
+              <a:rPr lang="en-US" kern="0" cap="none" dirty="0"/>
+              <a:t>	</a:t>
+            </a:r>
+            <a:r>
+              <a:rPr lang="en-US" kern="0" cap="none" dirty="0" smtClean="0"/>
+              <a:t>train </a:t>
+            </a:r>
+            <a:r>
+              <a:rPr lang="en-US" kern="0" cap="none" dirty="0"/>
+              <a:t>= .80	test = .55</a:t>
+            </a:r>
+          </a:p>
+          <a:p>
+            <a:pPr marL="0" indent="-457200">
+              <a:spcBef>
+                <a:spcPts val="0"/>
+              </a:spcBef>
+              <a:buFont typeface="+mj-lt"/>
+              <a:buAutoNum type="arabicPeriod"/>
+            </a:pPr>
+            <a:r>
+              <a:rPr lang="en-US" kern="0" cap="none" dirty="0" err="1"/>
+              <a:t>MLPClassifier</a:t>
+            </a:r>
+            <a:r>
+              <a:rPr lang="en-US" kern="0" cap="none" dirty="0"/>
+              <a:t>	 </a:t>
+            </a:r>
+            <a:r>
+              <a:rPr lang="en-US" kern="0" cap="none" dirty="0" smtClean="0"/>
+              <a:t>(alpha = 1)</a:t>
+            </a:r>
+            <a:r>
+              <a:rPr lang="en-US" kern="0" cap="none" dirty="0"/>
+              <a:t>		train = .80	test = .55</a:t>
+            </a:r>
+          </a:p>
+          <a:p>
+            <a:pPr marL="0" indent="-457200">
+              <a:spcBef>
+                <a:spcPts val="0"/>
+              </a:spcBef>
+              <a:buFont typeface="+mj-lt"/>
+              <a:buAutoNum type="arabicPeriod"/>
+            </a:pPr>
+            <a:endParaRPr lang="en-US" kern="0" cap="none" dirty="0"/>
+          </a:p>
+          <a:p>
+            <a:pPr marL="0" indent="-457200">
+              <a:spcBef>
+                <a:spcPts val="0"/>
+              </a:spcBef>
+              <a:buFont typeface="+mj-lt"/>
+              <a:buAutoNum type="arabicPeriod"/>
+            </a:pPr>
+            <a:endParaRPr lang="en-US" kern="0" cap="none" dirty="0"/>
+          </a:p>
+          <a:p>
+            <a:pPr marL="457200" indent="-457200">
+              <a:buFont typeface="+mj-lt"/>
+              <a:buAutoNum type="arabicPeriod"/>
+            </a:pPr>
+            <a:endParaRPr lang="en-US" cap="none" dirty="0" smtClean="0"/>
+          </a:p>
+          <a:p>
+            <a:pPr marL="457200" indent="-457200">
+              <a:buFont typeface="+mj-lt"/>
+              <a:buAutoNum type="arabicPeriod"/>
+            </a:pPr>
+            <a:endParaRPr lang="en-US" cap="none" dirty="0"/>
+          </a:p>
+          <a:p>
+            <a:pPr marL="457200" indent="-457200">
+              <a:buFont typeface="+mj-lt"/>
+              <a:buAutoNum type="arabicPeriod"/>
+            </a:pPr>
+            <a:endParaRPr lang="en-US" cap="none" dirty="0" smtClean="0"/>
+          </a:p>
+          <a:p>
+            <a:pPr marL="457200" indent="-457200">
+              <a:buFont typeface="+mj-lt"/>
+              <a:buAutoNum type="arabicPeriod"/>
+            </a:pPr>
+            <a:endParaRPr lang="en-US" cap="none" dirty="0"/>
+          </a:p>
+          <a:p>
+            <a:pPr marL="457200" indent="-457200">
+              <a:buFont typeface="+mj-lt"/>
+              <a:buAutoNum type="arabicPeriod"/>
+            </a:pPr>
+            <a:endParaRPr lang="en-US" cap="none" dirty="0"/>
+          </a:p>
+          <a:p>
+            <a:pPr marL="457200" indent="-457200">
+              <a:buFont typeface="+mj-lt"/>
+              <a:buAutoNum type="arabicPeriod"/>
+            </a:pPr>
+            <a:endParaRPr lang="en-US" cap="none" dirty="0" smtClean="0"/>
+          </a:p>
+          <a:p>
+            <a:pPr marL="457200" indent="-457200">
+              <a:buFont typeface="+mj-lt"/>
+              <a:buAutoNum type="arabicPeriod"/>
+            </a:pPr>
+            <a:endParaRPr lang="en-US" cap="none" dirty="0"/>
+          </a:p>
+          <a:p>
+            <a:pPr marL="457200" indent="-457200">
+              <a:buFont typeface="+mj-lt"/>
+              <a:buAutoNum type="arabicPeriod"/>
+            </a:pPr>
+            <a:endParaRPr lang="en-US" cap="none" dirty="0"/>
+          </a:p>
+          <a:p>
+            <a:pPr marL="457200" indent="-457200">
+              <a:buFont typeface="+mj-lt"/>
+              <a:buAutoNum type="arabicPeriod"/>
+            </a:pPr>
+            <a:endParaRPr lang="en-US" cap="none" dirty="0" smtClean="0"/>
+          </a:p>
+          <a:p>
+            <a:pPr marL="457200" indent="-457200">
+              <a:buFont typeface="+mj-lt"/>
+              <a:buAutoNum type="arabicPeriod"/>
+            </a:pPr>
+            <a:endParaRPr lang="en-US" cap="none" dirty="0"/>
+          </a:p>
+          <a:p>
+            <a:pPr marL="457200" indent="-457200">
+              <a:buFont typeface="+mj-lt"/>
+              <a:buAutoNum type="arabicPeriod"/>
+            </a:pPr>
+            <a:endParaRPr lang="en-US" cap="none" dirty="0"/>
+          </a:p>
+        </p:txBody>
+      </p:sp>
+    </p:spTree>
+    <p:extLst>
+      <p:ext uri="{BB962C8B-B14F-4D97-AF65-F5344CB8AC3E}">
+        <p14:creationId xmlns:p14="http://schemas.microsoft.com/office/powerpoint/2010/main" val="1876920429"/>
+      </p:ext>
+    </p:extLst>
+  </p:cSld>
+  <p:clrMapOvr>
+    <a:masterClrMapping/>
+  </p:clrMapOvr>
+</p:sld>
+</file>
+
+<file path=ppt/slides/slide16.xml><?xml version="1.0" encoding="utf-8"?>
+<p:sld xmlns:a="http://schemas.openxmlformats.org/drawingml/2006/main" xmlns:r="http://schemas.openxmlformats.org/officeDocument/2006/relationships" xmlns:p="http://schemas.openxmlformats.org/presentationml/2006/main">
+  <p:cSld>
+    <p:spTree>
+      <p:nvGrpSpPr>
+        <p:cNvPr id="1" name=""/>
+        <p:cNvGrpSpPr/>
+        <p:nvPr/>
+      </p:nvGrpSpPr>
+      <p:grpSpPr>
+        <a:xfrm>
+          <a:off x="0" y="0"/>
+          <a:ext cx="0" cy="0"/>
+          <a:chOff x="0" y="0"/>
+          <a:chExt cx="0" cy="0"/>
+        </a:xfrm>
+      </p:grpSpPr>
+      <p:sp>
+        <p:nvSpPr>
+          <p:cNvPr id="9" name="Rounded Rectangle 8"/>
+          <p:cNvSpPr/>
+          <p:nvPr/>
+        </p:nvSpPr>
+        <p:spPr>
+          <a:xfrm>
+            <a:off x="391886" y="261258"/>
+            <a:ext cx="4807131" cy="5886993"/>
+          </a:xfrm>
+          <a:prstGeom prst="roundRect">
+            <a:avLst/>
+          </a:prstGeom>
+        </p:spPr>
+        <p:style>
+          <a:lnRef idx="1">
+            <a:schemeClr val="accent1"/>
+          </a:lnRef>
+          <a:fillRef idx="3">
+            <a:schemeClr val="accent1"/>
+          </a:fillRef>
+          <a:effectRef idx="2">
+            <a:schemeClr val="accent1"/>
+          </a:effectRef>
+          <a:fontRef idx="minor">
+            <a:schemeClr val="lt1"/>
+          </a:fontRef>
+        </p:style>
+        <p:txBody>
+          <a:bodyPr rtlCol="0" anchor="ctr"/>
+          <a:lstStyle/>
+          <a:p>
+            <a:pPr algn="ctr"/>
+            <a:endParaRPr lang="en-US"/>
+          </a:p>
+        </p:txBody>
+      </p:sp>
+      <p:pic>
+        <p:nvPicPr>
+          <p:cNvPr id="2" name="Picture 1"/>
+          <p:cNvPicPr>
+            <a:picLocks noChangeAspect="1"/>
+          </p:cNvPicPr>
+          <p:nvPr/>
+        </p:nvPicPr>
+        <p:blipFill>
+          <a:blip r:embed="rId2">
+            <a:clrChange>
+              <a:clrFrom>
+                <a:srgbClr val="FFFFFF"/>
+              </a:clrFrom>
+              <a:clrTo>
+                <a:srgbClr val="FFFFFF">
+                  <a:alpha val="0"/>
+                </a:srgbClr>
+              </a:clrTo>
+            </a:clrChange>
+          </a:blip>
+          <a:stretch>
+            <a:fillRect/>
+          </a:stretch>
+        </p:blipFill>
+        <p:spPr>
+          <a:xfrm>
+            <a:off x="204584" y="261258"/>
+            <a:ext cx="11843723" cy="6453051"/>
+          </a:xfrm>
+          <a:prstGeom prst="rect">
+            <a:avLst/>
+          </a:prstGeom>
+          <a:ln>
+            <a:noFill/>
+          </a:ln>
+          <a:effectLst/>
+          <a:scene3d>
+            <a:camera prst="orthographicFront">
+              <a:rot lat="0" lon="0" rev="0"/>
+            </a:camera>
+            <a:lightRig rig="glow" dir="t">
+              <a:rot lat="0" lon="0" rev="14100000"/>
+            </a:lightRig>
+          </a:scene3d>
+          <a:sp3d prstMaterial="softEdge">
+            <a:bevelT w="127000" prst="artDeco"/>
+          </a:sp3d>
+        </p:spPr>
+      </p:pic>
+      <p:sp>
+        <p:nvSpPr>
+          <p:cNvPr id="3" name="Up Arrow 2"/>
+          <p:cNvSpPr/>
+          <p:nvPr/>
+        </p:nvSpPr>
+        <p:spPr>
+          <a:xfrm rot="2658010">
+            <a:off x="818599" y="1805804"/>
+            <a:ext cx="431074" cy="705394"/>
+          </a:xfrm>
+          <a:prstGeom prst="upArrow">
+            <a:avLst/>
+          </a:prstGeom>
+          <a:solidFill>
+            <a:srgbClr val="00B050"/>
+          </a:solidFill>
+        </p:spPr>
+        <p:style>
+          <a:lnRef idx="1">
+            <a:schemeClr val="accent1"/>
+          </a:lnRef>
+          <a:fillRef idx="3">
+            <a:schemeClr val="accent1"/>
+          </a:fillRef>
+          <a:effectRef idx="2">
+            <a:schemeClr val="accent1"/>
+          </a:effectRef>
+          <a:fontRef idx="minor">
+            <a:schemeClr val="lt1"/>
+          </a:fontRef>
+        </p:style>
+        <p:txBody>
+          <a:bodyPr rtlCol="0" anchor="ctr"/>
+          <a:lstStyle/>
+          <a:p>
+            <a:pPr algn="ctr"/>
+            <a:endParaRPr lang="en-US"/>
+          </a:p>
+        </p:txBody>
+      </p:sp>
+      <p:sp>
+        <p:nvSpPr>
+          <p:cNvPr id="4" name="Left-Right Arrow 3"/>
+          <p:cNvSpPr/>
+          <p:nvPr/>
+        </p:nvSpPr>
+        <p:spPr>
+          <a:xfrm>
+            <a:off x="711925" y="5259977"/>
+            <a:ext cx="986246" cy="444137"/>
+          </a:xfrm>
+          <a:prstGeom prst="leftRightArrow">
+            <a:avLst/>
+          </a:prstGeom>
+          <a:solidFill>
+            <a:schemeClr val="accent2">
+              <a:lumMod val="60000"/>
+              <a:lumOff val="40000"/>
+            </a:schemeClr>
+          </a:solidFill>
+        </p:spPr>
+        <p:style>
+          <a:lnRef idx="1">
+            <a:schemeClr val="accent1"/>
+          </a:lnRef>
+          <a:fillRef idx="3">
+            <a:schemeClr val="accent1"/>
+          </a:fillRef>
+          <a:effectRef idx="2">
+            <a:schemeClr val="accent1"/>
+          </a:effectRef>
+          <a:fontRef idx="minor">
+            <a:schemeClr val="lt1"/>
+          </a:fontRef>
+        </p:style>
+        <p:txBody>
+          <a:bodyPr rtlCol="0" anchor="ctr"/>
+          <a:lstStyle/>
+          <a:p>
+            <a:pPr algn="ctr"/>
+            <a:endParaRPr lang="en-US"/>
+          </a:p>
+        </p:txBody>
+      </p:sp>
+      <p:sp>
+        <p:nvSpPr>
+          <p:cNvPr id="11" name="Not Equal 10"/>
+          <p:cNvSpPr/>
+          <p:nvPr/>
+        </p:nvSpPr>
+        <p:spPr>
+          <a:xfrm>
+            <a:off x="5978436" y="3688077"/>
+            <a:ext cx="2342606" cy="1036320"/>
+          </a:xfrm>
+          <a:prstGeom prst="mathNotEqual">
+            <a:avLst/>
+          </a:prstGeom>
+          <a:solidFill>
+            <a:srgbClr val="FFFF00"/>
+          </a:solidFill>
+        </p:spPr>
+        <p:style>
+          <a:lnRef idx="1">
+            <a:schemeClr val="accent1"/>
+          </a:lnRef>
+          <a:fillRef idx="3">
+            <a:schemeClr val="accent1"/>
+          </a:fillRef>
+          <a:effectRef idx="2">
+            <a:schemeClr val="accent1"/>
+          </a:effectRef>
+          <a:fontRef idx="minor">
+            <a:schemeClr val="lt1"/>
+          </a:fontRef>
+        </p:style>
+        <p:txBody>
+          <a:bodyPr rtlCol="0" anchor="ctr"/>
+          <a:lstStyle/>
+          <a:p>
+            <a:pPr algn="ctr"/>
+            <a:endParaRPr lang="en-US">
+              <a:solidFill>
+                <a:schemeClr val="tx1"/>
+              </a:solidFill>
+            </a:endParaRPr>
+          </a:p>
+        </p:txBody>
+      </p:sp>
+      <p:sp>
+        <p:nvSpPr>
+          <p:cNvPr id="13" name="TextBox 12"/>
+          <p:cNvSpPr txBox="1"/>
+          <p:nvPr/>
+        </p:nvSpPr>
+        <p:spPr>
+          <a:xfrm>
+            <a:off x="8177356" y="2158501"/>
+            <a:ext cx="2020389" cy="584775"/>
+          </a:xfrm>
+          <a:prstGeom prst="rect">
+            <a:avLst/>
+          </a:prstGeom>
+          <a:noFill/>
+        </p:spPr>
+        <p:txBody>
+          <a:bodyPr wrap="square" rtlCol="0">
+            <a:spAutoFit/>
+          </a:bodyPr>
+          <a:lstStyle/>
+          <a:p>
+            <a:r>
+              <a:rPr lang="en-US" sz="3200" dirty="0" smtClean="0">
+                <a:solidFill>
+                  <a:schemeClr val="accent6">
+                    <a:lumMod val="75000"/>
+                  </a:schemeClr>
+                </a:solidFill>
+              </a:rPr>
+              <a:t>Yet</a:t>
+            </a:r>
+            <a:endParaRPr lang="en-US" sz="3200" dirty="0">
+              <a:solidFill>
+                <a:schemeClr val="accent6">
+                  <a:lumMod val="75000"/>
+                </a:schemeClr>
+              </a:solidFill>
+            </a:endParaRPr>
+          </a:p>
+        </p:txBody>
+      </p:sp>
+      <p:sp>
+        <p:nvSpPr>
+          <p:cNvPr id="14" name="Not Equal 13"/>
+          <p:cNvSpPr/>
+          <p:nvPr/>
+        </p:nvSpPr>
+        <p:spPr>
+          <a:xfrm>
+            <a:off x="6130836" y="1932729"/>
+            <a:ext cx="2342606" cy="1036320"/>
+          </a:xfrm>
+          <a:prstGeom prst="mathNotEqual">
+            <a:avLst/>
+          </a:prstGeom>
+          <a:solidFill>
+            <a:srgbClr val="FFFF00"/>
+          </a:solidFill>
+        </p:spPr>
+        <p:style>
+          <a:lnRef idx="1">
+            <a:schemeClr val="accent1"/>
+          </a:lnRef>
+          <a:fillRef idx="3">
+            <a:schemeClr val="accent1"/>
+          </a:fillRef>
+          <a:effectRef idx="2">
+            <a:schemeClr val="accent1"/>
+          </a:effectRef>
+          <a:fontRef idx="minor">
+            <a:schemeClr val="lt1"/>
+          </a:fontRef>
+        </p:style>
+        <p:txBody>
+          <a:bodyPr rtlCol="0" anchor="ctr"/>
+          <a:lstStyle/>
+          <a:p>
+            <a:pPr algn="ctr"/>
+            <a:endParaRPr lang="en-US">
+              <a:solidFill>
+                <a:schemeClr val="tx1"/>
+              </a:solidFill>
+            </a:endParaRPr>
+          </a:p>
+        </p:txBody>
+      </p:sp>
+      <p:sp>
+        <p:nvSpPr>
+          <p:cNvPr id="15" name="TextBox 14"/>
+          <p:cNvSpPr txBox="1"/>
+          <p:nvPr/>
+        </p:nvSpPr>
+        <p:spPr>
+          <a:xfrm>
+            <a:off x="8090266" y="3913849"/>
+            <a:ext cx="2020389" cy="584775"/>
+          </a:xfrm>
+          <a:prstGeom prst="rect">
+            <a:avLst/>
+          </a:prstGeom>
+          <a:noFill/>
+        </p:spPr>
+        <p:txBody>
+          <a:bodyPr wrap="square" rtlCol="0">
+            <a:spAutoFit/>
+          </a:bodyPr>
+          <a:lstStyle/>
+          <a:p>
+            <a:r>
+              <a:rPr lang="en-US" sz="3200" dirty="0" smtClean="0">
+                <a:solidFill>
+                  <a:schemeClr val="accent6">
+                    <a:lumMod val="75000"/>
+                  </a:schemeClr>
+                </a:solidFill>
+              </a:rPr>
+              <a:t>Yet</a:t>
+            </a:r>
+            <a:endParaRPr lang="en-US" sz="3200" dirty="0">
+              <a:solidFill>
+                <a:schemeClr val="accent6">
+                  <a:lumMod val="75000"/>
+                </a:schemeClr>
+              </a:solidFill>
+            </a:endParaRPr>
+          </a:p>
+        </p:txBody>
+      </p:sp>
+      <p:sp>
+        <p:nvSpPr>
+          <p:cNvPr id="16" name="&quot;No&quot; Symbol 15"/>
+          <p:cNvSpPr/>
+          <p:nvPr/>
+        </p:nvSpPr>
+        <p:spPr>
+          <a:xfrm>
+            <a:off x="3962400" y="2865120"/>
+            <a:ext cx="783771" cy="740229"/>
+          </a:xfrm>
+          <a:prstGeom prst="noSmoking">
+            <a:avLst/>
+          </a:prstGeom>
+          <a:solidFill>
+            <a:schemeClr val="accent6">
+              <a:lumMod val="60000"/>
+              <a:lumOff val="40000"/>
+            </a:schemeClr>
+          </a:solidFill>
+        </p:spPr>
+        <p:style>
+          <a:lnRef idx="1">
+            <a:schemeClr val="accent1"/>
+          </a:lnRef>
+          <a:fillRef idx="3">
+            <a:schemeClr val="accent1"/>
+          </a:fillRef>
+          <a:effectRef idx="2">
+            <a:schemeClr val="accent1"/>
+          </a:effectRef>
+          <a:fontRef idx="minor">
+            <a:schemeClr val="lt1"/>
+          </a:fontRef>
+        </p:style>
+        <p:txBody>
+          <a:bodyPr rtlCol="0" anchor="ctr"/>
+          <a:lstStyle/>
+          <a:p>
+            <a:pPr algn="ctr"/>
+            <a:endParaRPr lang="en-US">
+              <a:solidFill>
+                <a:schemeClr val="tx1"/>
+              </a:solidFill>
+            </a:endParaRPr>
+          </a:p>
+        </p:txBody>
+      </p:sp>
+      <p:sp>
+        <p:nvSpPr>
+          <p:cNvPr id="17" name="Up Arrow 16"/>
+          <p:cNvSpPr/>
+          <p:nvPr/>
+        </p:nvSpPr>
+        <p:spPr>
+          <a:xfrm rot="2658010">
+            <a:off x="3914496" y="643210"/>
+            <a:ext cx="431074" cy="705394"/>
+          </a:xfrm>
+          <a:prstGeom prst="upArrow">
+            <a:avLst/>
+          </a:prstGeom>
+          <a:solidFill>
+            <a:srgbClr val="00B050"/>
+          </a:solidFill>
+        </p:spPr>
+        <p:style>
+          <a:lnRef idx="1">
+            <a:schemeClr val="accent1"/>
+          </a:lnRef>
+          <a:fillRef idx="3">
+            <a:schemeClr val="accent1"/>
+          </a:fillRef>
+          <a:effectRef idx="2">
+            <a:schemeClr val="accent1"/>
+          </a:effectRef>
+          <a:fontRef idx="minor">
+            <a:schemeClr val="lt1"/>
+          </a:fontRef>
+        </p:style>
+        <p:txBody>
+          <a:bodyPr rtlCol="0" anchor="ctr"/>
+          <a:lstStyle/>
+          <a:p>
+            <a:pPr algn="ctr"/>
+            <a:endParaRPr lang="en-US"/>
+          </a:p>
+        </p:txBody>
+      </p:sp>
+      <p:sp>
+        <p:nvSpPr>
+          <p:cNvPr id="18" name="&quot;No&quot; Symbol 17"/>
+          <p:cNvSpPr/>
+          <p:nvPr/>
+        </p:nvSpPr>
+        <p:spPr>
+          <a:xfrm>
+            <a:off x="3962399" y="3913849"/>
+            <a:ext cx="783771" cy="740229"/>
+          </a:xfrm>
+          <a:prstGeom prst="noSmoking">
+            <a:avLst/>
+          </a:prstGeom>
+          <a:solidFill>
+            <a:schemeClr val="accent6">
+              <a:lumMod val="60000"/>
+              <a:lumOff val="40000"/>
+            </a:schemeClr>
+          </a:solidFill>
+        </p:spPr>
+        <p:style>
+          <a:lnRef idx="1">
+            <a:schemeClr val="accent1"/>
+          </a:lnRef>
+          <a:fillRef idx="3">
+            <a:schemeClr val="accent1"/>
+          </a:fillRef>
+          <a:effectRef idx="2">
+            <a:schemeClr val="accent1"/>
+          </a:effectRef>
+          <a:fontRef idx="minor">
+            <a:schemeClr val="lt1"/>
+          </a:fontRef>
+        </p:style>
+        <p:txBody>
+          <a:bodyPr rtlCol="0" anchor="ctr"/>
+          <a:lstStyle/>
+          <a:p>
+            <a:pPr algn="ctr"/>
+            <a:endParaRPr lang="en-US">
+              <a:solidFill>
+                <a:schemeClr val="tx1"/>
+              </a:solidFill>
+            </a:endParaRPr>
+          </a:p>
+        </p:txBody>
+      </p:sp>
+    </p:spTree>
+    <p:extLst>
+      <p:ext uri="{BB962C8B-B14F-4D97-AF65-F5344CB8AC3E}">
+        <p14:creationId xmlns:p14="http://schemas.microsoft.com/office/powerpoint/2010/main" val="508460314"/>
+      </p:ext>
+    </p:extLst>
+  </p:cSld>
+  <p:clrMapOvr>
+    <a:masterClrMapping/>
+  </p:clrMapOvr>
+</p:sld>
+</file>
+
+<file path=ppt/slides/slide17.xml><?xml version="1.0" encoding="utf-8"?>
+<p:sld xmlns:a="http://schemas.openxmlformats.org/drawingml/2006/main" xmlns:r="http://schemas.openxmlformats.org/officeDocument/2006/relationships" xmlns:p="http://schemas.openxmlformats.org/presentationml/2006/main">
+  <p:cSld>
+    <p:spTree>
+      <p:nvGrpSpPr>
+        <p:cNvPr id="1" name=""/>
+        <p:cNvGrpSpPr/>
+        <p:nvPr/>
+      </p:nvGrpSpPr>
+      <p:grpSpPr>
+        <a:xfrm>
+          <a:off x="0" y="0"/>
+          <a:ext cx="0" cy="0"/>
+          <a:chOff x="0" y="0"/>
+          <a:chExt cx="0" cy="0"/>
+        </a:xfrm>
+      </p:grpSpPr>
+      <p:sp>
+        <p:nvSpPr>
+          <p:cNvPr id="4" name="Title 3"/>
+          <p:cNvSpPr>
+            <a:spLocks noGrp="1"/>
+          </p:cNvSpPr>
+          <p:nvPr>
+            <p:ph type="title"/>
+          </p:nvPr>
+        </p:nvSpPr>
+        <p:spPr>
+          <a:xfrm>
+            <a:off x="913775" y="0"/>
+            <a:ext cx="10364451" cy="1596177"/>
+          </a:xfrm>
+        </p:spPr>
+        <p:txBody>
+          <a:bodyPr/>
+          <a:lstStyle/>
+          <a:p>
+            <a:r>
+              <a:rPr lang="en-US" dirty="0" smtClean="0"/>
+              <a:t>Why?</a:t>
+            </a:r>
+            <a:endParaRPr lang="en-US" dirty="0"/>
+          </a:p>
+        </p:txBody>
+      </p:sp>
+      <p:pic>
+        <p:nvPicPr>
+          <p:cNvPr id="9" name="Picture 8"/>
+          <p:cNvPicPr>
+            <a:picLocks noChangeAspect="1"/>
+          </p:cNvPicPr>
+          <p:nvPr/>
+        </p:nvPicPr>
+        <p:blipFill>
+          <a:blip r:embed="rId2"/>
+          <a:stretch>
+            <a:fillRect/>
+          </a:stretch>
+        </p:blipFill>
+        <p:spPr>
+          <a:xfrm>
+            <a:off x="1367246" y="1159460"/>
+            <a:ext cx="9457507" cy="5378733"/>
+          </a:xfrm>
+          <a:prstGeom prst="rect">
+            <a:avLst/>
+          </a:prstGeom>
+        </p:spPr>
+      </p:pic>
+    </p:spTree>
+    <p:extLst>
+      <p:ext uri="{BB962C8B-B14F-4D97-AF65-F5344CB8AC3E}">
+        <p14:creationId xmlns:p14="http://schemas.microsoft.com/office/powerpoint/2010/main" val="1624236619"/>
+      </p:ext>
+    </p:extLst>
+  </p:cSld>
+  <p:clrMapOvr>
+    <a:masterClrMapping/>
+  </p:clrMapOvr>
+  <p:timing>
+    <p:tnLst>
+      <p:par>
+        <p:cTn id="1" dur="indefinite" restart="never" nodeType="tmRoot"/>
+      </p:par>
+    </p:tnLst>
+  </p:timing>
+</p:sld>
+</file>
+
+<file path=ppt/slides/slide18.xml><?xml version="1.0" encoding="utf-8"?>
+<p:sld xmlns:a="http://schemas.openxmlformats.org/drawingml/2006/main" xmlns:r="http://schemas.openxmlformats.org/officeDocument/2006/relationships" xmlns:p="http://schemas.openxmlformats.org/presentationml/2006/main">
+  <p:cSld>
+    <p:spTree>
+      <p:nvGrpSpPr>
+        <p:cNvPr id="1" name=""/>
+        <p:cNvGrpSpPr/>
+        <p:nvPr/>
+      </p:nvGrpSpPr>
+      <p:grpSpPr>
+        <a:xfrm>
+          <a:off x="0" y="0"/>
+          <a:ext cx="0" cy="0"/>
+          <a:chOff x="0" y="0"/>
+          <a:chExt cx="0" cy="0"/>
+        </a:xfrm>
+      </p:grpSpPr>
+      <p:sp>
+        <p:nvSpPr>
+          <p:cNvPr id="4" name="Rectangle 3"/>
+          <p:cNvSpPr/>
+          <p:nvPr/>
+        </p:nvSpPr>
+        <p:spPr>
+          <a:xfrm>
+            <a:off x="2447109" y="722811"/>
+            <a:ext cx="3648891" cy="5669280"/>
+          </a:xfrm>
+          <a:prstGeom prst="rect">
+            <a:avLst/>
+          </a:prstGeom>
+        </p:spPr>
+        <p:style>
+          <a:lnRef idx="2">
+            <a:schemeClr val="accent1">
+              <a:shade val="50000"/>
+            </a:schemeClr>
+          </a:lnRef>
+          <a:fillRef idx="1">
+            <a:schemeClr val="accent1"/>
+          </a:fillRef>
+          <a:effectRef idx="0">
+            <a:schemeClr val="accent1"/>
+          </a:effectRef>
+          <a:fontRef idx="minor">
+            <a:schemeClr val="lt1"/>
+          </a:fontRef>
+        </p:style>
+        <p:txBody>
+          <a:bodyPr rtlCol="0" anchor="ctr"/>
+          <a:lstStyle/>
+          <a:p>
+            <a:pPr algn="ctr"/>
+            <a:endParaRPr lang="en-US"/>
+          </a:p>
+        </p:txBody>
+      </p:sp>
+      <p:sp>
+        <p:nvSpPr>
+          <p:cNvPr id="5" name="TextBox 4"/>
+          <p:cNvSpPr txBox="1"/>
+          <p:nvPr/>
+        </p:nvSpPr>
+        <p:spPr>
+          <a:xfrm>
+            <a:off x="644434" y="3372785"/>
+            <a:ext cx="2107474" cy="369332"/>
+          </a:xfrm>
+          <a:prstGeom prst="rect">
+            <a:avLst/>
+          </a:prstGeom>
+          <a:noFill/>
+        </p:spPr>
+        <p:txBody>
+          <a:bodyPr wrap="square" rtlCol="0">
+            <a:spAutoFit/>
+          </a:bodyPr>
+          <a:lstStyle/>
+          <a:p>
+            <a:r>
+              <a:rPr lang="en-US" dirty="0" smtClean="0"/>
+              <a:t>Retention Score</a:t>
+            </a:r>
+            <a:endParaRPr lang="en-US" dirty="0"/>
+          </a:p>
+        </p:txBody>
+      </p:sp>
+      <p:cxnSp>
+        <p:nvCxnSpPr>
+          <p:cNvPr id="7" name="Straight Connector 6"/>
+          <p:cNvCxnSpPr/>
+          <p:nvPr/>
+        </p:nvCxnSpPr>
+        <p:spPr>
+          <a:xfrm>
+            <a:off x="2255520" y="940525"/>
+            <a:ext cx="34834" cy="5233851"/>
+          </a:xfrm>
+          <a:prstGeom prst="line">
+            <a:avLst/>
+          </a:prstGeom>
+        </p:spPr>
+        <p:style>
+          <a:lnRef idx="1">
+            <a:schemeClr val="accent1"/>
+          </a:lnRef>
+          <a:fillRef idx="0">
+            <a:schemeClr val="accent1"/>
+          </a:fillRef>
+          <a:effectRef idx="0">
+            <a:schemeClr val="accent1"/>
+          </a:effectRef>
+          <a:fontRef idx="minor">
+            <a:schemeClr val="tx1"/>
+          </a:fontRef>
+        </p:style>
+      </p:cxnSp>
+      <p:sp>
+        <p:nvSpPr>
+          <p:cNvPr id="8" name="TextBox 7"/>
+          <p:cNvSpPr txBox="1"/>
+          <p:nvPr/>
+        </p:nvSpPr>
+        <p:spPr>
+          <a:xfrm>
+            <a:off x="1219200" y="1114697"/>
+            <a:ext cx="957943" cy="369332"/>
+          </a:xfrm>
+          <a:prstGeom prst="rect">
+            <a:avLst/>
+          </a:prstGeom>
+          <a:noFill/>
+        </p:spPr>
+        <p:txBody>
+          <a:bodyPr wrap="square" rtlCol="0">
+            <a:spAutoFit/>
+          </a:bodyPr>
+          <a:lstStyle/>
+          <a:p>
+            <a:r>
+              <a:rPr lang="en-US" dirty="0" smtClean="0"/>
+              <a:t>100%</a:t>
+            </a:r>
+            <a:endParaRPr lang="en-US" dirty="0"/>
+          </a:p>
+        </p:txBody>
+      </p:sp>
+      <p:sp>
+        <p:nvSpPr>
+          <p:cNvPr id="10" name="TextBox 9"/>
+          <p:cNvSpPr txBox="1"/>
+          <p:nvPr/>
+        </p:nvSpPr>
+        <p:spPr>
+          <a:xfrm>
+            <a:off x="1332411" y="5815538"/>
+            <a:ext cx="957943" cy="369332"/>
+          </a:xfrm>
+          <a:prstGeom prst="rect">
+            <a:avLst/>
+          </a:prstGeom>
+          <a:noFill/>
+        </p:spPr>
+        <p:txBody>
+          <a:bodyPr wrap="square" rtlCol="0">
+            <a:spAutoFit/>
+          </a:bodyPr>
+          <a:lstStyle/>
+          <a:p>
+            <a:r>
+              <a:rPr lang="en-US" dirty="0" smtClean="0"/>
+              <a:t>0%</a:t>
+            </a:r>
+            <a:endParaRPr lang="en-US" dirty="0"/>
+          </a:p>
+        </p:txBody>
+      </p:sp>
+      <p:cxnSp>
+        <p:nvCxnSpPr>
+          <p:cNvPr id="11" name="Straight Connector 10"/>
+          <p:cNvCxnSpPr/>
+          <p:nvPr/>
+        </p:nvCxnSpPr>
+        <p:spPr>
+          <a:xfrm flipH="1">
+            <a:off x="1996440" y="940525"/>
+            <a:ext cx="552993" cy="0"/>
+          </a:xfrm>
+          <a:prstGeom prst="line">
+            <a:avLst/>
+          </a:prstGeom>
+        </p:spPr>
+        <p:style>
+          <a:lnRef idx="1">
+            <a:schemeClr val="accent1"/>
+          </a:lnRef>
+          <a:fillRef idx="0">
+            <a:schemeClr val="accent1"/>
+          </a:fillRef>
+          <a:effectRef idx="0">
+            <a:schemeClr val="accent1"/>
+          </a:effectRef>
+          <a:fontRef idx="minor">
+            <a:schemeClr val="tx1"/>
+          </a:fontRef>
+        </p:style>
+      </p:cxnSp>
+      <p:cxnSp>
+        <p:nvCxnSpPr>
+          <p:cNvPr id="15" name="Straight Connector 14"/>
+          <p:cNvCxnSpPr/>
+          <p:nvPr/>
+        </p:nvCxnSpPr>
+        <p:spPr>
+          <a:xfrm flipH="1">
+            <a:off x="1979023" y="6184870"/>
+            <a:ext cx="552993" cy="0"/>
+          </a:xfrm>
+          <a:prstGeom prst="line">
+            <a:avLst/>
+          </a:prstGeom>
+        </p:spPr>
+        <p:style>
+          <a:lnRef idx="1">
+            <a:schemeClr val="accent1"/>
+          </a:lnRef>
+          <a:fillRef idx="0">
+            <a:schemeClr val="accent1"/>
+          </a:fillRef>
+          <a:effectRef idx="0">
+            <a:schemeClr val="accent1"/>
+          </a:effectRef>
+          <a:fontRef idx="minor">
+            <a:schemeClr val="tx1"/>
+          </a:fontRef>
+        </p:style>
+      </p:cxnSp>
+      <p:sp>
+        <p:nvSpPr>
+          <p:cNvPr id="17" name="Title 16"/>
+          <p:cNvSpPr>
+            <a:spLocks noGrp="1"/>
+          </p:cNvSpPr>
+          <p:nvPr>
+            <p:ph type="title"/>
+          </p:nvPr>
+        </p:nvSpPr>
+        <p:spPr>
+          <a:xfrm>
+            <a:off x="6252755" y="1797975"/>
+            <a:ext cx="4572626" cy="3518949"/>
+          </a:xfrm>
+        </p:spPr>
+        <p:txBody>
+          <a:bodyPr/>
+          <a:lstStyle/>
+          <a:p>
+            <a:r>
+              <a:rPr lang="en-US" dirty="0" smtClean="0"/>
+              <a:t>Random </a:t>
+            </a:r>
+            <a:br>
+              <a:rPr lang="en-US" dirty="0" smtClean="0"/>
+            </a:br>
+            <a:r>
+              <a:rPr lang="en-US" dirty="0" smtClean="0"/>
+              <a:t>Sample </a:t>
+            </a:r>
+            <a:br>
+              <a:rPr lang="en-US" dirty="0" smtClean="0"/>
+            </a:br>
+            <a:r>
+              <a:rPr lang="en-US" dirty="0" smtClean="0"/>
+              <a:t>we </a:t>
+            </a:r>
+            <a:br>
+              <a:rPr lang="en-US" dirty="0" smtClean="0"/>
+            </a:br>
+            <a:r>
+              <a:rPr lang="en-US" dirty="0" smtClean="0"/>
+              <a:t>want</a:t>
+            </a:r>
+            <a:endParaRPr lang="en-US" dirty="0"/>
+          </a:p>
+        </p:txBody>
+      </p:sp>
+      <p:sp>
+        <p:nvSpPr>
+          <p:cNvPr id="20" name="Oval 19"/>
+          <p:cNvSpPr/>
+          <p:nvPr/>
+        </p:nvSpPr>
+        <p:spPr>
+          <a:xfrm>
+            <a:off x="2976153" y="1367245"/>
+            <a:ext cx="200297" cy="165463"/>
+          </a:xfrm>
+          <a:prstGeom prst="ellipse">
+            <a:avLst/>
+          </a:prstGeom>
+          <a:solidFill>
+            <a:srgbClr val="FFFF00"/>
+          </a:solidFill>
+        </p:spPr>
+        <p:style>
+          <a:lnRef idx="2">
+            <a:schemeClr val="accent1">
+              <a:shade val="50000"/>
+            </a:schemeClr>
+          </a:lnRef>
+          <a:fillRef idx="1">
+            <a:schemeClr val="accent1"/>
+          </a:fillRef>
+          <a:effectRef idx="0">
+            <a:schemeClr val="accent1"/>
+          </a:effectRef>
+          <a:fontRef idx="minor">
+            <a:schemeClr val="lt1"/>
+          </a:fontRef>
+        </p:style>
+        <p:txBody>
+          <a:bodyPr rtlCol="0" anchor="ctr"/>
+          <a:lstStyle/>
+          <a:p>
+            <a:pPr algn="ctr"/>
+            <a:endParaRPr lang="en-US"/>
+          </a:p>
+        </p:txBody>
+      </p:sp>
+      <p:sp>
+        <p:nvSpPr>
+          <p:cNvPr id="21" name="Oval 20"/>
+          <p:cNvSpPr/>
+          <p:nvPr/>
+        </p:nvSpPr>
+        <p:spPr>
+          <a:xfrm>
+            <a:off x="4271554" y="1497873"/>
+            <a:ext cx="200297" cy="165463"/>
+          </a:xfrm>
+          <a:prstGeom prst="ellipse">
+            <a:avLst/>
+          </a:prstGeom>
+          <a:solidFill>
+            <a:srgbClr val="FFFF00"/>
+          </a:solidFill>
+        </p:spPr>
+        <p:style>
+          <a:lnRef idx="2">
+            <a:schemeClr val="accent1">
+              <a:shade val="50000"/>
+            </a:schemeClr>
+          </a:lnRef>
+          <a:fillRef idx="1">
+            <a:schemeClr val="accent1"/>
+          </a:fillRef>
+          <a:effectRef idx="0">
+            <a:schemeClr val="accent1"/>
+          </a:effectRef>
+          <a:fontRef idx="minor">
+            <a:schemeClr val="lt1"/>
+          </a:fontRef>
+        </p:style>
+        <p:txBody>
+          <a:bodyPr rtlCol="0" anchor="ctr"/>
+          <a:lstStyle/>
+          <a:p>
+            <a:pPr algn="ctr"/>
+            <a:endParaRPr lang="en-US"/>
+          </a:p>
+        </p:txBody>
+      </p:sp>
+      <p:sp>
+        <p:nvSpPr>
+          <p:cNvPr id="22" name="Oval 21"/>
+          <p:cNvSpPr/>
+          <p:nvPr/>
+        </p:nvSpPr>
+        <p:spPr>
+          <a:xfrm>
+            <a:off x="4123508" y="3290053"/>
+            <a:ext cx="200297" cy="165463"/>
+          </a:xfrm>
+          <a:prstGeom prst="ellipse">
+            <a:avLst/>
+          </a:prstGeom>
+          <a:solidFill>
+            <a:srgbClr val="FFFF00"/>
+          </a:solidFill>
+        </p:spPr>
+        <p:style>
+          <a:lnRef idx="2">
+            <a:schemeClr val="accent1">
+              <a:shade val="50000"/>
+            </a:schemeClr>
+          </a:lnRef>
+          <a:fillRef idx="1">
+            <a:schemeClr val="accent1"/>
+          </a:fillRef>
+          <a:effectRef idx="0">
+            <a:schemeClr val="accent1"/>
+          </a:effectRef>
+          <a:fontRef idx="minor">
+            <a:schemeClr val="lt1"/>
+          </a:fontRef>
+        </p:style>
+        <p:txBody>
+          <a:bodyPr rtlCol="0" anchor="ctr"/>
+          <a:lstStyle/>
+          <a:p>
+            <a:pPr algn="ctr"/>
+            <a:endParaRPr lang="en-US"/>
+          </a:p>
+        </p:txBody>
+      </p:sp>
+      <p:sp>
+        <p:nvSpPr>
+          <p:cNvPr id="23" name="Oval 22"/>
+          <p:cNvSpPr/>
+          <p:nvPr/>
+        </p:nvSpPr>
+        <p:spPr>
+          <a:xfrm>
+            <a:off x="3339737" y="2590800"/>
+            <a:ext cx="200297" cy="165463"/>
+          </a:xfrm>
+          <a:prstGeom prst="ellipse">
+            <a:avLst/>
+          </a:prstGeom>
+          <a:solidFill>
+            <a:srgbClr val="FFFF00"/>
+          </a:solidFill>
+        </p:spPr>
+        <p:style>
+          <a:lnRef idx="2">
+            <a:schemeClr val="accent1">
+              <a:shade val="50000"/>
+            </a:schemeClr>
+          </a:lnRef>
+          <a:fillRef idx="1">
+            <a:schemeClr val="accent1"/>
+          </a:fillRef>
+          <a:effectRef idx="0">
+            <a:schemeClr val="accent1"/>
+          </a:effectRef>
+          <a:fontRef idx="minor">
+            <a:schemeClr val="lt1"/>
+          </a:fontRef>
+        </p:style>
+        <p:txBody>
+          <a:bodyPr rtlCol="0" anchor="ctr"/>
+          <a:lstStyle/>
+          <a:p>
+            <a:pPr algn="ctr"/>
+            <a:endParaRPr lang="en-US"/>
+          </a:p>
+        </p:txBody>
+      </p:sp>
+      <p:sp>
+        <p:nvSpPr>
+          <p:cNvPr id="24" name="Oval 23"/>
+          <p:cNvSpPr/>
+          <p:nvPr/>
+        </p:nvSpPr>
+        <p:spPr>
+          <a:xfrm>
+            <a:off x="5381897" y="4450080"/>
+            <a:ext cx="200297" cy="165463"/>
+          </a:xfrm>
+          <a:prstGeom prst="ellipse">
+            <a:avLst/>
+          </a:prstGeom>
+          <a:solidFill>
+            <a:srgbClr val="FFFF00"/>
+          </a:solidFill>
+        </p:spPr>
+        <p:style>
+          <a:lnRef idx="2">
+            <a:schemeClr val="accent1">
+              <a:shade val="50000"/>
+            </a:schemeClr>
+          </a:lnRef>
+          <a:fillRef idx="1">
+            <a:schemeClr val="accent1"/>
+          </a:fillRef>
+          <a:effectRef idx="0">
+            <a:schemeClr val="accent1"/>
+          </a:effectRef>
+          <a:fontRef idx="minor">
+            <a:schemeClr val="lt1"/>
+          </a:fontRef>
+        </p:style>
+        <p:txBody>
+          <a:bodyPr rtlCol="0" anchor="ctr"/>
+          <a:lstStyle/>
+          <a:p>
+            <a:pPr algn="ctr"/>
+            <a:endParaRPr lang="en-US"/>
+          </a:p>
+        </p:txBody>
+      </p:sp>
+      <p:sp>
+        <p:nvSpPr>
+          <p:cNvPr id="25" name="Oval 24"/>
+          <p:cNvSpPr/>
+          <p:nvPr/>
+        </p:nvSpPr>
+        <p:spPr>
+          <a:xfrm>
+            <a:off x="3509554" y="4558936"/>
+            <a:ext cx="200297" cy="165463"/>
+          </a:xfrm>
+          <a:prstGeom prst="ellipse">
+            <a:avLst/>
+          </a:prstGeom>
+          <a:solidFill>
+            <a:srgbClr val="FFFF00"/>
+          </a:solidFill>
+        </p:spPr>
+        <p:style>
+          <a:lnRef idx="2">
+            <a:schemeClr val="accent1">
+              <a:shade val="50000"/>
+            </a:schemeClr>
+          </a:lnRef>
+          <a:fillRef idx="1">
+            <a:schemeClr val="accent1"/>
+          </a:fillRef>
+          <a:effectRef idx="0">
+            <a:schemeClr val="accent1"/>
+          </a:effectRef>
+          <a:fontRef idx="minor">
+            <a:schemeClr val="lt1"/>
+          </a:fontRef>
+        </p:style>
+        <p:txBody>
+          <a:bodyPr rtlCol="0" anchor="ctr"/>
+          <a:lstStyle/>
+          <a:p>
+            <a:pPr algn="ctr"/>
+            <a:endParaRPr lang="en-US"/>
+          </a:p>
+        </p:txBody>
+      </p:sp>
+      <p:sp>
+        <p:nvSpPr>
+          <p:cNvPr id="26" name="Oval 25"/>
+          <p:cNvSpPr/>
+          <p:nvPr/>
+        </p:nvSpPr>
+        <p:spPr>
+          <a:xfrm>
+            <a:off x="5347062" y="2590799"/>
+            <a:ext cx="200297" cy="165463"/>
+          </a:xfrm>
+          <a:prstGeom prst="ellipse">
+            <a:avLst/>
+          </a:prstGeom>
+          <a:solidFill>
+            <a:srgbClr val="FFFF00"/>
+          </a:solidFill>
+        </p:spPr>
+        <p:style>
+          <a:lnRef idx="2">
+            <a:schemeClr val="accent1">
+              <a:shade val="50000"/>
+            </a:schemeClr>
+          </a:lnRef>
+          <a:fillRef idx="1">
+            <a:schemeClr val="accent1"/>
+          </a:fillRef>
+          <a:effectRef idx="0">
+            <a:schemeClr val="accent1"/>
+          </a:effectRef>
+          <a:fontRef idx="minor">
+            <a:schemeClr val="lt1"/>
+          </a:fontRef>
+        </p:style>
+        <p:txBody>
+          <a:bodyPr rtlCol="0" anchor="ctr"/>
+          <a:lstStyle/>
+          <a:p>
+            <a:pPr algn="ctr"/>
+            <a:endParaRPr lang="en-US"/>
+          </a:p>
+        </p:txBody>
+      </p:sp>
+      <p:sp>
+        <p:nvSpPr>
+          <p:cNvPr id="27" name="Oval 26"/>
+          <p:cNvSpPr/>
+          <p:nvPr/>
+        </p:nvSpPr>
+        <p:spPr>
+          <a:xfrm>
+            <a:off x="4798419" y="5093731"/>
+            <a:ext cx="200297" cy="165463"/>
+          </a:xfrm>
+          <a:prstGeom prst="ellipse">
+            <a:avLst/>
+          </a:prstGeom>
+          <a:solidFill>
+            <a:srgbClr val="FFFF00"/>
+          </a:solidFill>
+        </p:spPr>
+        <p:style>
+          <a:lnRef idx="2">
+            <a:schemeClr val="accent1">
+              <a:shade val="50000"/>
+            </a:schemeClr>
+          </a:lnRef>
+          <a:fillRef idx="1">
+            <a:schemeClr val="accent1"/>
+          </a:fillRef>
+          <a:effectRef idx="0">
+            <a:schemeClr val="accent1"/>
+          </a:effectRef>
+          <a:fontRef idx="minor">
+            <a:schemeClr val="lt1"/>
+          </a:fontRef>
+        </p:style>
+        <p:txBody>
+          <a:bodyPr rtlCol="0" anchor="ctr"/>
+          <a:lstStyle/>
+          <a:p>
+            <a:pPr algn="ctr"/>
+            <a:endParaRPr lang="en-US"/>
+          </a:p>
+        </p:txBody>
+      </p:sp>
+      <p:sp>
+        <p:nvSpPr>
+          <p:cNvPr id="28" name="Oval 27"/>
+          <p:cNvSpPr/>
+          <p:nvPr/>
+        </p:nvSpPr>
+        <p:spPr>
+          <a:xfrm>
+            <a:off x="3176451" y="3659385"/>
+            <a:ext cx="200297" cy="165463"/>
+          </a:xfrm>
+          <a:prstGeom prst="ellipse">
+            <a:avLst/>
+          </a:prstGeom>
+          <a:solidFill>
+            <a:srgbClr val="FFFF00"/>
+          </a:solidFill>
+        </p:spPr>
+        <p:style>
+          <a:lnRef idx="2">
+            <a:schemeClr val="accent1">
+              <a:shade val="50000"/>
+            </a:schemeClr>
+          </a:lnRef>
+          <a:fillRef idx="1">
+            <a:schemeClr val="accent1"/>
+          </a:fillRef>
+          <a:effectRef idx="0">
+            <a:schemeClr val="accent1"/>
+          </a:effectRef>
+          <a:fontRef idx="minor">
+            <a:schemeClr val="lt1"/>
+          </a:fontRef>
+        </p:style>
+        <p:txBody>
+          <a:bodyPr rtlCol="0" anchor="ctr"/>
+          <a:lstStyle/>
+          <a:p>
+            <a:pPr algn="ctr"/>
+            <a:endParaRPr lang="en-US"/>
+          </a:p>
+        </p:txBody>
+      </p:sp>
+      <p:sp>
+        <p:nvSpPr>
+          <p:cNvPr id="29" name="Oval 28"/>
+          <p:cNvSpPr/>
+          <p:nvPr/>
+        </p:nvSpPr>
+        <p:spPr>
+          <a:xfrm>
+            <a:off x="4598122" y="3842265"/>
+            <a:ext cx="200297" cy="165463"/>
+          </a:xfrm>
+          <a:prstGeom prst="ellipse">
+            <a:avLst/>
+          </a:prstGeom>
+          <a:solidFill>
+            <a:srgbClr val="FFFF00"/>
+          </a:solidFill>
+        </p:spPr>
+        <p:style>
+          <a:lnRef idx="2">
+            <a:schemeClr val="accent1">
+              <a:shade val="50000"/>
+            </a:schemeClr>
+          </a:lnRef>
+          <a:fillRef idx="1">
+            <a:schemeClr val="accent1"/>
+          </a:fillRef>
+          <a:effectRef idx="0">
+            <a:schemeClr val="accent1"/>
+          </a:effectRef>
+          <a:fontRef idx="minor">
+            <a:schemeClr val="lt1"/>
+          </a:fontRef>
+        </p:style>
+        <p:txBody>
+          <a:bodyPr rtlCol="0" anchor="ctr"/>
+          <a:lstStyle/>
+          <a:p>
+            <a:pPr algn="ctr"/>
+            <a:endParaRPr lang="en-US"/>
+          </a:p>
+        </p:txBody>
+      </p:sp>
+      <p:sp>
+        <p:nvSpPr>
+          <p:cNvPr id="30" name="Oval 29"/>
+          <p:cNvSpPr/>
+          <p:nvPr/>
+        </p:nvSpPr>
+        <p:spPr>
+          <a:xfrm>
+            <a:off x="4497973" y="2425336"/>
+            <a:ext cx="200297" cy="165463"/>
+          </a:xfrm>
+          <a:prstGeom prst="ellipse">
+            <a:avLst/>
+          </a:prstGeom>
+          <a:solidFill>
+            <a:srgbClr val="FFFF00"/>
+          </a:solidFill>
+        </p:spPr>
+        <p:style>
+          <a:lnRef idx="2">
+            <a:schemeClr val="accent1">
+              <a:shade val="50000"/>
+            </a:schemeClr>
+          </a:lnRef>
+          <a:fillRef idx="1">
+            <a:schemeClr val="accent1"/>
+          </a:fillRef>
+          <a:effectRef idx="0">
+            <a:schemeClr val="accent1"/>
+          </a:effectRef>
+          <a:fontRef idx="minor">
+            <a:schemeClr val="lt1"/>
+          </a:fontRef>
+        </p:style>
+        <p:txBody>
+          <a:bodyPr rtlCol="0" anchor="ctr"/>
+          <a:lstStyle/>
+          <a:p>
+            <a:pPr algn="ctr"/>
+            <a:endParaRPr lang="en-US"/>
+          </a:p>
+        </p:txBody>
+      </p:sp>
+      <p:sp>
+        <p:nvSpPr>
+          <p:cNvPr id="31" name="Oval 30"/>
+          <p:cNvSpPr/>
+          <p:nvPr/>
+        </p:nvSpPr>
+        <p:spPr>
+          <a:xfrm>
+            <a:off x="5181600" y="1598022"/>
+            <a:ext cx="200297" cy="165463"/>
+          </a:xfrm>
+          <a:prstGeom prst="ellipse">
+            <a:avLst/>
+          </a:prstGeom>
+          <a:solidFill>
+            <a:srgbClr val="FFFF00"/>
+          </a:solidFill>
+        </p:spPr>
+        <p:style>
+          <a:lnRef idx="2">
+            <a:schemeClr val="accent1">
+              <a:shade val="50000"/>
+            </a:schemeClr>
+          </a:lnRef>
+          <a:fillRef idx="1">
+            <a:schemeClr val="accent1"/>
+          </a:fillRef>
+          <a:effectRef idx="0">
+            <a:schemeClr val="accent1"/>
+          </a:effectRef>
+          <a:fontRef idx="minor">
+            <a:schemeClr val="lt1"/>
+          </a:fontRef>
+        </p:style>
+        <p:txBody>
+          <a:bodyPr rtlCol="0" anchor="ctr"/>
+          <a:lstStyle/>
+          <a:p>
+            <a:pPr algn="ctr"/>
+            <a:endParaRPr lang="en-US"/>
+          </a:p>
+        </p:txBody>
+      </p:sp>
+      <p:sp>
+        <p:nvSpPr>
+          <p:cNvPr id="32" name="Oval 31"/>
+          <p:cNvSpPr/>
+          <p:nvPr/>
+        </p:nvSpPr>
+        <p:spPr>
+          <a:xfrm>
+            <a:off x="3013166" y="5338694"/>
+            <a:ext cx="200297" cy="165463"/>
+          </a:xfrm>
+          <a:prstGeom prst="ellipse">
+            <a:avLst/>
+          </a:prstGeom>
+          <a:solidFill>
+            <a:srgbClr val="FFFF00"/>
+          </a:solidFill>
+        </p:spPr>
+        <p:style>
+          <a:lnRef idx="2">
+            <a:schemeClr val="accent1">
+              <a:shade val="50000"/>
+            </a:schemeClr>
+          </a:lnRef>
+          <a:fillRef idx="1">
+            <a:schemeClr val="accent1"/>
+          </a:fillRef>
+          <a:effectRef idx="0">
+            <a:schemeClr val="accent1"/>
+          </a:effectRef>
+          <a:fontRef idx="minor">
+            <a:schemeClr val="lt1"/>
+          </a:fontRef>
+        </p:style>
+        <p:txBody>
+          <a:bodyPr rtlCol="0" anchor="ctr"/>
+          <a:lstStyle/>
+          <a:p>
+            <a:pPr algn="ctr"/>
+            <a:endParaRPr lang="en-US"/>
+          </a:p>
+        </p:txBody>
+      </p:sp>
+      <p:sp>
+        <p:nvSpPr>
+          <p:cNvPr id="33" name="Oval 32"/>
+          <p:cNvSpPr/>
+          <p:nvPr/>
+        </p:nvSpPr>
+        <p:spPr>
+          <a:xfrm>
+            <a:off x="4075611" y="5704113"/>
+            <a:ext cx="200297" cy="165463"/>
+          </a:xfrm>
+          <a:prstGeom prst="ellipse">
+            <a:avLst/>
+          </a:prstGeom>
+          <a:solidFill>
+            <a:srgbClr val="FFFF00"/>
+          </a:solidFill>
+        </p:spPr>
+        <p:style>
+          <a:lnRef idx="2">
+            <a:schemeClr val="accent1">
+              <a:shade val="50000"/>
+            </a:schemeClr>
+          </a:lnRef>
+          <a:fillRef idx="1">
+            <a:schemeClr val="accent1"/>
+          </a:fillRef>
+          <a:effectRef idx="0">
+            <a:schemeClr val="accent1"/>
+          </a:effectRef>
+          <a:fontRef idx="minor">
+            <a:schemeClr val="lt1"/>
+          </a:fontRef>
+        </p:style>
+        <p:txBody>
+          <a:bodyPr rtlCol="0" anchor="ctr"/>
+          <a:lstStyle/>
+          <a:p>
+            <a:pPr algn="ctr"/>
+            <a:endParaRPr lang="en-US"/>
+          </a:p>
+        </p:txBody>
+      </p:sp>
+      <p:sp>
+        <p:nvSpPr>
+          <p:cNvPr id="34" name="Oval 33"/>
+          <p:cNvSpPr/>
+          <p:nvPr/>
+        </p:nvSpPr>
+        <p:spPr>
+          <a:xfrm>
+            <a:off x="4345576" y="4628603"/>
+            <a:ext cx="200297" cy="165463"/>
+          </a:xfrm>
+          <a:prstGeom prst="ellipse">
+            <a:avLst/>
+          </a:prstGeom>
+          <a:solidFill>
+            <a:srgbClr val="FFFF00"/>
+          </a:solidFill>
+        </p:spPr>
+        <p:style>
+          <a:lnRef idx="2">
+            <a:schemeClr val="accent1">
+              <a:shade val="50000"/>
+            </a:schemeClr>
+          </a:lnRef>
+          <a:fillRef idx="1">
+            <a:schemeClr val="accent1"/>
+          </a:fillRef>
+          <a:effectRef idx="0">
+            <a:schemeClr val="accent1"/>
+          </a:effectRef>
+          <a:fontRef idx="minor">
+            <a:schemeClr val="lt1"/>
+          </a:fontRef>
+        </p:style>
+        <p:txBody>
+          <a:bodyPr rtlCol="0" anchor="ctr"/>
+          <a:lstStyle/>
+          <a:p>
+            <a:pPr algn="ctr"/>
+            <a:endParaRPr lang="en-US"/>
+          </a:p>
+        </p:txBody>
+      </p:sp>
+    </p:spTree>
+    <p:extLst>
+      <p:ext uri="{BB962C8B-B14F-4D97-AF65-F5344CB8AC3E}">
+        <p14:creationId xmlns:p14="http://schemas.microsoft.com/office/powerpoint/2010/main" val="2207020498"/>
+      </p:ext>
+    </p:extLst>
+  </p:cSld>
+  <p:clrMapOvr>
+    <a:masterClrMapping/>
+  </p:clrMapOvr>
+  <p:timing>
+    <p:tnLst>
+      <p:par>
+        <p:cTn id="1" dur="indefinite" restart="never" nodeType="tmRoot"/>
+      </p:par>
+    </p:tnLst>
+  </p:timing>
+</p:sld>
+</file>
+
+<file path=ppt/slides/slide19.xml><?xml version="1.0" encoding="utf-8"?>
+<p:sld xmlns:a="http://schemas.openxmlformats.org/drawingml/2006/main" xmlns:r="http://schemas.openxmlformats.org/officeDocument/2006/relationships" xmlns:p="http://schemas.openxmlformats.org/presentationml/2006/main">
+  <p:cSld>
+    <p:spTree>
+      <p:nvGrpSpPr>
+        <p:cNvPr id="1" name=""/>
+        <p:cNvGrpSpPr/>
+        <p:nvPr/>
+      </p:nvGrpSpPr>
+      <p:grpSpPr>
+        <a:xfrm>
+          <a:off x="0" y="0"/>
+          <a:ext cx="0" cy="0"/>
+          <a:chOff x="0" y="0"/>
+          <a:chExt cx="0" cy="0"/>
+        </a:xfrm>
+      </p:grpSpPr>
+      <p:sp>
+        <p:nvSpPr>
+          <p:cNvPr id="4" name="Rectangle 3"/>
+          <p:cNvSpPr/>
+          <p:nvPr/>
+        </p:nvSpPr>
+        <p:spPr>
+          <a:xfrm>
+            <a:off x="2447109" y="722811"/>
+            <a:ext cx="3648891" cy="5669280"/>
+          </a:xfrm>
+          <a:prstGeom prst="rect">
+            <a:avLst/>
+          </a:prstGeom>
+        </p:spPr>
+        <p:style>
+          <a:lnRef idx="2">
+            <a:schemeClr val="accent1">
+              <a:shade val="50000"/>
+            </a:schemeClr>
+          </a:lnRef>
+          <a:fillRef idx="1">
+            <a:schemeClr val="accent1"/>
+          </a:fillRef>
+          <a:effectRef idx="0">
+            <a:schemeClr val="accent1"/>
+          </a:effectRef>
+          <a:fontRef idx="minor">
+            <a:schemeClr val="lt1"/>
+          </a:fontRef>
+        </p:style>
+        <p:txBody>
+          <a:bodyPr rtlCol="0" anchor="ctr"/>
+          <a:lstStyle/>
+          <a:p>
+            <a:pPr algn="ctr"/>
+            <a:endParaRPr lang="en-US"/>
+          </a:p>
+        </p:txBody>
+      </p:sp>
+      <p:sp>
+        <p:nvSpPr>
+          <p:cNvPr id="5" name="TextBox 4"/>
+          <p:cNvSpPr txBox="1"/>
+          <p:nvPr/>
+        </p:nvSpPr>
+        <p:spPr>
+          <a:xfrm>
+            <a:off x="644434" y="3372785"/>
+            <a:ext cx="2107474" cy="369332"/>
+          </a:xfrm>
+          <a:prstGeom prst="rect">
+            <a:avLst/>
+          </a:prstGeom>
+          <a:noFill/>
+        </p:spPr>
+        <p:txBody>
+          <a:bodyPr wrap="square" rtlCol="0">
+            <a:spAutoFit/>
+          </a:bodyPr>
+          <a:lstStyle/>
+          <a:p>
+            <a:r>
+              <a:rPr lang="en-US" dirty="0" smtClean="0"/>
+              <a:t>Retention Score</a:t>
+            </a:r>
+            <a:endParaRPr lang="en-US" dirty="0"/>
+          </a:p>
+        </p:txBody>
+      </p:sp>
+      <p:cxnSp>
+        <p:nvCxnSpPr>
+          <p:cNvPr id="7" name="Straight Connector 6"/>
+          <p:cNvCxnSpPr/>
+          <p:nvPr/>
+        </p:nvCxnSpPr>
+        <p:spPr>
+          <a:xfrm>
+            <a:off x="2255520" y="940525"/>
+            <a:ext cx="34834" cy="5233851"/>
+          </a:xfrm>
+          <a:prstGeom prst="line">
+            <a:avLst/>
+          </a:prstGeom>
+        </p:spPr>
+        <p:style>
+          <a:lnRef idx="1">
+            <a:schemeClr val="accent1"/>
+          </a:lnRef>
+          <a:fillRef idx="0">
+            <a:schemeClr val="accent1"/>
+          </a:fillRef>
+          <a:effectRef idx="0">
+            <a:schemeClr val="accent1"/>
+          </a:effectRef>
+          <a:fontRef idx="minor">
+            <a:schemeClr val="tx1"/>
+          </a:fontRef>
+        </p:style>
+      </p:cxnSp>
+      <p:sp>
+        <p:nvSpPr>
+          <p:cNvPr id="8" name="TextBox 7"/>
+          <p:cNvSpPr txBox="1"/>
+          <p:nvPr/>
+        </p:nvSpPr>
+        <p:spPr>
+          <a:xfrm>
+            <a:off x="1219200" y="1114697"/>
+            <a:ext cx="957943" cy="369332"/>
+          </a:xfrm>
+          <a:prstGeom prst="rect">
+            <a:avLst/>
+          </a:prstGeom>
+          <a:noFill/>
+        </p:spPr>
+        <p:txBody>
+          <a:bodyPr wrap="square" rtlCol="0">
+            <a:spAutoFit/>
+          </a:bodyPr>
+          <a:lstStyle/>
+          <a:p>
+            <a:r>
+              <a:rPr lang="en-US" dirty="0" smtClean="0"/>
+              <a:t>100%</a:t>
+            </a:r>
+            <a:endParaRPr lang="en-US" dirty="0"/>
+          </a:p>
+        </p:txBody>
+      </p:sp>
+      <p:sp>
+        <p:nvSpPr>
+          <p:cNvPr id="10" name="TextBox 9"/>
+          <p:cNvSpPr txBox="1"/>
+          <p:nvPr/>
+        </p:nvSpPr>
+        <p:spPr>
+          <a:xfrm>
+            <a:off x="1332411" y="5815538"/>
+            <a:ext cx="957943" cy="369332"/>
+          </a:xfrm>
+          <a:prstGeom prst="rect">
+            <a:avLst/>
+          </a:prstGeom>
+          <a:noFill/>
+        </p:spPr>
+        <p:txBody>
+          <a:bodyPr wrap="square" rtlCol="0">
+            <a:spAutoFit/>
+          </a:bodyPr>
+          <a:lstStyle/>
+          <a:p>
+            <a:r>
+              <a:rPr lang="en-US" dirty="0" smtClean="0"/>
+              <a:t>0%</a:t>
+            </a:r>
+            <a:endParaRPr lang="en-US" dirty="0"/>
+          </a:p>
+        </p:txBody>
+      </p:sp>
+      <p:cxnSp>
+        <p:nvCxnSpPr>
+          <p:cNvPr id="11" name="Straight Connector 10"/>
+          <p:cNvCxnSpPr/>
+          <p:nvPr/>
+        </p:nvCxnSpPr>
+        <p:spPr>
+          <a:xfrm flipH="1">
+            <a:off x="1996440" y="940525"/>
+            <a:ext cx="552993" cy="0"/>
+          </a:xfrm>
+          <a:prstGeom prst="line">
+            <a:avLst/>
+          </a:prstGeom>
+        </p:spPr>
+        <p:style>
+          <a:lnRef idx="1">
+            <a:schemeClr val="accent1"/>
+          </a:lnRef>
+          <a:fillRef idx="0">
+            <a:schemeClr val="accent1"/>
+          </a:fillRef>
+          <a:effectRef idx="0">
+            <a:schemeClr val="accent1"/>
+          </a:effectRef>
+          <a:fontRef idx="minor">
+            <a:schemeClr val="tx1"/>
+          </a:fontRef>
+        </p:style>
+      </p:cxnSp>
+      <p:cxnSp>
+        <p:nvCxnSpPr>
+          <p:cNvPr id="15" name="Straight Connector 14"/>
+          <p:cNvCxnSpPr/>
+          <p:nvPr/>
+        </p:nvCxnSpPr>
+        <p:spPr>
+          <a:xfrm flipH="1">
+            <a:off x="1979023" y="6184870"/>
+            <a:ext cx="552993" cy="0"/>
+          </a:xfrm>
+          <a:prstGeom prst="line">
+            <a:avLst/>
+          </a:prstGeom>
+        </p:spPr>
+        <p:style>
+          <a:lnRef idx="1">
+            <a:schemeClr val="accent1"/>
+          </a:lnRef>
+          <a:fillRef idx="0">
+            <a:schemeClr val="accent1"/>
+          </a:fillRef>
+          <a:effectRef idx="0">
+            <a:schemeClr val="accent1"/>
+          </a:effectRef>
+          <a:fontRef idx="minor">
+            <a:schemeClr val="tx1"/>
+          </a:fontRef>
+        </p:style>
+      </p:cxnSp>
+      <p:sp>
+        <p:nvSpPr>
+          <p:cNvPr id="17" name="Title 16"/>
+          <p:cNvSpPr>
+            <a:spLocks noGrp="1"/>
+          </p:cNvSpPr>
+          <p:nvPr>
+            <p:ph type="title"/>
+          </p:nvPr>
+        </p:nvSpPr>
+        <p:spPr>
+          <a:xfrm>
+            <a:off x="6252755" y="1797975"/>
+            <a:ext cx="4572626" cy="3518949"/>
+          </a:xfrm>
+        </p:spPr>
+        <p:txBody>
+          <a:bodyPr/>
+          <a:lstStyle/>
+          <a:p>
+            <a:r>
+              <a:rPr lang="en-US" dirty="0" smtClean="0"/>
+              <a:t> </a:t>
+            </a:r>
+            <a:br>
+              <a:rPr lang="en-US" dirty="0" smtClean="0"/>
+            </a:br>
+            <a:r>
+              <a:rPr lang="en-US" dirty="0" smtClean="0"/>
+              <a:t>Sample </a:t>
+            </a:r>
+            <a:br>
+              <a:rPr lang="en-US" dirty="0" smtClean="0"/>
+            </a:br>
+            <a:r>
+              <a:rPr lang="en-US" dirty="0" smtClean="0"/>
+              <a:t>we </a:t>
+            </a:r>
+            <a:br>
+              <a:rPr lang="en-US" dirty="0" smtClean="0"/>
+            </a:br>
+            <a:r>
+              <a:rPr lang="en-US" dirty="0" smtClean="0"/>
+              <a:t>Got</a:t>
+            </a:r>
+            <a:endParaRPr lang="en-US" dirty="0"/>
+          </a:p>
+        </p:txBody>
+      </p:sp>
+      <p:sp>
+        <p:nvSpPr>
+          <p:cNvPr id="20" name="Oval 19"/>
+          <p:cNvSpPr/>
+          <p:nvPr/>
+        </p:nvSpPr>
+        <p:spPr>
+          <a:xfrm>
+            <a:off x="2899955" y="1035537"/>
+            <a:ext cx="200297" cy="165463"/>
+          </a:xfrm>
+          <a:prstGeom prst="ellipse">
+            <a:avLst/>
+          </a:prstGeom>
+          <a:solidFill>
+            <a:srgbClr val="FFFF00"/>
+          </a:solidFill>
+        </p:spPr>
+        <p:style>
+          <a:lnRef idx="2">
+            <a:schemeClr val="accent1">
+              <a:shade val="50000"/>
+            </a:schemeClr>
+          </a:lnRef>
+          <a:fillRef idx="1">
+            <a:schemeClr val="accent1"/>
+          </a:fillRef>
+          <a:effectRef idx="0">
+            <a:schemeClr val="accent1"/>
+          </a:effectRef>
+          <a:fontRef idx="minor">
+            <a:schemeClr val="lt1"/>
+          </a:fontRef>
+        </p:style>
+        <p:txBody>
+          <a:bodyPr rtlCol="0" anchor="ctr"/>
+          <a:lstStyle/>
+          <a:p>
+            <a:pPr algn="ctr"/>
+            <a:endParaRPr lang="en-US"/>
+          </a:p>
+        </p:txBody>
+      </p:sp>
+      <p:sp>
+        <p:nvSpPr>
+          <p:cNvPr id="21" name="Oval 20"/>
+          <p:cNvSpPr/>
+          <p:nvPr/>
+        </p:nvSpPr>
+        <p:spPr>
+          <a:xfrm>
+            <a:off x="4245427" y="1118268"/>
+            <a:ext cx="200297" cy="165463"/>
+          </a:xfrm>
+          <a:prstGeom prst="ellipse">
+            <a:avLst/>
+          </a:prstGeom>
+          <a:solidFill>
+            <a:srgbClr val="FFFF00"/>
+          </a:solidFill>
+        </p:spPr>
+        <p:style>
+          <a:lnRef idx="2">
+            <a:schemeClr val="accent1">
+              <a:shade val="50000"/>
+            </a:schemeClr>
+          </a:lnRef>
+          <a:fillRef idx="1">
+            <a:schemeClr val="accent1"/>
+          </a:fillRef>
+          <a:effectRef idx="0">
+            <a:schemeClr val="accent1"/>
+          </a:effectRef>
+          <a:fontRef idx="minor">
+            <a:schemeClr val="lt1"/>
+          </a:fontRef>
+        </p:style>
+        <p:txBody>
+          <a:bodyPr rtlCol="0" anchor="ctr"/>
+          <a:lstStyle/>
+          <a:p>
+            <a:pPr algn="ctr"/>
+            <a:endParaRPr lang="en-US"/>
+          </a:p>
+        </p:txBody>
+      </p:sp>
+      <p:sp>
+        <p:nvSpPr>
+          <p:cNvPr id="22" name="Oval 21"/>
+          <p:cNvSpPr/>
+          <p:nvPr/>
+        </p:nvSpPr>
+        <p:spPr>
+          <a:xfrm>
+            <a:off x="4504507" y="1526787"/>
+            <a:ext cx="200297" cy="165463"/>
+          </a:xfrm>
+          <a:prstGeom prst="ellipse">
+            <a:avLst/>
+          </a:prstGeom>
+          <a:solidFill>
+            <a:srgbClr val="FFFF00"/>
+          </a:solidFill>
+        </p:spPr>
+        <p:style>
+          <a:lnRef idx="2">
+            <a:schemeClr val="accent1">
+              <a:shade val="50000"/>
+            </a:schemeClr>
+          </a:lnRef>
+          <a:fillRef idx="1">
+            <a:schemeClr val="accent1"/>
+          </a:fillRef>
+          <a:effectRef idx="0">
+            <a:schemeClr val="accent1"/>
+          </a:effectRef>
+          <a:fontRef idx="minor">
+            <a:schemeClr val="lt1"/>
+          </a:fontRef>
+        </p:style>
+        <p:txBody>
+          <a:bodyPr rtlCol="0" anchor="ctr"/>
+          <a:lstStyle/>
+          <a:p>
+            <a:pPr algn="ctr"/>
+            <a:endParaRPr lang="en-US"/>
+          </a:p>
+        </p:txBody>
+      </p:sp>
+      <p:sp>
+        <p:nvSpPr>
+          <p:cNvPr id="23" name="Oval 22"/>
+          <p:cNvSpPr/>
+          <p:nvPr/>
+        </p:nvSpPr>
+        <p:spPr>
+          <a:xfrm>
+            <a:off x="3328850" y="1466611"/>
+            <a:ext cx="200297" cy="165463"/>
+          </a:xfrm>
+          <a:prstGeom prst="ellipse">
+            <a:avLst/>
+          </a:prstGeom>
+          <a:solidFill>
+            <a:srgbClr val="FFFF00"/>
+          </a:solidFill>
+        </p:spPr>
+        <p:style>
+          <a:lnRef idx="2">
+            <a:schemeClr val="accent1">
+              <a:shade val="50000"/>
+            </a:schemeClr>
+          </a:lnRef>
+          <a:fillRef idx="1">
+            <a:schemeClr val="accent1"/>
+          </a:fillRef>
+          <a:effectRef idx="0">
+            <a:schemeClr val="accent1"/>
+          </a:effectRef>
+          <a:fontRef idx="minor">
+            <a:schemeClr val="lt1"/>
+          </a:fontRef>
+        </p:style>
+        <p:txBody>
+          <a:bodyPr rtlCol="0" anchor="ctr"/>
+          <a:lstStyle/>
+          <a:p>
+            <a:pPr algn="ctr"/>
+            <a:endParaRPr lang="en-US"/>
+          </a:p>
+        </p:txBody>
+      </p:sp>
+      <p:sp>
+        <p:nvSpPr>
+          <p:cNvPr id="24" name="Oval 23"/>
+          <p:cNvSpPr/>
+          <p:nvPr/>
+        </p:nvSpPr>
+        <p:spPr>
+          <a:xfrm>
+            <a:off x="3979816" y="2063932"/>
+            <a:ext cx="200297" cy="165463"/>
+          </a:xfrm>
+          <a:prstGeom prst="ellipse">
+            <a:avLst/>
+          </a:prstGeom>
+          <a:solidFill>
+            <a:srgbClr val="FFFF00"/>
+          </a:solidFill>
+        </p:spPr>
+        <p:style>
+          <a:lnRef idx="2">
+            <a:schemeClr val="accent1">
+              <a:shade val="50000"/>
+            </a:schemeClr>
+          </a:lnRef>
+          <a:fillRef idx="1">
+            <a:schemeClr val="accent1"/>
+          </a:fillRef>
+          <a:effectRef idx="0">
+            <a:schemeClr val="accent1"/>
+          </a:effectRef>
+          <a:fontRef idx="minor">
+            <a:schemeClr val="lt1"/>
+          </a:fontRef>
+        </p:style>
+        <p:txBody>
+          <a:bodyPr rtlCol="0" anchor="ctr"/>
+          <a:lstStyle/>
+          <a:p>
+            <a:pPr algn="ctr"/>
+            <a:endParaRPr lang="en-US"/>
+          </a:p>
+        </p:txBody>
+      </p:sp>
+      <p:sp>
+        <p:nvSpPr>
+          <p:cNvPr id="26" name="Oval 25"/>
+          <p:cNvSpPr/>
+          <p:nvPr/>
+        </p:nvSpPr>
+        <p:spPr>
+          <a:xfrm>
+            <a:off x="4892040" y="940525"/>
+            <a:ext cx="200297" cy="165463"/>
+          </a:xfrm>
+          <a:prstGeom prst="ellipse">
+            <a:avLst/>
+          </a:prstGeom>
+          <a:solidFill>
+            <a:srgbClr val="FFFF00"/>
+          </a:solidFill>
+        </p:spPr>
+        <p:style>
+          <a:lnRef idx="2">
+            <a:schemeClr val="accent1">
+              <a:shade val="50000"/>
+            </a:schemeClr>
+          </a:lnRef>
+          <a:fillRef idx="1">
+            <a:schemeClr val="accent1"/>
+          </a:fillRef>
+          <a:effectRef idx="0">
+            <a:schemeClr val="accent1"/>
+          </a:effectRef>
+          <a:fontRef idx="minor">
+            <a:schemeClr val="lt1"/>
+          </a:fontRef>
+        </p:style>
+        <p:txBody>
+          <a:bodyPr rtlCol="0" anchor="ctr"/>
+          <a:lstStyle/>
+          <a:p>
+            <a:pPr algn="ctr"/>
+            <a:endParaRPr lang="en-US"/>
+          </a:p>
+        </p:txBody>
+      </p:sp>
+      <p:sp>
+        <p:nvSpPr>
+          <p:cNvPr id="27" name="Oval 26"/>
+          <p:cNvSpPr/>
+          <p:nvPr/>
+        </p:nvSpPr>
+        <p:spPr>
+          <a:xfrm>
+            <a:off x="5292634" y="1278593"/>
+            <a:ext cx="200297" cy="165463"/>
+          </a:xfrm>
+          <a:prstGeom prst="ellipse">
+            <a:avLst/>
+          </a:prstGeom>
+          <a:solidFill>
+            <a:srgbClr val="FFFF00"/>
+          </a:solidFill>
+        </p:spPr>
+        <p:style>
+          <a:lnRef idx="2">
+            <a:schemeClr val="accent1">
+              <a:shade val="50000"/>
+            </a:schemeClr>
+          </a:lnRef>
+          <a:fillRef idx="1">
+            <a:schemeClr val="accent1"/>
+          </a:fillRef>
+          <a:effectRef idx="0">
+            <a:schemeClr val="accent1"/>
+          </a:effectRef>
+          <a:fontRef idx="minor">
+            <a:schemeClr val="lt1"/>
+          </a:fontRef>
+        </p:style>
+        <p:txBody>
+          <a:bodyPr rtlCol="0" anchor="ctr"/>
+          <a:lstStyle/>
+          <a:p>
+            <a:pPr algn="ctr"/>
+            <a:endParaRPr lang="en-US"/>
+          </a:p>
+        </p:txBody>
+      </p:sp>
+      <p:sp>
+        <p:nvSpPr>
+          <p:cNvPr id="28" name="Oval 27"/>
+          <p:cNvSpPr/>
+          <p:nvPr/>
+        </p:nvSpPr>
+        <p:spPr>
+          <a:xfrm>
+            <a:off x="3013166" y="1827670"/>
+            <a:ext cx="200297" cy="165463"/>
+          </a:xfrm>
+          <a:prstGeom prst="ellipse">
+            <a:avLst/>
+          </a:prstGeom>
+          <a:solidFill>
+            <a:srgbClr val="FFFF00"/>
+          </a:solidFill>
+        </p:spPr>
+        <p:style>
+          <a:lnRef idx="2">
+            <a:schemeClr val="accent1">
+              <a:shade val="50000"/>
+            </a:schemeClr>
+          </a:lnRef>
+          <a:fillRef idx="1">
+            <a:schemeClr val="accent1"/>
+          </a:fillRef>
+          <a:effectRef idx="0">
+            <a:schemeClr val="accent1"/>
+          </a:effectRef>
+          <a:fontRef idx="minor">
+            <a:schemeClr val="lt1"/>
+          </a:fontRef>
+        </p:style>
+        <p:txBody>
+          <a:bodyPr rtlCol="0" anchor="ctr"/>
+          <a:lstStyle/>
+          <a:p>
+            <a:pPr algn="ctr"/>
+            <a:endParaRPr lang="en-US"/>
+          </a:p>
+        </p:txBody>
+      </p:sp>
+      <p:sp>
+        <p:nvSpPr>
+          <p:cNvPr id="29" name="Oval 28"/>
+          <p:cNvSpPr/>
+          <p:nvPr/>
+        </p:nvSpPr>
+        <p:spPr>
+          <a:xfrm>
+            <a:off x="5092337" y="1673485"/>
+            <a:ext cx="200297" cy="165463"/>
+          </a:xfrm>
+          <a:prstGeom prst="ellipse">
+            <a:avLst/>
+          </a:prstGeom>
+          <a:solidFill>
+            <a:srgbClr val="FFFF00"/>
+          </a:solidFill>
+        </p:spPr>
+        <p:style>
+          <a:lnRef idx="2">
+            <a:schemeClr val="accent1">
+              <a:shade val="50000"/>
+            </a:schemeClr>
+          </a:lnRef>
+          <a:fillRef idx="1">
+            <a:schemeClr val="accent1"/>
+          </a:fillRef>
+          <a:effectRef idx="0">
+            <a:schemeClr val="accent1"/>
+          </a:effectRef>
+          <a:fontRef idx="minor">
+            <a:schemeClr val="lt1"/>
+          </a:fontRef>
+        </p:style>
+        <p:txBody>
+          <a:bodyPr rtlCol="0" anchor="ctr"/>
+          <a:lstStyle/>
+          <a:p>
+            <a:pPr algn="ctr"/>
+            <a:endParaRPr lang="en-US"/>
+          </a:p>
+        </p:txBody>
+      </p:sp>
+      <p:sp>
+        <p:nvSpPr>
+          <p:cNvPr id="30" name="Oval 29"/>
+          <p:cNvSpPr/>
+          <p:nvPr/>
+        </p:nvSpPr>
+        <p:spPr>
+          <a:xfrm>
+            <a:off x="3688080" y="949234"/>
+            <a:ext cx="200297" cy="165463"/>
+          </a:xfrm>
+          <a:prstGeom prst="ellipse">
+            <a:avLst/>
+          </a:prstGeom>
+          <a:solidFill>
+            <a:srgbClr val="FFFF00"/>
+          </a:solidFill>
+        </p:spPr>
+        <p:style>
+          <a:lnRef idx="2">
+            <a:schemeClr val="accent1">
+              <a:shade val="50000"/>
+            </a:schemeClr>
+          </a:lnRef>
+          <a:fillRef idx="1">
+            <a:schemeClr val="accent1"/>
+          </a:fillRef>
+          <a:effectRef idx="0">
+            <a:schemeClr val="accent1"/>
+          </a:effectRef>
+          <a:fontRef idx="minor">
+            <a:schemeClr val="lt1"/>
+          </a:fontRef>
+        </p:style>
+        <p:txBody>
+          <a:bodyPr rtlCol="0" anchor="ctr"/>
+          <a:lstStyle/>
+          <a:p>
+            <a:pPr algn="ctr"/>
+            <a:endParaRPr lang="en-US"/>
+          </a:p>
+        </p:txBody>
+      </p:sp>
+      <p:sp>
+        <p:nvSpPr>
+          <p:cNvPr id="31" name="Oval 30"/>
+          <p:cNvSpPr/>
+          <p:nvPr/>
+        </p:nvSpPr>
+        <p:spPr>
+          <a:xfrm>
+            <a:off x="3936273" y="1444056"/>
+            <a:ext cx="200297" cy="165463"/>
+          </a:xfrm>
+          <a:prstGeom prst="ellipse">
+            <a:avLst/>
+          </a:prstGeom>
+          <a:solidFill>
+            <a:srgbClr val="FFFF00"/>
+          </a:solidFill>
+        </p:spPr>
+        <p:style>
+          <a:lnRef idx="2">
+            <a:schemeClr val="accent1">
+              <a:shade val="50000"/>
+            </a:schemeClr>
+          </a:lnRef>
+          <a:fillRef idx="1">
+            <a:schemeClr val="accent1"/>
+          </a:fillRef>
+          <a:effectRef idx="0">
+            <a:schemeClr val="accent1"/>
+          </a:effectRef>
+          <a:fontRef idx="minor">
+            <a:schemeClr val="lt1"/>
+          </a:fontRef>
+        </p:style>
+        <p:txBody>
+          <a:bodyPr rtlCol="0" anchor="ctr"/>
+          <a:lstStyle/>
+          <a:p>
+            <a:pPr algn="ctr"/>
+            <a:endParaRPr lang="en-US"/>
+          </a:p>
+        </p:txBody>
+      </p:sp>
+    </p:spTree>
+    <p:extLst>
+      <p:ext uri="{BB962C8B-B14F-4D97-AF65-F5344CB8AC3E}">
+        <p14:creationId xmlns:p14="http://schemas.microsoft.com/office/powerpoint/2010/main" val="1359802465"/>
+      </p:ext>
+    </p:extLst>
+  </p:cSld>
+  <p:clrMapOvr>
+    <a:masterClrMapping/>
+  </p:clrMapOvr>
+  <p:timing>
+    <p:tnLst>
+      <p:par>
+        <p:cTn id="1" dur="indefinite" restart="never" nodeType="tmRoot"/>
+      </p:par>
+    </p:tnLst>
+  </p:timing>
+</p:sld>
+</file>
+
+<file path=ppt/slides/slide2.xml><?xml version="1.0" encoding="utf-8"?>
+<p:sld xmlns:a="http://schemas.openxmlformats.org/drawingml/2006/main" xmlns:r="http://schemas.openxmlformats.org/officeDocument/2006/relationships" xmlns:p="http://schemas.openxmlformats.org/presentationml/2006/main">
+  <p:cSld>
+    <p:spTree>
+      <p:nvGrpSpPr>
+        <p:cNvPr id="1" name=""/>
+        <p:cNvGrpSpPr/>
+        <p:nvPr/>
+      </p:nvGrpSpPr>
+      <p:grpSpPr>
+        <a:xfrm>
+          <a:off x="0" y="0"/>
+          <a:ext cx="0" cy="0"/>
+          <a:chOff x="0" y="0"/>
+          <a:chExt cx="0" cy="0"/>
+        </a:xfrm>
+      </p:grpSpPr>
+      <p:sp>
+        <p:nvSpPr>
+          <p:cNvPr id="2" name="Title 1"/>
+          <p:cNvSpPr>
+            <a:spLocks noGrp="1"/>
+          </p:cNvSpPr>
+          <p:nvPr>
+            <p:ph type="title"/>
+          </p:nvPr>
+        </p:nvSpPr>
+        <p:spPr>
+          <a:xfrm>
+            <a:off x="913774" y="239694"/>
+            <a:ext cx="10364451" cy="1596177"/>
+          </a:xfrm>
+        </p:spPr>
+        <p:txBody>
+          <a:bodyPr/>
+          <a:lstStyle/>
+          <a:p>
+            <a:r>
+              <a:rPr lang="en-US" dirty="0" smtClean="0"/>
+              <a:t>Disruption</a:t>
+            </a:r>
+            <a:endParaRPr lang="en-US" dirty="0"/>
+          </a:p>
+        </p:txBody>
+      </p:sp>
+      <p:sp>
+        <p:nvSpPr>
+          <p:cNvPr id="3" name="Content Placeholder 2"/>
+          <p:cNvSpPr>
+            <a:spLocks noGrp="1"/>
+          </p:cNvSpPr>
+          <p:nvPr>
+            <p:ph sz="quarter" idx="13"/>
+          </p:nvPr>
+        </p:nvSpPr>
+        <p:spPr>
+          <a:xfrm>
+            <a:off x="914399" y="1727012"/>
+            <a:ext cx="10363826" cy="3424107"/>
+          </a:xfrm>
+        </p:spPr>
+        <p:txBody>
+          <a:bodyPr>
+            <a:noAutofit/>
+          </a:bodyPr>
+          <a:lstStyle/>
+          <a:p>
+            <a:pPr marL="0" indent="0">
+              <a:buNone/>
+            </a:pPr>
+            <a:r>
+              <a:rPr lang="en-US" sz="3200" cap="none" dirty="0" smtClean="0"/>
+              <a:t>Division does not currently have well defined understanding of which of their key performance measures contribute to student success.</a:t>
+            </a:r>
+            <a:endParaRPr lang="en-US" sz="3200" cap="none" dirty="0"/>
+          </a:p>
+        </p:txBody>
+      </p:sp>
+    </p:spTree>
+    <p:extLst>
+      <p:ext uri="{BB962C8B-B14F-4D97-AF65-F5344CB8AC3E}">
+        <p14:creationId xmlns:p14="http://schemas.microsoft.com/office/powerpoint/2010/main" val="345043587"/>
+      </p:ext>
+    </p:extLst>
+  </p:cSld>
+  <p:clrMapOvr>
+    <a:masterClrMapping/>
+  </p:clrMapOvr>
+</p:sld>
+</file>
+
+<file path=ppt/slides/slide20.xml><?xml version="1.0" encoding="utf-8"?>
+<p:sld xmlns:a="http://schemas.openxmlformats.org/drawingml/2006/main" xmlns:r="http://schemas.openxmlformats.org/officeDocument/2006/relationships" xmlns:p="http://schemas.openxmlformats.org/presentationml/2006/main">
+  <p:cSld>
+    <p:spTree>
+      <p:nvGrpSpPr>
+        <p:cNvPr id="1" name=""/>
+        <p:cNvGrpSpPr/>
+        <p:nvPr/>
+      </p:nvGrpSpPr>
+      <p:grpSpPr>
+        <a:xfrm>
+          <a:off x="0" y="0"/>
+          <a:ext cx="0" cy="0"/>
+          <a:chOff x="0" y="0"/>
+          <a:chExt cx="0" cy="0"/>
+        </a:xfrm>
+      </p:grpSpPr>
+      <p:sp>
+        <p:nvSpPr>
+          <p:cNvPr id="4" name="Rectangle 3"/>
+          <p:cNvSpPr/>
+          <p:nvPr/>
+        </p:nvSpPr>
+        <p:spPr>
+          <a:xfrm>
+            <a:off x="2447109" y="722811"/>
+            <a:ext cx="3648891" cy="5669280"/>
+          </a:xfrm>
+          <a:prstGeom prst="rect">
+            <a:avLst/>
+          </a:prstGeom>
+        </p:spPr>
+        <p:style>
+          <a:lnRef idx="2">
+            <a:schemeClr val="accent1">
+              <a:shade val="50000"/>
+            </a:schemeClr>
+          </a:lnRef>
+          <a:fillRef idx="1">
+            <a:schemeClr val="accent1"/>
+          </a:fillRef>
+          <a:effectRef idx="0">
+            <a:schemeClr val="accent1"/>
+          </a:effectRef>
+          <a:fontRef idx="minor">
+            <a:schemeClr val="lt1"/>
+          </a:fontRef>
+        </p:style>
+        <p:txBody>
+          <a:bodyPr rtlCol="0" anchor="ctr"/>
+          <a:lstStyle/>
+          <a:p>
+            <a:pPr algn="ctr"/>
+            <a:endParaRPr lang="en-US"/>
+          </a:p>
+        </p:txBody>
+      </p:sp>
+      <p:sp>
+        <p:nvSpPr>
+          <p:cNvPr id="5" name="TextBox 4"/>
+          <p:cNvSpPr txBox="1"/>
+          <p:nvPr/>
+        </p:nvSpPr>
+        <p:spPr>
+          <a:xfrm>
+            <a:off x="644434" y="3372785"/>
+            <a:ext cx="2107474" cy="369332"/>
+          </a:xfrm>
+          <a:prstGeom prst="rect">
+            <a:avLst/>
+          </a:prstGeom>
+          <a:noFill/>
+        </p:spPr>
+        <p:txBody>
+          <a:bodyPr wrap="square" rtlCol="0">
+            <a:spAutoFit/>
+          </a:bodyPr>
+          <a:lstStyle/>
+          <a:p>
+            <a:r>
+              <a:rPr lang="en-US" dirty="0" smtClean="0"/>
+              <a:t>Retention Score</a:t>
+            </a:r>
+            <a:endParaRPr lang="en-US" dirty="0"/>
+          </a:p>
+        </p:txBody>
+      </p:sp>
+      <p:cxnSp>
+        <p:nvCxnSpPr>
+          <p:cNvPr id="7" name="Straight Connector 6"/>
+          <p:cNvCxnSpPr/>
+          <p:nvPr/>
+        </p:nvCxnSpPr>
+        <p:spPr>
+          <a:xfrm>
+            <a:off x="2255520" y="940525"/>
+            <a:ext cx="34834" cy="5233851"/>
+          </a:xfrm>
+          <a:prstGeom prst="line">
+            <a:avLst/>
+          </a:prstGeom>
+        </p:spPr>
+        <p:style>
+          <a:lnRef idx="1">
+            <a:schemeClr val="accent1"/>
+          </a:lnRef>
+          <a:fillRef idx="0">
+            <a:schemeClr val="accent1"/>
+          </a:fillRef>
+          <a:effectRef idx="0">
+            <a:schemeClr val="accent1"/>
+          </a:effectRef>
+          <a:fontRef idx="minor">
+            <a:schemeClr val="tx1"/>
+          </a:fontRef>
+        </p:style>
+      </p:cxnSp>
+      <p:sp>
+        <p:nvSpPr>
+          <p:cNvPr id="8" name="TextBox 7"/>
+          <p:cNvSpPr txBox="1"/>
+          <p:nvPr/>
+        </p:nvSpPr>
+        <p:spPr>
+          <a:xfrm>
+            <a:off x="1219200" y="1114697"/>
+            <a:ext cx="957943" cy="369332"/>
+          </a:xfrm>
+          <a:prstGeom prst="rect">
+            <a:avLst/>
+          </a:prstGeom>
+          <a:noFill/>
+        </p:spPr>
+        <p:txBody>
+          <a:bodyPr wrap="square" rtlCol="0">
+            <a:spAutoFit/>
+          </a:bodyPr>
+          <a:lstStyle/>
+          <a:p>
+            <a:r>
+              <a:rPr lang="en-US" dirty="0" smtClean="0"/>
+              <a:t>100%</a:t>
+            </a:r>
+            <a:endParaRPr lang="en-US" dirty="0"/>
+          </a:p>
+        </p:txBody>
+      </p:sp>
+      <p:sp>
+        <p:nvSpPr>
+          <p:cNvPr id="10" name="TextBox 9"/>
+          <p:cNvSpPr txBox="1"/>
+          <p:nvPr/>
+        </p:nvSpPr>
+        <p:spPr>
+          <a:xfrm>
+            <a:off x="1332411" y="5815538"/>
+            <a:ext cx="957943" cy="369332"/>
+          </a:xfrm>
+          <a:prstGeom prst="rect">
+            <a:avLst/>
+          </a:prstGeom>
+          <a:noFill/>
+        </p:spPr>
+        <p:txBody>
+          <a:bodyPr wrap="square" rtlCol="0">
+            <a:spAutoFit/>
+          </a:bodyPr>
+          <a:lstStyle/>
+          <a:p>
+            <a:r>
+              <a:rPr lang="en-US" dirty="0" smtClean="0"/>
+              <a:t>0%</a:t>
+            </a:r>
+            <a:endParaRPr lang="en-US" dirty="0"/>
+          </a:p>
+        </p:txBody>
+      </p:sp>
+      <p:cxnSp>
+        <p:nvCxnSpPr>
+          <p:cNvPr id="11" name="Straight Connector 10"/>
+          <p:cNvCxnSpPr/>
+          <p:nvPr/>
+        </p:nvCxnSpPr>
+        <p:spPr>
+          <a:xfrm flipH="1">
+            <a:off x="1996440" y="940525"/>
+            <a:ext cx="552993" cy="0"/>
+          </a:xfrm>
+          <a:prstGeom prst="line">
+            <a:avLst/>
+          </a:prstGeom>
+        </p:spPr>
+        <p:style>
+          <a:lnRef idx="1">
+            <a:schemeClr val="accent1"/>
+          </a:lnRef>
+          <a:fillRef idx="0">
+            <a:schemeClr val="accent1"/>
+          </a:fillRef>
+          <a:effectRef idx="0">
+            <a:schemeClr val="accent1"/>
+          </a:effectRef>
+          <a:fontRef idx="minor">
+            <a:schemeClr val="tx1"/>
+          </a:fontRef>
+        </p:style>
+      </p:cxnSp>
+      <p:cxnSp>
+        <p:nvCxnSpPr>
+          <p:cNvPr id="15" name="Straight Connector 14"/>
+          <p:cNvCxnSpPr/>
+          <p:nvPr/>
+        </p:nvCxnSpPr>
+        <p:spPr>
+          <a:xfrm flipH="1">
+            <a:off x="1979023" y="6184870"/>
+            <a:ext cx="552993" cy="0"/>
+          </a:xfrm>
+          <a:prstGeom prst="line">
+            <a:avLst/>
+          </a:prstGeom>
+        </p:spPr>
+        <p:style>
+          <a:lnRef idx="1">
+            <a:schemeClr val="accent1"/>
+          </a:lnRef>
+          <a:fillRef idx="0">
+            <a:schemeClr val="accent1"/>
+          </a:fillRef>
+          <a:effectRef idx="0">
+            <a:schemeClr val="accent1"/>
+          </a:effectRef>
+          <a:fontRef idx="minor">
+            <a:schemeClr val="tx1"/>
+          </a:fontRef>
+        </p:style>
+      </p:cxnSp>
+      <p:sp>
+        <p:nvSpPr>
+          <p:cNvPr id="17" name="Title 16"/>
+          <p:cNvSpPr>
+            <a:spLocks noGrp="1"/>
+          </p:cNvSpPr>
+          <p:nvPr>
+            <p:ph type="title"/>
+          </p:nvPr>
+        </p:nvSpPr>
+        <p:spPr>
+          <a:xfrm>
+            <a:off x="6237511" y="722811"/>
+            <a:ext cx="4572626" cy="1398071"/>
+          </a:xfrm>
+        </p:spPr>
+        <p:txBody>
+          <a:bodyPr>
+            <a:normAutofit/>
+          </a:bodyPr>
+          <a:lstStyle/>
+          <a:p>
+            <a:r>
+              <a:rPr lang="en-US" dirty="0" smtClean="0"/>
+              <a:t>Have information from this group</a:t>
+            </a:r>
+            <a:endParaRPr lang="en-US" dirty="0"/>
+          </a:p>
+        </p:txBody>
+      </p:sp>
+      <p:sp>
+        <p:nvSpPr>
+          <p:cNvPr id="20" name="Oval 19"/>
+          <p:cNvSpPr/>
+          <p:nvPr/>
+        </p:nvSpPr>
+        <p:spPr>
+          <a:xfrm>
+            <a:off x="2899955" y="1035537"/>
+            <a:ext cx="200297" cy="165463"/>
+          </a:xfrm>
+          <a:prstGeom prst="ellipse">
+            <a:avLst/>
+          </a:prstGeom>
+          <a:solidFill>
+            <a:srgbClr val="FFFF00"/>
+          </a:solidFill>
+        </p:spPr>
+        <p:style>
+          <a:lnRef idx="2">
+            <a:schemeClr val="accent1">
+              <a:shade val="50000"/>
+            </a:schemeClr>
+          </a:lnRef>
+          <a:fillRef idx="1">
+            <a:schemeClr val="accent1"/>
+          </a:fillRef>
+          <a:effectRef idx="0">
+            <a:schemeClr val="accent1"/>
+          </a:effectRef>
+          <a:fontRef idx="minor">
+            <a:schemeClr val="lt1"/>
+          </a:fontRef>
+        </p:style>
+        <p:txBody>
+          <a:bodyPr rtlCol="0" anchor="ctr"/>
+          <a:lstStyle/>
+          <a:p>
+            <a:pPr algn="ctr"/>
+            <a:endParaRPr lang="en-US"/>
+          </a:p>
+        </p:txBody>
+      </p:sp>
+      <p:sp>
+        <p:nvSpPr>
+          <p:cNvPr id="21" name="Oval 20"/>
+          <p:cNvSpPr/>
+          <p:nvPr/>
+        </p:nvSpPr>
+        <p:spPr>
+          <a:xfrm>
+            <a:off x="4245427" y="1118268"/>
+            <a:ext cx="200297" cy="165463"/>
+          </a:xfrm>
+          <a:prstGeom prst="ellipse">
+            <a:avLst/>
+          </a:prstGeom>
+          <a:solidFill>
+            <a:srgbClr val="FFFF00"/>
+          </a:solidFill>
+        </p:spPr>
+        <p:style>
+          <a:lnRef idx="2">
+            <a:schemeClr val="accent1">
+              <a:shade val="50000"/>
+            </a:schemeClr>
+          </a:lnRef>
+          <a:fillRef idx="1">
+            <a:schemeClr val="accent1"/>
+          </a:fillRef>
+          <a:effectRef idx="0">
+            <a:schemeClr val="accent1"/>
+          </a:effectRef>
+          <a:fontRef idx="minor">
+            <a:schemeClr val="lt1"/>
+          </a:fontRef>
+        </p:style>
+        <p:txBody>
+          <a:bodyPr rtlCol="0" anchor="ctr"/>
+          <a:lstStyle/>
+          <a:p>
+            <a:pPr algn="ctr"/>
+            <a:endParaRPr lang="en-US"/>
+          </a:p>
+        </p:txBody>
+      </p:sp>
+      <p:sp>
+        <p:nvSpPr>
+          <p:cNvPr id="22" name="Oval 21"/>
+          <p:cNvSpPr/>
+          <p:nvPr/>
+        </p:nvSpPr>
+        <p:spPr>
+          <a:xfrm>
+            <a:off x="4504507" y="1526787"/>
+            <a:ext cx="200297" cy="165463"/>
+          </a:xfrm>
+          <a:prstGeom prst="ellipse">
+            <a:avLst/>
+          </a:prstGeom>
+          <a:solidFill>
+            <a:srgbClr val="FFFF00"/>
+          </a:solidFill>
+        </p:spPr>
+        <p:style>
+          <a:lnRef idx="2">
+            <a:schemeClr val="accent1">
+              <a:shade val="50000"/>
+            </a:schemeClr>
+          </a:lnRef>
+          <a:fillRef idx="1">
+            <a:schemeClr val="accent1"/>
+          </a:fillRef>
+          <a:effectRef idx="0">
+            <a:schemeClr val="accent1"/>
+          </a:effectRef>
+          <a:fontRef idx="minor">
+            <a:schemeClr val="lt1"/>
+          </a:fontRef>
+        </p:style>
+        <p:txBody>
+          <a:bodyPr rtlCol="0" anchor="ctr"/>
+          <a:lstStyle/>
+          <a:p>
+            <a:pPr algn="ctr"/>
+            <a:endParaRPr lang="en-US"/>
+          </a:p>
+        </p:txBody>
+      </p:sp>
+      <p:sp>
+        <p:nvSpPr>
+          <p:cNvPr id="23" name="Oval 22"/>
+          <p:cNvSpPr/>
+          <p:nvPr/>
+        </p:nvSpPr>
+        <p:spPr>
+          <a:xfrm>
+            <a:off x="3328850" y="1466611"/>
+            <a:ext cx="200297" cy="165463"/>
+          </a:xfrm>
+          <a:prstGeom prst="ellipse">
+            <a:avLst/>
+          </a:prstGeom>
+          <a:solidFill>
+            <a:srgbClr val="FFFF00"/>
+          </a:solidFill>
+        </p:spPr>
+        <p:style>
+          <a:lnRef idx="2">
+            <a:schemeClr val="accent1">
+              <a:shade val="50000"/>
+            </a:schemeClr>
+          </a:lnRef>
+          <a:fillRef idx="1">
+            <a:schemeClr val="accent1"/>
+          </a:fillRef>
+          <a:effectRef idx="0">
+            <a:schemeClr val="accent1"/>
+          </a:effectRef>
+          <a:fontRef idx="minor">
+            <a:schemeClr val="lt1"/>
+          </a:fontRef>
+        </p:style>
+        <p:txBody>
+          <a:bodyPr rtlCol="0" anchor="ctr"/>
+          <a:lstStyle/>
+          <a:p>
+            <a:pPr algn="ctr"/>
+            <a:endParaRPr lang="en-US"/>
+          </a:p>
+        </p:txBody>
+      </p:sp>
+      <p:sp>
+        <p:nvSpPr>
+          <p:cNvPr id="24" name="Oval 23"/>
+          <p:cNvSpPr/>
+          <p:nvPr/>
+        </p:nvSpPr>
+        <p:spPr>
+          <a:xfrm>
+            <a:off x="3062695" y="4631298"/>
+            <a:ext cx="200297" cy="165463"/>
+          </a:xfrm>
+          <a:prstGeom prst="ellipse">
+            <a:avLst/>
+          </a:prstGeom>
+          <a:solidFill>
+            <a:srgbClr val="FF0000"/>
+          </a:solidFill>
+        </p:spPr>
+        <p:style>
+          <a:lnRef idx="2">
+            <a:schemeClr val="accent1">
+              <a:shade val="50000"/>
+            </a:schemeClr>
+          </a:lnRef>
+          <a:fillRef idx="1">
+            <a:schemeClr val="accent1"/>
+          </a:fillRef>
+          <a:effectRef idx="0">
+            <a:schemeClr val="accent1"/>
+          </a:effectRef>
+          <a:fontRef idx="minor">
+            <a:schemeClr val="lt1"/>
+          </a:fontRef>
+        </p:style>
+        <p:txBody>
+          <a:bodyPr rtlCol="0" anchor="ctr"/>
+          <a:lstStyle/>
+          <a:p>
+            <a:pPr algn="ctr"/>
+            <a:endParaRPr lang="en-US"/>
+          </a:p>
+        </p:txBody>
+      </p:sp>
+      <p:sp>
+        <p:nvSpPr>
+          <p:cNvPr id="26" name="Oval 25"/>
+          <p:cNvSpPr/>
+          <p:nvPr/>
+        </p:nvSpPr>
+        <p:spPr>
+          <a:xfrm>
+            <a:off x="4892040" y="940525"/>
+            <a:ext cx="200297" cy="165463"/>
+          </a:xfrm>
+          <a:prstGeom prst="ellipse">
+            <a:avLst/>
+          </a:prstGeom>
+          <a:solidFill>
+            <a:srgbClr val="FFFF00"/>
+          </a:solidFill>
+        </p:spPr>
+        <p:style>
+          <a:lnRef idx="2">
+            <a:schemeClr val="accent1">
+              <a:shade val="50000"/>
+            </a:schemeClr>
+          </a:lnRef>
+          <a:fillRef idx="1">
+            <a:schemeClr val="accent1"/>
+          </a:fillRef>
+          <a:effectRef idx="0">
+            <a:schemeClr val="accent1"/>
+          </a:effectRef>
+          <a:fontRef idx="minor">
+            <a:schemeClr val="lt1"/>
+          </a:fontRef>
+        </p:style>
+        <p:txBody>
+          <a:bodyPr rtlCol="0" anchor="ctr"/>
+          <a:lstStyle/>
+          <a:p>
+            <a:pPr algn="ctr"/>
+            <a:endParaRPr lang="en-US"/>
+          </a:p>
+        </p:txBody>
+      </p:sp>
+      <p:sp>
+        <p:nvSpPr>
+          <p:cNvPr id="27" name="Oval 26"/>
+          <p:cNvSpPr/>
+          <p:nvPr/>
+        </p:nvSpPr>
+        <p:spPr>
+          <a:xfrm>
+            <a:off x="5292634" y="1278593"/>
+            <a:ext cx="200297" cy="165463"/>
+          </a:xfrm>
+          <a:prstGeom prst="ellipse">
+            <a:avLst/>
+          </a:prstGeom>
+          <a:solidFill>
+            <a:srgbClr val="FFFF00"/>
+          </a:solidFill>
+        </p:spPr>
+        <p:style>
+          <a:lnRef idx="2">
+            <a:schemeClr val="accent1">
+              <a:shade val="50000"/>
+            </a:schemeClr>
+          </a:lnRef>
+          <a:fillRef idx="1">
+            <a:schemeClr val="accent1"/>
+          </a:fillRef>
+          <a:effectRef idx="0">
+            <a:schemeClr val="accent1"/>
+          </a:effectRef>
+          <a:fontRef idx="minor">
+            <a:schemeClr val="lt1"/>
+          </a:fontRef>
+        </p:style>
+        <p:txBody>
+          <a:bodyPr rtlCol="0" anchor="ctr"/>
+          <a:lstStyle/>
+          <a:p>
+            <a:pPr algn="ctr"/>
+            <a:endParaRPr lang="en-US"/>
+          </a:p>
+        </p:txBody>
+      </p:sp>
+      <p:sp>
+        <p:nvSpPr>
+          <p:cNvPr id="28" name="Oval 27"/>
+          <p:cNvSpPr/>
+          <p:nvPr/>
+        </p:nvSpPr>
+        <p:spPr>
+          <a:xfrm>
+            <a:off x="3013166" y="1827670"/>
+            <a:ext cx="200297" cy="165463"/>
+          </a:xfrm>
+          <a:prstGeom prst="ellipse">
+            <a:avLst/>
+          </a:prstGeom>
+          <a:solidFill>
+            <a:srgbClr val="FFFF00"/>
+          </a:solidFill>
+        </p:spPr>
+        <p:style>
+          <a:lnRef idx="2">
+            <a:schemeClr val="accent1">
+              <a:shade val="50000"/>
+            </a:schemeClr>
+          </a:lnRef>
+          <a:fillRef idx="1">
+            <a:schemeClr val="accent1"/>
+          </a:fillRef>
+          <a:effectRef idx="0">
+            <a:schemeClr val="accent1"/>
+          </a:effectRef>
+          <a:fontRef idx="minor">
+            <a:schemeClr val="lt1"/>
+          </a:fontRef>
+        </p:style>
+        <p:txBody>
+          <a:bodyPr rtlCol="0" anchor="ctr"/>
+          <a:lstStyle/>
+          <a:p>
+            <a:pPr algn="ctr"/>
+            <a:endParaRPr lang="en-US"/>
+          </a:p>
+        </p:txBody>
+      </p:sp>
+      <p:sp>
+        <p:nvSpPr>
+          <p:cNvPr id="29" name="Oval 28"/>
+          <p:cNvSpPr/>
+          <p:nvPr/>
+        </p:nvSpPr>
+        <p:spPr>
+          <a:xfrm>
+            <a:off x="5092337" y="1673485"/>
+            <a:ext cx="200297" cy="165463"/>
+          </a:xfrm>
+          <a:prstGeom prst="ellipse">
+            <a:avLst/>
+          </a:prstGeom>
+          <a:solidFill>
+            <a:srgbClr val="FFFF00"/>
+          </a:solidFill>
+        </p:spPr>
+        <p:style>
+          <a:lnRef idx="2">
+            <a:schemeClr val="accent1">
+              <a:shade val="50000"/>
+            </a:schemeClr>
+          </a:lnRef>
+          <a:fillRef idx="1">
+            <a:schemeClr val="accent1"/>
+          </a:fillRef>
+          <a:effectRef idx="0">
+            <a:schemeClr val="accent1"/>
+          </a:effectRef>
+          <a:fontRef idx="minor">
+            <a:schemeClr val="lt1"/>
+          </a:fontRef>
+        </p:style>
+        <p:txBody>
+          <a:bodyPr rtlCol="0" anchor="ctr"/>
+          <a:lstStyle/>
+          <a:p>
+            <a:pPr algn="ctr"/>
+            <a:endParaRPr lang="en-US"/>
+          </a:p>
+        </p:txBody>
+      </p:sp>
+      <p:sp>
+        <p:nvSpPr>
+          <p:cNvPr id="30" name="Oval 29"/>
+          <p:cNvSpPr/>
+          <p:nvPr/>
+        </p:nvSpPr>
+        <p:spPr>
+          <a:xfrm>
+            <a:off x="3688080" y="949234"/>
+            <a:ext cx="200297" cy="165463"/>
+          </a:xfrm>
+          <a:prstGeom prst="ellipse">
+            <a:avLst/>
+          </a:prstGeom>
+          <a:solidFill>
+            <a:srgbClr val="FFFF00"/>
+          </a:solidFill>
+        </p:spPr>
+        <p:style>
+          <a:lnRef idx="2">
+            <a:schemeClr val="accent1">
+              <a:shade val="50000"/>
+            </a:schemeClr>
+          </a:lnRef>
+          <a:fillRef idx="1">
+            <a:schemeClr val="accent1"/>
+          </a:fillRef>
+          <a:effectRef idx="0">
+            <a:schemeClr val="accent1"/>
+          </a:effectRef>
+          <a:fontRef idx="minor">
+            <a:schemeClr val="lt1"/>
+          </a:fontRef>
+        </p:style>
+        <p:txBody>
+          <a:bodyPr rtlCol="0" anchor="ctr"/>
+          <a:lstStyle/>
+          <a:p>
+            <a:pPr algn="ctr"/>
+            <a:endParaRPr lang="en-US"/>
+          </a:p>
+        </p:txBody>
+      </p:sp>
+      <p:sp>
+        <p:nvSpPr>
+          <p:cNvPr id="31" name="Oval 30"/>
+          <p:cNvSpPr/>
+          <p:nvPr/>
+        </p:nvSpPr>
+        <p:spPr>
+          <a:xfrm>
+            <a:off x="3936273" y="1444056"/>
+            <a:ext cx="200297" cy="165463"/>
+          </a:xfrm>
+          <a:prstGeom prst="ellipse">
+            <a:avLst/>
+          </a:prstGeom>
+          <a:solidFill>
+            <a:srgbClr val="FFFF00"/>
+          </a:solidFill>
+        </p:spPr>
+        <p:style>
+          <a:lnRef idx="2">
+            <a:schemeClr val="accent1">
+              <a:shade val="50000"/>
+            </a:schemeClr>
+          </a:lnRef>
+          <a:fillRef idx="1">
+            <a:schemeClr val="accent1"/>
+          </a:fillRef>
+          <a:effectRef idx="0">
+            <a:schemeClr val="accent1"/>
+          </a:effectRef>
+          <a:fontRef idx="minor">
+            <a:schemeClr val="lt1"/>
+          </a:fontRef>
+        </p:style>
+        <p:txBody>
+          <a:bodyPr rtlCol="0" anchor="ctr"/>
+          <a:lstStyle/>
+          <a:p>
+            <a:pPr algn="ctr"/>
+            <a:endParaRPr lang="en-US"/>
+          </a:p>
+        </p:txBody>
+      </p:sp>
+      <p:sp>
+        <p:nvSpPr>
+          <p:cNvPr id="25" name="Title 16"/>
+          <p:cNvSpPr txBox="1">
+            <a:spLocks/>
+          </p:cNvSpPr>
+          <p:nvPr/>
+        </p:nvSpPr>
+        <p:spPr>
+          <a:xfrm>
+            <a:off x="6372494" y="4158343"/>
+            <a:ext cx="4572626" cy="1398071"/>
+          </a:xfrm>
+          <a:prstGeom prst="rect">
+            <a:avLst/>
+          </a:prstGeom>
+        </p:spPr>
+        <p:txBody>
+          <a:bodyPr vert="horz" lIns="91440" tIns="45720" rIns="91440" bIns="45720" rtlCol="0" anchor="ctr">
+            <a:normAutofit/>
+          </a:bodyPr>
+          <a:lstStyle>
+            <a:lvl1pPr algn="ctr" defTabSz="914400" rtl="0" eaLnBrk="1" latinLnBrk="0" hangingPunct="1">
+              <a:lnSpc>
+                <a:spcPct val="90000"/>
+              </a:lnSpc>
+              <a:spcBef>
+                <a:spcPct val="0"/>
+              </a:spcBef>
+              <a:buNone/>
+              <a:defRPr sz="3600" kern="1200" cap="all" baseline="0">
+                <a:solidFill>
+                  <a:schemeClr val="tx1"/>
+                </a:solidFill>
+                <a:effectLst/>
+                <a:latin typeface="+mj-lt"/>
+                <a:ea typeface="+mj-ea"/>
+                <a:cs typeface="+mj-cs"/>
+              </a:defRPr>
+            </a:lvl1pPr>
+          </a:lstStyle>
+          <a:p>
+            <a:r>
+              <a:rPr lang="en-US" dirty="0" smtClean="0"/>
+              <a:t>Want to know about this Group</a:t>
+            </a:r>
+            <a:endParaRPr lang="en-US" dirty="0"/>
+          </a:p>
+        </p:txBody>
+      </p:sp>
+      <p:sp>
+        <p:nvSpPr>
+          <p:cNvPr id="32" name="Oval 31"/>
+          <p:cNvSpPr/>
+          <p:nvPr/>
+        </p:nvSpPr>
+        <p:spPr>
+          <a:xfrm>
+            <a:off x="4431024" y="4646709"/>
+            <a:ext cx="200297" cy="165463"/>
+          </a:xfrm>
+          <a:prstGeom prst="ellipse">
+            <a:avLst/>
+          </a:prstGeom>
+          <a:solidFill>
+            <a:srgbClr val="FF0000"/>
+          </a:solidFill>
+        </p:spPr>
+        <p:style>
+          <a:lnRef idx="2">
+            <a:schemeClr val="accent1">
+              <a:shade val="50000"/>
+            </a:schemeClr>
+          </a:lnRef>
+          <a:fillRef idx="1">
+            <a:schemeClr val="accent1"/>
+          </a:fillRef>
+          <a:effectRef idx="0">
+            <a:schemeClr val="accent1"/>
+          </a:effectRef>
+          <a:fontRef idx="minor">
+            <a:schemeClr val="lt1"/>
+          </a:fontRef>
+        </p:style>
+        <p:txBody>
+          <a:bodyPr rtlCol="0" anchor="ctr"/>
+          <a:lstStyle/>
+          <a:p>
+            <a:pPr algn="ctr"/>
+            <a:endParaRPr lang="en-US"/>
+          </a:p>
+        </p:txBody>
+      </p:sp>
+      <p:sp>
+        <p:nvSpPr>
+          <p:cNvPr id="33" name="Oval 32"/>
+          <p:cNvSpPr/>
+          <p:nvPr/>
+        </p:nvSpPr>
+        <p:spPr>
+          <a:xfrm>
+            <a:off x="3717471" y="5209290"/>
+            <a:ext cx="200297" cy="165463"/>
+          </a:xfrm>
+          <a:prstGeom prst="ellipse">
+            <a:avLst/>
+          </a:prstGeom>
+          <a:solidFill>
+            <a:srgbClr val="FF0000"/>
+          </a:solidFill>
+        </p:spPr>
+        <p:style>
+          <a:lnRef idx="2">
+            <a:schemeClr val="accent1">
+              <a:shade val="50000"/>
+            </a:schemeClr>
+          </a:lnRef>
+          <a:fillRef idx="1">
+            <a:schemeClr val="accent1"/>
+          </a:fillRef>
+          <a:effectRef idx="0">
+            <a:schemeClr val="accent1"/>
+          </a:effectRef>
+          <a:fontRef idx="minor">
+            <a:schemeClr val="lt1"/>
+          </a:fontRef>
+        </p:style>
+        <p:txBody>
+          <a:bodyPr rtlCol="0" anchor="ctr"/>
+          <a:lstStyle/>
+          <a:p>
+            <a:pPr algn="ctr"/>
+            <a:endParaRPr lang="en-US"/>
+          </a:p>
+        </p:txBody>
+      </p:sp>
+      <p:sp>
+        <p:nvSpPr>
+          <p:cNvPr id="34" name="Oval 33"/>
+          <p:cNvSpPr/>
+          <p:nvPr/>
+        </p:nvSpPr>
+        <p:spPr>
+          <a:xfrm>
+            <a:off x="3000103" y="5562459"/>
+            <a:ext cx="200297" cy="165463"/>
+          </a:xfrm>
+          <a:prstGeom prst="ellipse">
+            <a:avLst/>
+          </a:prstGeom>
+          <a:solidFill>
+            <a:srgbClr val="FF0000"/>
+          </a:solidFill>
+        </p:spPr>
+        <p:style>
+          <a:lnRef idx="2">
+            <a:schemeClr val="accent1">
+              <a:shade val="50000"/>
+            </a:schemeClr>
+          </a:lnRef>
+          <a:fillRef idx="1">
+            <a:schemeClr val="accent1"/>
+          </a:fillRef>
+          <a:effectRef idx="0">
+            <a:schemeClr val="accent1"/>
+          </a:effectRef>
+          <a:fontRef idx="minor">
+            <a:schemeClr val="lt1"/>
+          </a:fontRef>
+        </p:style>
+        <p:txBody>
+          <a:bodyPr rtlCol="0" anchor="ctr"/>
+          <a:lstStyle/>
+          <a:p>
+            <a:pPr algn="ctr"/>
+            <a:endParaRPr lang="en-US"/>
+          </a:p>
+        </p:txBody>
+      </p:sp>
+      <p:sp>
+        <p:nvSpPr>
+          <p:cNvPr id="35" name="Oval 34"/>
+          <p:cNvSpPr/>
+          <p:nvPr/>
+        </p:nvSpPr>
+        <p:spPr>
+          <a:xfrm>
+            <a:off x="3847008" y="4761926"/>
+            <a:ext cx="200297" cy="165463"/>
+          </a:xfrm>
+          <a:prstGeom prst="ellipse">
+            <a:avLst/>
+          </a:prstGeom>
+          <a:solidFill>
+            <a:srgbClr val="FF0000"/>
+          </a:solidFill>
+        </p:spPr>
+        <p:style>
+          <a:lnRef idx="2">
+            <a:schemeClr val="accent1">
+              <a:shade val="50000"/>
+            </a:schemeClr>
+          </a:lnRef>
+          <a:fillRef idx="1">
+            <a:schemeClr val="accent1"/>
+          </a:fillRef>
+          <a:effectRef idx="0">
+            <a:schemeClr val="accent1"/>
+          </a:effectRef>
+          <a:fontRef idx="minor">
+            <a:schemeClr val="lt1"/>
+          </a:fontRef>
+        </p:style>
+        <p:txBody>
+          <a:bodyPr rtlCol="0" anchor="ctr"/>
+          <a:lstStyle/>
+          <a:p>
+            <a:pPr algn="ctr"/>
+            <a:endParaRPr lang="en-US"/>
+          </a:p>
+        </p:txBody>
+      </p:sp>
+      <p:sp>
+        <p:nvSpPr>
+          <p:cNvPr id="36" name="Oval 35"/>
+          <p:cNvSpPr/>
+          <p:nvPr/>
+        </p:nvSpPr>
+        <p:spPr>
+          <a:xfrm>
+            <a:off x="4587235" y="5126559"/>
+            <a:ext cx="200297" cy="165463"/>
+          </a:xfrm>
+          <a:prstGeom prst="ellipse">
+            <a:avLst/>
+          </a:prstGeom>
+          <a:solidFill>
+            <a:srgbClr val="FF0000"/>
+          </a:solidFill>
+        </p:spPr>
+        <p:style>
+          <a:lnRef idx="2">
+            <a:schemeClr val="accent1">
+              <a:shade val="50000"/>
+            </a:schemeClr>
+          </a:lnRef>
+          <a:fillRef idx="1">
+            <a:schemeClr val="accent1"/>
+          </a:fillRef>
+          <a:effectRef idx="0">
+            <a:schemeClr val="accent1"/>
+          </a:effectRef>
+          <a:fontRef idx="minor">
+            <a:schemeClr val="lt1"/>
+          </a:fontRef>
+        </p:style>
+        <p:txBody>
+          <a:bodyPr rtlCol="0" anchor="ctr"/>
+          <a:lstStyle/>
+          <a:p>
+            <a:pPr algn="ctr"/>
+            <a:endParaRPr lang="en-US"/>
+          </a:p>
+        </p:txBody>
+      </p:sp>
+      <p:sp>
+        <p:nvSpPr>
+          <p:cNvPr id="37" name="Oval 36"/>
+          <p:cNvSpPr/>
+          <p:nvPr/>
+        </p:nvSpPr>
+        <p:spPr>
+          <a:xfrm>
+            <a:off x="5292634" y="4714720"/>
+            <a:ext cx="200297" cy="165463"/>
+          </a:xfrm>
+          <a:prstGeom prst="ellipse">
+            <a:avLst/>
+          </a:prstGeom>
+          <a:solidFill>
+            <a:srgbClr val="FF0000"/>
+          </a:solidFill>
+        </p:spPr>
+        <p:style>
+          <a:lnRef idx="2">
+            <a:schemeClr val="accent1">
+              <a:shade val="50000"/>
+            </a:schemeClr>
+          </a:lnRef>
+          <a:fillRef idx="1">
+            <a:schemeClr val="accent1"/>
+          </a:fillRef>
+          <a:effectRef idx="0">
+            <a:schemeClr val="accent1"/>
+          </a:effectRef>
+          <a:fontRef idx="minor">
+            <a:schemeClr val="lt1"/>
+          </a:fontRef>
+        </p:style>
+        <p:txBody>
+          <a:bodyPr rtlCol="0" anchor="ctr"/>
+          <a:lstStyle/>
+          <a:p>
+            <a:pPr algn="ctr"/>
+            <a:endParaRPr lang="en-US"/>
+          </a:p>
+        </p:txBody>
+      </p:sp>
+      <p:sp>
+        <p:nvSpPr>
+          <p:cNvPr id="38" name="Oval 37"/>
+          <p:cNvSpPr/>
+          <p:nvPr/>
+        </p:nvSpPr>
+        <p:spPr>
+          <a:xfrm>
+            <a:off x="3999410" y="5613018"/>
+            <a:ext cx="200297" cy="165463"/>
+          </a:xfrm>
+          <a:prstGeom prst="ellipse">
+            <a:avLst/>
+          </a:prstGeom>
+          <a:solidFill>
+            <a:srgbClr val="FF0000"/>
+          </a:solidFill>
+        </p:spPr>
+        <p:style>
+          <a:lnRef idx="2">
+            <a:schemeClr val="accent1">
+              <a:shade val="50000"/>
+            </a:schemeClr>
+          </a:lnRef>
+          <a:fillRef idx="1">
+            <a:schemeClr val="accent1"/>
+          </a:fillRef>
+          <a:effectRef idx="0">
+            <a:schemeClr val="accent1"/>
+          </a:effectRef>
+          <a:fontRef idx="minor">
+            <a:schemeClr val="lt1"/>
+          </a:fontRef>
+        </p:style>
+        <p:txBody>
+          <a:bodyPr rtlCol="0" anchor="ctr"/>
+          <a:lstStyle/>
+          <a:p>
+            <a:pPr algn="ctr"/>
+            <a:endParaRPr lang="en-US"/>
+          </a:p>
+        </p:txBody>
+      </p:sp>
+      <p:sp>
+        <p:nvSpPr>
+          <p:cNvPr id="39" name="Oval 38"/>
+          <p:cNvSpPr/>
+          <p:nvPr/>
+        </p:nvSpPr>
+        <p:spPr>
+          <a:xfrm>
+            <a:off x="3162843" y="5035937"/>
+            <a:ext cx="200297" cy="165463"/>
+          </a:xfrm>
+          <a:prstGeom prst="ellipse">
+            <a:avLst/>
+          </a:prstGeom>
+          <a:solidFill>
+            <a:srgbClr val="FF0000"/>
+          </a:solidFill>
+        </p:spPr>
+        <p:style>
+          <a:lnRef idx="2">
+            <a:schemeClr val="accent1">
+              <a:shade val="50000"/>
+            </a:schemeClr>
+          </a:lnRef>
+          <a:fillRef idx="1">
+            <a:schemeClr val="accent1"/>
+          </a:fillRef>
+          <a:effectRef idx="0">
+            <a:schemeClr val="accent1"/>
+          </a:effectRef>
+          <a:fontRef idx="minor">
+            <a:schemeClr val="lt1"/>
+          </a:fontRef>
+        </p:style>
+        <p:txBody>
+          <a:bodyPr rtlCol="0" anchor="ctr"/>
+          <a:lstStyle/>
+          <a:p>
+            <a:pPr algn="ctr"/>
+            <a:endParaRPr lang="en-US"/>
+          </a:p>
+        </p:txBody>
+      </p:sp>
+      <p:sp>
+        <p:nvSpPr>
+          <p:cNvPr id="40" name="Oval 39"/>
+          <p:cNvSpPr/>
+          <p:nvPr/>
+        </p:nvSpPr>
+        <p:spPr>
+          <a:xfrm>
+            <a:off x="5185952" y="5562459"/>
+            <a:ext cx="200297" cy="165463"/>
+          </a:xfrm>
+          <a:prstGeom prst="ellipse">
+            <a:avLst/>
+          </a:prstGeom>
+          <a:solidFill>
+            <a:srgbClr val="FF0000"/>
+          </a:solidFill>
+        </p:spPr>
+        <p:style>
+          <a:lnRef idx="2">
+            <a:schemeClr val="accent1">
+              <a:shade val="50000"/>
+            </a:schemeClr>
+          </a:lnRef>
+          <a:fillRef idx="1">
+            <a:schemeClr val="accent1"/>
+          </a:fillRef>
+          <a:effectRef idx="0">
+            <a:schemeClr val="accent1"/>
+          </a:effectRef>
+          <a:fontRef idx="minor">
+            <a:schemeClr val="lt1"/>
+          </a:fontRef>
+        </p:style>
+        <p:txBody>
+          <a:bodyPr rtlCol="0" anchor="ctr"/>
+          <a:lstStyle/>
+          <a:p>
+            <a:pPr algn="ctr"/>
+            <a:endParaRPr lang="en-US"/>
+          </a:p>
+        </p:txBody>
+      </p:sp>
+    </p:spTree>
+    <p:extLst>
+      <p:ext uri="{BB962C8B-B14F-4D97-AF65-F5344CB8AC3E}">
+        <p14:creationId xmlns:p14="http://schemas.microsoft.com/office/powerpoint/2010/main" val="340792028"/>
+      </p:ext>
+    </p:extLst>
+  </p:cSld>
+  <p:clrMapOvr>
+    <a:masterClrMapping/>
+  </p:clrMapOvr>
+  <p:timing>
+    <p:tnLst>
+      <p:par>
+        <p:cTn id="1" dur="indefinite" restart="never" nodeType="tmRoot"/>
+      </p:par>
+    </p:tnLst>
+  </p:timing>
+</p:sld>
+</file>
+
+<file path=ppt/slides/slide21.xml><?xml version="1.0" encoding="utf-8"?>
+<p:sld xmlns:a="http://schemas.openxmlformats.org/drawingml/2006/main" xmlns:r="http://schemas.openxmlformats.org/officeDocument/2006/relationships" xmlns:p="http://schemas.openxmlformats.org/presentationml/2006/main">
+  <p:cSld>
+    <p:spTree>
+      <p:nvGrpSpPr>
+        <p:cNvPr id="1" name=""/>
+        <p:cNvGrpSpPr/>
+        <p:nvPr/>
+      </p:nvGrpSpPr>
+      <p:grpSpPr>
+        <a:xfrm>
+          <a:off x="0" y="0"/>
+          <a:ext cx="0" cy="0"/>
+          <a:chOff x="0" y="0"/>
+          <a:chExt cx="0" cy="0"/>
+        </a:xfrm>
+      </p:grpSpPr>
+      <p:sp>
+        <p:nvSpPr>
+          <p:cNvPr id="4" name="Title 3"/>
+          <p:cNvSpPr>
+            <a:spLocks noGrp="1"/>
+          </p:cNvSpPr>
+          <p:nvPr>
+            <p:ph type="title"/>
+          </p:nvPr>
+        </p:nvSpPr>
+        <p:spPr>
+          <a:xfrm>
+            <a:off x="835398" y="0"/>
+            <a:ext cx="10364451" cy="1596177"/>
+          </a:xfrm>
+        </p:spPr>
+        <p:txBody>
+          <a:bodyPr/>
+          <a:lstStyle/>
+          <a:p>
+            <a:r>
+              <a:rPr lang="en-US" dirty="0" smtClean="0"/>
+              <a:t>Results</a:t>
+            </a:r>
+            <a:endParaRPr lang="en-US" dirty="0"/>
+          </a:p>
+        </p:txBody>
+      </p:sp>
+      <p:sp>
+        <p:nvSpPr>
+          <p:cNvPr id="5" name="Content Placeholder 4"/>
+          <p:cNvSpPr>
+            <a:spLocks noGrp="1"/>
+          </p:cNvSpPr>
+          <p:nvPr>
+            <p:ph sz="quarter" idx="13"/>
+          </p:nvPr>
+        </p:nvSpPr>
+        <p:spPr>
+          <a:xfrm>
+            <a:off x="913774" y="1245326"/>
+            <a:ext cx="10363826" cy="4545873"/>
+          </a:xfrm>
+        </p:spPr>
+        <p:txBody>
+          <a:bodyPr>
+            <a:noAutofit/>
+          </a:bodyPr>
+          <a:lstStyle/>
+          <a:p>
+            <a:r>
+              <a:rPr lang="en-US" sz="2400" cap="none" dirty="0" smtClean="0"/>
+              <a:t>Student Affairs Key Performance Measures relate to each other, </a:t>
+            </a:r>
+            <a:r>
+              <a:rPr lang="en-US" sz="2400" cap="none" dirty="0"/>
+              <a:t/>
+            </a:r>
+            <a:br>
+              <a:rPr lang="en-US" sz="2400" cap="none" dirty="0"/>
+            </a:br>
+            <a:r>
+              <a:rPr lang="en-US" sz="2400" cap="none" dirty="0" smtClean="0"/>
+              <a:t> </a:t>
+            </a:r>
+            <a:r>
+              <a:rPr lang="en-US" sz="2400" cap="none" dirty="0" smtClean="0"/>
+              <a:t>but </a:t>
+            </a:r>
+            <a:r>
+              <a:rPr lang="en-US" sz="2400" cap="none" dirty="0" smtClean="0"/>
+              <a:t>not to intended outcomes</a:t>
+            </a:r>
+          </a:p>
+          <a:p>
+            <a:pPr lvl="1"/>
+            <a:r>
+              <a:rPr lang="en-US" sz="2000" cap="none" dirty="0" smtClean="0"/>
+              <a:t>SOB – Engagement - Satisfaction</a:t>
+            </a:r>
+          </a:p>
+          <a:p>
+            <a:pPr lvl="1"/>
+            <a:r>
+              <a:rPr lang="en-US" sz="2000" cap="none" dirty="0" smtClean="0"/>
+              <a:t>Resiliency and Thoughts of Leaving do not predict much</a:t>
+            </a:r>
+          </a:p>
+          <a:p>
+            <a:r>
+              <a:rPr lang="en-US" sz="2400" cap="none" dirty="0" smtClean="0"/>
+              <a:t>When comparing intend outcome proxies in the survey, things look good, but…..</a:t>
+            </a:r>
+          </a:p>
+          <a:p>
+            <a:r>
+              <a:rPr lang="en-US" sz="2400" cap="none" dirty="0" smtClean="0"/>
+              <a:t>When compared to System Level </a:t>
+            </a:r>
+            <a:r>
+              <a:rPr lang="en-US" sz="2400" cap="none" dirty="0" smtClean="0"/>
+              <a:t>Data</a:t>
+            </a:r>
+            <a:r>
+              <a:rPr lang="en-US" sz="2400" cap="none" dirty="0" smtClean="0"/>
+              <a:t>, Student </a:t>
+            </a:r>
+            <a:r>
+              <a:rPr lang="en-US" sz="2400" cap="none" dirty="0"/>
+              <a:t>Affairs Key Performance Measures </a:t>
+            </a:r>
+            <a:r>
+              <a:rPr lang="en-US" sz="2400" cap="none" dirty="0" smtClean="0"/>
+              <a:t>do not predict </a:t>
+            </a:r>
+            <a:r>
+              <a:rPr lang="en-US" sz="2400" cap="none" dirty="0" smtClean="0"/>
+              <a:t>SIS/MU Connect </a:t>
+            </a:r>
+            <a:r>
+              <a:rPr lang="en-US" sz="2400" cap="none" dirty="0" smtClean="0"/>
+              <a:t>measures of Intended Outcomes </a:t>
+            </a:r>
+          </a:p>
+          <a:p>
+            <a:pPr lvl="1"/>
+            <a:r>
+              <a:rPr lang="en-US" sz="2000" cap="none" dirty="0" smtClean="0"/>
+              <a:t>Academic Success</a:t>
+            </a:r>
+          </a:p>
+          <a:p>
+            <a:pPr lvl="1"/>
+            <a:r>
+              <a:rPr lang="en-US" sz="2000" cap="none" dirty="0" smtClean="0"/>
+              <a:t>Retention </a:t>
+            </a:r>
+          </a:p>
+          <a:p>
+            <a:pPr lvl="1"/>
+            <a:r>
+              <a:rPr lang="en-US" sz="2000" cap="none" dirty="0" smtClean="0"/>
+              <a:t>Graduation</a:t>
+            </a:r>
+            <a:endParaRPr lang="en-US" sz="2000" dirty="0"/>
+          </a:p>
+        </p:txBody>
+      </p:sp>
+    </p:spTree>
+    <p:extLst>
+      <p:ext uri="{BB962C8B-B14F-4D97-AF65-F5344CB8AC3E}">
+        <p14:creationId xmlns:p14="http://schemas.microsoft.com/office/powerpoint/2010/main" val="583272738"/>
+      </p:ext>
+    </p:extLst>
+  </p:cSld>
+  <p:clrMapOvr>
+    <a:masterClrMapping/>
+  </p:clrMapOvr>
+  <p:timing>
+    <p:tnLst>
+      <p:par>
+        <p:cTn id="1" dur="indefinite" restart="never" nodeType="tmRoot"/>
+      </p:par>
+    </p:tnLst>
+  </p:timing>
+</p:sld>
+</file>
+
+<file path=ppt/slides/slide22.xml><?xml version="1.0" encoding="utf-8"?>
+<p:sld xmlns:a="http://schemas.openxmlformats.org/drawingml/2006/main" xmlns:r="http://schemas.openxmlformats.org/officeDocument/2006/relationships" xmlns:p="http://schemas.openxmlformats.org/presentationml/2006/main">
+  <p:cSld>
+    <p:spTree>
+      <p:nvGrpSpPr>
+        <p:cNvPr id="1" name=""/>
+        <p:cNvGrpSpPr/>
+        <p:nvPr/>
+      </p:nvGrpSpPr>
+      <p:grpSpPr>
+        <a:xfrm>
+          <a:off x="0" y="0"/>
+          <a:ext cx="0" cy="0"/>
+          <a:chOff x="0" y="0"/>
+          <a:chExt cx="0" cy="0"/>
+        </a:xfrm>
+      </p:grpSpPr>
+      <p:sp>
+        <p:nvSpPr>
+          <p:cNvPr id="2" name="Title 1"/>
+          <p:cNvSpPr>
+            <a:spLocks noGrp="1"/>
+          </p:cNvSpPr>
+          <p:nvPr>
+            <p:ph type="title"/>
+          </p:nvPr>
+        </p:nvSpPr>
+        <p:spPr>
+          <a:xfrm>
+            <a:off x="1000861" y="0"/>
+            <a:ext cx="10364451" cy="1596177"/>
+          </a:xfrm>
+        </p:spPr>
+        <p:txBody>
+          <a:bodyPr/>
+          <a:lstStyle/>
+          <a:p>
+            <a:r>
+              <a:rPr lang="en-US" dirty="0" smtClean="0"/>
+              <a:t>Limitations</a:t>
+            </a:r>
+            <a:endParaRPr lang="en-US" dirty="0"/>
+          </a:p>
+        </p:txBody>
+      </p:sp>
+      <p:sp>
+        <p:nvSpPr>
+          <p:cNvPr id="3" name="Content Placeholder 2"/>
+          <p:cNvSpPr>
+            <a:spLocks noGrp="1"/>
+          </p:cNvSpPr>
+          <p:nvPr>
+            <p:ph sz="quarter" idx="13"/>
+          </p:nvPr>
+        </p:nvSpPr>
+        <p:spPr>
+          <a:xfrm>
+            <a:off x="913774" y="1410790"/>
+            <a:ext cx="10363826" cy="4380410"/>
+          </a:xfrm>
+        </p:spPr>
+        <p:txBody>
+          <a:bodyPr>
+            <a:normAutofit/>
+          </a:bodyPr>
+          <a:lstStyle/>
+          <a:p>
+            <a:r>
+              <a:rPr lang="en-US" sz="2400" cap="none" dirty="0" smtClean="0"/>
+              <a:t>Student perceptions and intentions are gathered in Spring, rather than Fall Semester</a:t>
+            </a:r>
+          </a:p>
+          <a:p>
+            <a:r>
+              <a:rPr lang="en-US" sz="2400" cap="none" dirty="0"/>
+              <a:t>A</a:t>
+            </a:r>
+            <a:r>
+              <a:rPr lang="en-US" sz="2400" cap="none" dirty="0" smtClean="0"/>
+              <a:t> </a:t>
+            </a:r>
+            <a:r>
+              <a:rPr lang="en-US" sz="2400" cap="none" dirty="0" smtClean="0"/>
+              <a:t>strong Selection Bias among survey respondents compared to non </a:t>
+            </a:r>
+            <a:r>
+              <a:rPr lang="en-US" sz="2400" cap="none" dirty="0" smtClean="0"/>
+              <a:t>respondents</a:t>
+            </a:r>
+          </a:p>
+          <a:p>
+            <a:pPr lvl="1"/>
+            <a:r>
+              <a:rPr lang="en-US" sz="2200" cap="none" dirty="0" smtClean="0"/>
+              <a:t>Respondents do not match type of students we want to know more about</a:t>
+            </a:r>
+            <a:endParaRPr lang="en-US" sz="2200" cap="none" dirty="0" smtClean="0"/>
+          </a:p>
+          <a:p>
+            <a:r>
+              <a:rPr lang="en-US" sz="2400" cap="none" dirty="0" smtClean="0"/>
+              <a:t>Access to data is only recently becoming available.</a:t>
+            </a:r>
+            <a:endParaRPr lang="en-US" sz="2400" cap="none" dirty="0"/>
+          </a:p>
+        </p:txBody>
+      </p:sp>
+    </p:spTree>
+    <p:extLst>
+      <p:ext uri="{BB962C8B-B14F-4D97-AF65-F5344CB8AC3E}">
+        <p14:creationId xmlns:p14="http://schemas.microsoft.com/office/powerpoint/2010/main" val="2999009401"/>
+      </p:ext>
+    </p:extLst>
+  </p:cSld>
+  <p:clrMapOvr>
+    <a:masterClrMapping/>
+  </p:clrMapOvr>
+  <p:timing>
+    <p:tnLst>
+      <p:par>
+        <p:cTn id="1" dur="indefinite" restart="never" nodeType="tmRoot"/>
+      </p:par>
+    </p:tnLst>
+  </p:timing>
+</p:sld>
+</file>
+
+<file path=ppt/slides/slide23.xml><?xml version="1.0" encoding="utf-8"?>
+<p:sld xmlns:a="http://schemas.openxmlformats.org/drawingml/2006/main" xmlns:r="http://schemas.openxmlformats.org/officeDocument/2006/relationships" xmlns:p="http://schemas.openxmlformats.org/presentationml/2006/main">
+  <p:cSld>
+    <p:spTree>
+      <p:nvGrpSpPr>
+        <p:cNvPr id="1" name=""/>
+        <p:cNvGrpSpPr/>
+        <p:nvPr/>
+      </p:nvGrpSpPr>
+      <p:grpSpPr>
+        <a:xfrm>
+          <a:off x="0" y="0"/>
+          <a:ext cx="0" cy="0"/>
+          <a:chOff x="0" y="0"/>
+          <a:chExt cx="0" cy="0"/>
+        </a:xfrm>
+      </p:grpSpPr>
+      <p:sp>
+        <p:nvSpPr>
+          <p:cNvPr id="2" name="Title 1"/>
+          <p:cNvSpPr>
+            <a:spLocks noGrp="1"/>
+          </p:cNvSpPr>
+          <p:nvPr>
+            <p:ph type="title"/>
+          </p:nvPr>
+        </p:nvSpPr>
+        <p:spPr>
+          <a:xfrm>
+            <a:off x="983444" y="0"/>
+            <a:ext cx="10364451" cy="1596177"/>
+          </a:xfrm>
+        </p:spPr>
+        <p:txBody>
+          <a:bodyPr/>
+          <a:lstStyle/>
+          <a:p>
+            <a:r>
+              <a:rPr lang="en-US" dirty="0" smtClean="0"/>
+              <a:t>Recommendations</a:t>
+            </a:r>
+            <a:endParaRPr lang="en-US" dirty="0"/>
+          </a:p>
+        </p:txBody>
+      </p:sp>
+      <p:sp>
+        <p:nvSpPr>
+          <p:cNvPr id="3" name="Content Placeholder 2"/>
+          <p:cNvSpPr>
+            <a:spLocks noGrp="1"/>
+          </p:cNvSpPr>
+          <p:nvPr>
+            <p:ph sz="quarter" idx="13"/>
+          </p:nvPr>
+        </p:nvSpPr>
+        <p:spPr>
+          <a:xfrm>
+            <a:off x="913774" y="1463040"/>
+            <a:ext cx="10363826" cy="4328159"/>
+          </a:xfrm>
+        </p:spPr>
+        <p:txBody>
+          <a:bodyPr>
+            <a:normAutofit fontScale="92500"/>
+          </a:bodyPr>
+          <a:lstStyle/>
+          <a:p>
+            <a:r>
+              <a:rPr lang="en-US" sz="2800" cap="none" dirty="0" smtClean="0"/>
+              <a:t>Fall collection of Key Performance Measures</a:t>
+            </a:r>
+          </a:p>
+          <a:p>
+            <a:r>
+              <a:rPr lang="en-US" sz="2800" cap="none" dirty="0" smtClean="0"/>
+              <a:t>Summer collection of Intended </a:t>
+            </a:r>
+            <a:r>
+              <a:rPr lang="en-US" sz="2800" cap="none" dirty="0" smtClean="0"/>
+              <a:t>Outcomes</a:t>
+            </a:r>
+          </a:p>
+          <a:p>
+            <a:r>
+              <a:rPr lang="en-US" sz="2800" cap="none" dirty="0" smtClean="0"/>
+              <a:t>Devise mean of assuring data from type of students we want to know more about</a:t>
+            </a:r>
+            <a:endParaRPr lang="en-US" sz="2800" cap="none" dirty="0" smtClean="0"/>
+          </a:p>
+          <a:p>
+            <a:r>
+              <a:rPr lang="en-US" sz="2800" cap="none" dirty="0" smtClean="0"/>
+              <a:t>Continue improvement in data access and sharing</a:t>
+            </a:r>
+          </a:p>
+          <a:p>
+            <a:r>
+              <a:rPr lang="en-US" sz="2800" cap="none" dirty="0" smtClean="0"/>
+              <a:t>Allocation of resources to Student Affairs Assessment Team of Data Scientist </a:t>
+            </a:r>
+            <a:endParaRPr lang="en-US" sz="2800" cap="none" dirty="0" smtClean="0"/>
+          </a:p>
+          <a:p>
+            <a:r>
+              <a:rPr lang="en-US" sz="2800" cap="none" dirty="0" smtClean="0"/>
+              <a:t>Avatar databases for strategic planning?</a:t>
+            </a:r>
+            <a:endParaRPr lang="en-US" sz="2800" cap="none" dirty="0"/>
+          </a:p>
+        </p:txBody>
+      </p:sp>
+    </p:spTree>
+    <p:extLst>
+      <p:ext uri="{BB962C8B-B14F-4D97-AF65-F5344CB8AC3E}">
+        <p14:creationId xmlns:p14="http://schemas.microsoft.com/office/powerpoint/2010/main" val="2297675735"/>
+      </p:ext>
+    </p:extLst>
+  </p:cSld>
+  <p:clrMapOvr>
+    <a:masterClrMapping/>
+  </p:clrMapOvr>
+  <p:timing>
+    <p:tnLst>
+      <p:par>
+        <p:cTn id="1" dur="indefinite" restart="never" nodeType="tmRoot"/>
+      </p:par>
+    </p:tnLst>
+  </p:timing>
+</p:sld>
+</file>
+
+<file path=ppt/slides/slide3.xml><?xml version="1.0" encoding="utf-8"?>
+<p:sld xmlns:a="http://schemas.openxmlformats.org/drawingml/2006/main" xmlns:r="http://schemas.openxmlformats.org/officeDocument/2006/relationships" xmlns:p="http://schemas.openxmlformats.org/presentationml/2006/main">
+  <p:cSld>
+    <p:spTree>
+      <p:nvGrpSpPr>
+        <p:cNvPr id="1" name=""/>
+        <p:cNvGrpSpPr/>
+        <p:nvPr/>
+      </p:nvGrpSpPr>
+      <p:grpSpPr>
+        <a:xfrm>
+          <a:off x="0" y="0"/>
+          <a:ext cx="0" cy="0"/>
+          <a:chOff x="0" y="0"/>
+          <a:chExt cx="0" cy="0"/>
+        </a:xfrm>
+      </p:grpSpPr>
+      <p:sp>
+        <p:nvSpPr>
+          <p:cNvPr id="2" name="Title 1"/>
+          <p:cNvSpPr>
+            <a:spLocks noGrp="1"/>
+          </p:cNvSpPr>
+          <p:nvPr>
+            <p:ph type="title"/>
+          </p:nvPr>
+        </p:nvSpPr>
+        <p:spPr>
+          <a:xfrm>
+            <a:off x="913774" y="187442"/>
+            <a:ext cx="10364451" cy="1596177"/>
+          </a:xfrm>
+        </p:spPr>
+        <p:txBody>
+          <a:bodyPr/>
+          <a:lstStyle/>
+          <a:p>
+            <a:r>
+              <a:rPr lang="en-US" dirty="0" smtClean="0"/>
+              <a:t>Key performance Measures</a:t>
+            </a:r>
+            <a:endParaRPr lang="en-US" dirty="0"/>
+          </a:p>
+        </p:txBody>
+      </p:sp>
+      <p:sp>
+        <p:nvSpPr>
+          <p:cNvPr id="3" name="Content Placeholder 2"/>
+          <p:cNvSpPr>
+            <a:spLocks noGrp="1"/>
+          </p:cNvSpPr>
+          <p:nvPr>
+            <p:ph sz="quarter" idx="13"/>
+          </p:nvPr>
+        </p:nvSpPr>
+        <p:spPr>
+          <a:xfrm>
+            <a:off x="914399" y="1531069"/>
+            <a:ext cx="10363826" cy="3424107"/>
+          </a:xfrm>
+        </p:spPr>
+        <p:txBody>
+          <a:bodyPr>
+            <a:noAutofit/>
+          </a:bodyPr>
+          <a:lstStyle/>
+          <a:p>
+            <a:pPr marL="457200" indent="-457200">
+              <a:buFont typeface="+mj-lt"/>
+              <a:buAutoNum type="arabicPeriod"/>
+            </a:pPr>
+            <a:r>
+              <a:rPr lang="en-US" sz="4000" cap="none" dirty="0" smtClean="0"/>
+              <a:t>Sense of Belonging</a:t>
+            </a:r>
+          </a:p>
+          <a:p>
+            <a:pPr marL="457200" indent="-457200">
+              <a:buFont typeface="+mj-lt"/>
+              <a:buAutoNum type="arabicPeriod"/>
+            </a:pPr>
+            <a:r>
+              <a:rPr lang="en-US" sz="4000" cap="none" dirty="0" smtClean="0"/>
+              <a:t>Level of University </a:t>
+            </a:r>
+            <a:r>
+              <a:rPr lang="en-US" sz="4000" cap="none" dirty="0"/>
+              <a:t>E</a:t>
+            </a:r>
+            <a:r>
+              <a:rPr lang="en-US" sz="4000" cap="none" dirty="0" smtClean="0"/>
+              <a:t>ngagement</a:t>
+            </a:r>
+          </a:p>
+          <a:p>
+            <a:pPr marL="457200" indent="-457200">
+              <a:buFont typeface="+mj-lt"/>
+              <a:buAutoNum type="arabicPeriod"/>
+            </a:pPr>
+            <a:r>
+              <a:rPr lang="en-US" sz="4000" cap="none" dirty="0" smtClean="0"/>
+              <a:t>Thoughts of Leaving </a:t>
+            </a:r>
+            <a:r>
+              <a:rPr lang="en-US" sz="4000" cap="none" dirty="0"/>
+              <a:t>S</a:t>
+            </a:r>
+            <a:r>
+              <a:rPr lang="en-US" sz="4000" cap="none" dirty="0" smtClean="0"/>
+              <a:t>chool</a:t>
+            </a:r>
+          </a:p>
+          <a:p>
+            <a:pPr marL="457200" indent="-457200">
+              <a:buFont typeface="+mj-lt"/>
+              <a:buAutoNum type="arabicPeriod"/>
+            </a:pPr>
+            <a:r>
+              <a:rPr lang="en-US" sz="4000" cap="none" dirty="0" smtClean="0"/>
+              <a:t>Resiliency</a:t>
+            </a:r>
+          </a:p>
+          <a:p>
+            <a:pPr marL="457200" indent="-457200">
+              <a:buFont typeface="+mj-lt"/>
+              <a:buAutoNum type="arabicPeriod"/>
+            </a:pPr>
+            <a:r>
+              <a:rPr lang="en-US" sz="4000" cap="none" dirty="0" smtClean="0"/>
+              <a:t>Satisfaction</a:t>
+            </a:r>
+            <a:endParaRPr lang="en-US" sz="4000" cap="none" dirty="0"/>
+          </a:p>
+        </p:txBody>
+      </p:sp>
+    </p:spTree>
+    <p:extLst>
+      <p:ext uri="{BB962C8B-B14F-4D97-AF65-F5344CB8AC3E}">
+        <p14:creationId xmlns:p14="http://schemas.microsoft.com/office/powerpoint/2010/main" val="3749243034"/>
+      </p:ext>
+    </p:extLst>
+  </p:cSld>
+  <p:clrMapOvr>
+    <a:masterClrMapping/>
+  </p:clrMapOvr>
+</p:sld>
+</file>
+
+<file path=ppt/slides/slide4.xml><?xml version="1.0" encoding="utf-8"?>
+<p:sld xmlns:a="http://schemas.openxmlformats.org/drawingml/2006/main" xmlns:r="http://schemas.openxmlformats.org/officeDocument/2006/relationships" xmlns:p="http://schemas.openxmlformats.org/presentationml/2006/main">
+  <p:cSld>
+    <p:spTree>
+      <p:nvGrpSpPr>
+        <p:cNvPr id="1" name=""/>
+        <p:cNvGrpSpPr/>
+        <p:nvPr/>
+      </p:nvGrpSpPr>
+      <p:grpSpPr>
+        <a:xfrm>
+          <a:off x="0" y="0"/>
+          <a:ext cx="0" cy="0"/>
+          <a:chOff x="0" y="0"/>
+          <a:chExt cx="0" cy="0"/>
+        </a:xfrm>
+      </p:grpSpPr>
+      <p:sp>
+        <p:nvSpPr>
+          <p:cNvPr id="2" name="Title 1"/>
+          <p:cNvSpPr>
+            <a:spLocks noGrp="1"/>
+          </p:cNvSpPr>
+          <p:nvPr>
+            <p:ph type="title"/>
+          </p:nvPr>
+        </p:nvSpPr>
+        <p:spPr>
+          <a:xfrm>
+            <a:off x="2119745" y="0"/>
+            <a:ext cx="9157855" cy="1596177"/>
+          </a:xfrm>
+        </p:spPr>
+        <p:txBody>
+          <a:bodyPr>
+            <a:normAutofit/>
+          </a:bodyPr>
+          <a:lstStyle/>
+          <a:p>
+            <a:r>
+              <a:rPr lang="en-US" sz="6600" dirty="0" smtClean="0"/>
+              <a:t>Proposed Outcomes</a:t>
+            </a:r>
+            <a:endParaRPr lang="en-US" sz="6600" dirty="0"/>
+          </a:p>
+        </p:txBody>
+      </p:sp>
+      <p:sp>
+        <p:nvSpPr>
+          <p:cNvPr id="3" name="Content Placeholder 2"/>
+          <p:cNvSpPr>
+            <a:spLocks noGrp="1"/>
+          </p:cNvSpPr>
+          <p:nvPr>
+            <p:ph sz="quarter" idx="13"/>
+          </p:nvPr>
+        </p:nvSpPr>
+        <p:spPr>
+          <a:xfrm>
+            <a:off x="913149" y="1596177"/>
+            <a:ext cx="10363826" cy="3424107"/>
+          </a:xfrm>
+        </p:spPr>
+        <p:txBody>
+          <a:bodyPr>
+            <a:noAutofit/>
+          </a:bodyPr>
+          <a:lstStyle/>
+          <a:p>
+            <a:pPr marL="457200" indent="-457200">
+              <a:buFont typeface="+mj-lt"/>
+              <a:buAutoNum type="arabicPeriod"/>
+            </a:pPr>
+            <a:r>
+              <a:rPr lang="en-US" sz="6000" cap="none" dirty="0" smtClean="0"/>
+              <a:t>Academic Success</a:t>
+            </a:r>
+          </a:p>
+          <a:p>
+            <a:pPr marL="457200" indent="-457200">
+              <a:buFont typeface="+mj-lt"/>
+              <a:buAutoNum type="arabicPeriod"/>
+            </a:pPr>
+            <a:r>
+              <a:rPr lang="en-US" sz="6000" cap="none" dirty="0" smtClean="0"/>
+              <a:t>Retention</a:t>
+            </a:r>
+          </a:p>
+          <a:p>
+            <a:pPr marL="457200" indent="-457200">
+              <a:buFont typeface="+mj-lt"/>
+              <a:buAutoNum type="arabicPeriod"/>
+            </a:pPr>
+            <a:r>
+              <a:rPr lang="en-US" sz="6000" cap="none" dirty="0" smtClean="0"/>
+              <a:t>Graduation</a:t>
+            </a:r>
+          </a:p>
+        </p:txBody>
+      </p:sp>
+    </p:spTree>
+    <p:extLst>
+      <p:ext uri="{BB962C8B-B14F-4D97-AF65-F5344CB8AC3E}">
+        <p14:creationId xmlns:p14="http://schemas.microsoft.com/office/powerpoint/2010/main" val="3315531120"/>
+      </p:ext>
+    </p:extLst>
+  </p:cSld>
+  <p:clrMapOvr>
+    <a:masterClrMapping/>
+  </p:clrMapOvr>
+</p:sld>
+</file>
+
+<file path=ppt/slides/slide5.xml><?xml version="1.0" encoding="utf-8"?>
+<p:sld xmlns:a="http://schemas.openxmlformats.org/drawingml/2006/main" xmlns:r="http://schemas.openxmlformats.org/officeDocument/2006/relationships" xmlns:p="http://schemas.openxmlformats.org/presentationml/2006/main">
+  <p:cSld>
+    <p:spTree>
+      <p:nvGrpSpPr>
+        <p:cNvPr id="1" name=""/>
+        <p:cNvGrpSpPr/>
+        <p:nvPr/>
+      </p:nvGrpSpPr>
+      <p:grpSpPr>
+        <a:xfrm>
+          <a:off x="0" y="0"/>
+          <a:ext cx="0" cy="0"/>
+          <a:chOff x="0" y="0"/>
+          <a:chExt cx="0" cy="0"/>
+        </a:xfrm>
+      </p:grpSpPr>
+      <p:pic>
+        <p:nvPicPr>
+          <p:cNvPr id="2" name="Picture 1"/>
+          <p:cNvPicPr>
+            <a:picLocks noChangeAspect="1"/>
+          </p:cNvPicPr>
+          <p:nvPr/>
+        </p:nvPicPr>
+        <p:blipFill>
+          <a:blip r:embed="rId2"/>
+          <a:stretch>
+            <a:fillRect/>
+          </a:stretch>
+        </p:blipFill>
+        <p:spPr>
+          <a:xfrm>
+            <a:off x="936439" y="189781"/>
+            <a:ext cx="10457143" cy="6527495"/>
+          </a:xfrm>
+          <a:prstGeom prst="rect">
+            <a:avLst/>
+          </a:prstGeom>
+        </p:spPr>
+      </p:pic>
+    </p:spTree>
+    <p:extLst>
+      <p:ext uri="{BB962C8B-B14F-4D97-AF65-F5344CB8AC3E}">
+        <p14:creationId xmlns:p14="http://schemas.microsoft.com/office/powerpoint/2010/main" val="4231759278"/>
+      </p:ext>
+    </p:extLst>
+  </p:cSld>
+  <p:clrMapOvr>
+    <a:masterClrMapping/>
+  </p:clrMapOvr>
+</p:sld>
+</file>
+
+<file path=ppt/slides/slide6.xml><?xml version="1.0" encoding="utf-8"?>
+<p:sld xmlns:a="http://schemas.openxmlformats.org/drawingml/2006/main" xmlns:r="http://schemas.openxmlformats.org/officeDocument/2006/relationships" xmlns:p="http://schemas.openxmlformats.org/presentationml/2006/main">
+  <p:cSld>
+    <p:spTree>
+      <p:nvGrpSpPr>
+        <p:cNvPr id="1" name=""/>
+        <p:cNvGrpSpPr/>
+        <p:nvPr/>
+      </p:nvGrpSpPr>
+      <p:grpSpPr>
+        <a:xfrm>
+          <a:off x="0" y="0"/>
+          <a:ext cx="0" cy="0"/>
+          <a:chOff x="0" y="0"/>
+          <a:chExt cx="0" cy="0"/>
+        </a:xfrm>
+      </p:grpSpPr>
+      <p:pic>
+        <p:nvPicPr>
+          <p:cNvPr id="2" name="Picture 1"/>
+          <p:cNvPicPr>
+            <a:picLocks noChangeAspect="1"/>
+          </p:cNvPicPr>
+          <p:nvPr/>
+        </p:nvPicPr>
+        <p:blipFill>
+          <a:blip r:embed="rId2">
+            <a:clrChange>
+              <a:clrFrom>
+                <a:srgbClr val="FFFFFF"/>
+              </a:clrFrom>
+              <a:clrTo>
+                <a:srgbClr val="FFFFFF">
+                  <a:alpha val="0"/>
+                </a:srgbClr>
+              </a:clrTo>
+            </a:clrChange>
+          </a:blip>
+          <a:stretch>
+            <a:fillRect/>
+          </a:stretch>
+        </p:blipFill>
+        <p:spPr>
+          <a:xfrm>
+            <a:off x="687910" y="718458"/>
+            <a:ext cx="11843723" cy="6453051"/>
+          </a:xfrm>
+          <a:prstGeom prst="rect">
+            <a:avLst/>
+          </a:prstGeom>
+          <a:ln>
+            <a:noFill/>
+          </a:ln>
+          <a:effectLst/>
+          <a:scene3d>
+            <a:camera prst="orthographicFront">
+              <a:rot lat="0" lon="0" rev="0"/>
+            </a:camera>
+            <a:lightRig rig="glow" dir="t">
+              <a:rot lat="0" lon="0" rev="14100000"/>
+            </a:lightRig>
+          </a:scene3d>
+          <a:sp3d prstMaterial="softEdge">
+            <a:bevelT w="127000" prst="artDeco"/>
+          </a:sp3d>
+        </p:spPr>
+      </p:pic>
+    </p:spTree>
+    <p:extLst>
+      <p:ext uri="{BB962C8B-B14F-4D97-AF65-F5344CB8AC3E}">
+        <p14:creationId xmlns:p14="http://schemas.microsoft.com/office/powerpoint/2010/main" val="533436899"/>
+      </p:ext>
+    </p:extLst>
+  </p:cSld>
+  <p:clrMapOvr>
+    <a:masterClrMapping/>
+  </p:clrMapOvr>
+</p:sld>
+</file>
+
+<file path=ppt/slides/slide7.xml><?xml version="1.0" encoding="utf-8"?>
+<p:sld xmlns:a="http://schemas.openxmlformats.org/drawingml/2006/main" xmlns:r="http://schemas.openxmlformats.org/officeDocument/2006/relationships" xmlns:p="http://schemas.openxmlformats.org/presentationml/2006/main">
+  <p:cSld>
+    <p:spTree>
+      <p:nvGrpSpPr>
+        <p:cNvPr id="1" name=""/>
+        <p:cNvGrpSpPr/>
+        <p:nvPr/>
+      </p:nvGrpSpPr>
+      <p:grpSpPr>
+        <a:xfrm>
+          <a:off x="0" y="0"/>
+          <a:ext cx="0" cy="0"/>
+          <a:chOff x="0" y="0"/>
+          <a:chExt cx="0" cy="0"/>
+        </a:xfrm>
+      </p:grpSpPr>
+      <p:sp>
+        <p:nvSpPr>
+          <p:cNvPr id="7" name="Title 6"/>
+          <p:cNvSpPr>
+            <a:spLocks noGrp="1"/>
+          </p:cNvSpPr>
+          <p:nvPr>
+            <p:ph type="title"/>
+          </p:nvPr>
+        </p:nvSpPr>
+        <p:spPr>
+          <a:xfrm>
+            <a:off x="913149" y="0"/>
+            <a:ext cx="10364451" cy="1596177"/>
+          </a:xfrm>
+        </p:spPr>
+        <p:txBody>
+          <a:bodyPr>
+            <a:normAutofit/>
+          </a:bodyPr>
+          <a:lstStyle/>
+          <a:p>
+            <a:r>
+              <a:rPr lang="en-US" sz="6000" dirty="0" smtClean="0"/>
+              <a:t>Data Sources</a:t>
+            </a:r>
+            <a:endParaRPr lang="en-US" sz="6000" dirty="0"/>
+          </a:p>
+        </p:txBody>
+      </p:sp>
+      <p:sp>
+        <p:nvSpPr>
+          <p:cNvPr id="8" name="Content Placeholder 7"/>
+          <p:cNvSpPr>
+            <a:spLocks noGrp="1"/>
+          </p:cNvSpPr>
+          <p:nvPr>
+            <p:ph sz="quarter" idx="13"/>
+          </p:nvPr>
+        </p:nvSpPr>
+        <p:spPr>
+          <a:xfrm>
+            <a:off x="913774" y="1321855"/>
+            <a:ext cx="10363826" cy="4197794"/>
+          </a:xfrm>
+        </p:spPr>
+        <p:txBody>
+          <a:bodyPr>
+            <a:noAutofit/>
+          </a:bodyPr>
+          <a:lstStyle/>
+          <a:p>
+            <a:pPr marL="0" indent="0">
+              <a:buNone/>
+            </a:pPr>
+            <a:r>
+              <a:rPr lang="en-US" sz="3600" cap="none" dirty="0"/>
+              <a:t>Student Experience Survey </a:t>
+            </a:r>
+            <a:r>
+              <a:rPr lang="en-US" sz="3600" cap="none" dirty="0" smtClean="0"/>
+              <a:t>(CampusLabs – SPSS)</a:t>
+            </a:r>
+            <a:endParaRPr lang="en-US" sz="3600" cap="none" dirty="0"/>
+          </a:p>
+          <a:p>
+            <a:pPr marL="0" indent="0">
+              <a:buNone/>
+            </a:pPr>
+            <a:r>
+              <a:rPr lang="en-US" sz="3600" cap="none" dirty="0" smtClean="0"/>
+              <a:t>Student Information System (SQL &amp; Tableau)</a:t>
+            </a:r>
+          </a:p>
+          <a:p>
+            <a:pPr marL="457200" lvl="1" indent="0">
+              <a:buNone/>
+            </a:pPr>
+            <a:r>
+              <a:rPr lang="en-US" sz="3600" cap="none" dirty="0" smtClean="0"/>
+              <a:t>Retention Table</a:t>
+            </a:r>
+          </a:p>
+          <a:p>
+            <a:pPr marL="457200" lvl="1" indent="0">
+              <a:buNone/>
+            </a:pPr>
+            <a:r>
+              <a:rPr lang="en-US" sz="3600" cap="none" dirty="0" smtClean="0"/>
+              <a:t>Census Data</a:t>
+            </a:r>
+          </a:p>
+          <a:p>
+            <a:pPr marL="0" indent="0">
+              <a:buNone/>
+            </a:pPr>
+            <a:r>
+              <a:rPr lang="en-US" sz="3600" cap="none" dirty="0" smtClean="0"/>
+              <a:t>OrgSync – Campus Involvement (API to Excel)</a:t>
+            </a:r>
+          </a:p>
+          <a:p>
+            <a:pPr marL="0" indent="0">
+              <a:buNone/>
+            </a:pPr>
+            <a:r>
+              <a:rPr lang="en-US" sz="3600" cap="none" dirty="0" smtClean="0"/>
+              <a:t>MU Connect – Predictive Analytic Module (API to CSV)</a:t>
+            </a:r>
+          </a:p>
+        </p:txBody>
+      </p:sp>
+    </p:spTree>
+    <p:extLst>
+      <p:ext uri="{BB962C8B-B14F-4D97-AF65-F5344CB8AC3E}">
+        <p14:creationId xmlns:p14="http://schemas.microsoft.com/office/powerpoint/2010/main" val="3585915601"/>
+      </p:ext>
+    </p:extLst>
+  </p:cSld>
+  <p:clrMapOvr>
+    <a:masterClrMapping/>
+  </p:clrMapOvr>
+</p:sld>
+</file>
+
+<file path=ppt/slides/slide8.xml><?xml version="1.0" encoding="utf-8"?>
+<p:sld xmlns:a="http://schemas.openxmlformats.org/drawingml/2006/main" xmlns:r="http://schemas.openxmlformats.org/officeDocument/2006/relationships" xmlns:p="http://schemas.openxmlformats.org/presentationml/2006/main">
+  <p:cSld>
+    <p:spTree>
+      <p:nvGrpSpPr>
+        <p:cNvPr id="1" name=""/>
+        <p:cNvGrpSpPr/>
+        <p:nvPr/>
+      </p:nvGrpSpPr>
+      <p:grpSpPr>
+        <a:xfrm>
+          <a:off x="0" y="0"/>
+          <a:ext cx="0" cy="0"/>
+          <a:chOff x="0" y="0"/>
+          <a:chExt cx="0" cy="0"/>
+        </a:xfrm>
+      </p:grpSpPr>
+      <p:sp>
+        <p:nvSpPr>
+          <p:cNvPr id="2" name="Title 1"/>
+          <p:cNvSpPr>
+            <a:spLocks noGrp="1"/>
+          </p:cNvSpPr>
+          <p:nvPr>
+            <p:ph type="title"/>
+          </p:nvPr>
+        </p:nvSpPr>
+        <p:spPr/>
+        <p:txBody>
+          <a:bodyPr/>
+          <a:lstStyle/>
+          <a:p>
+            <a:pPr algn="ctr"/>
+            <a:r>
+              <a:rPr lang="en-US" dirty="0" smtClean="0"/>
+              <a:t>2017 Student Life Survey</a:t>
+            </a:r>
+            <a:endParaRPr lang="en-US" dirty="0"/>
+          </a:p>
+        </p:txBody>
+      </p:sp>
+      <p:sp>
+        <p:nvSpPr>
+          <p:cNvPr id="3" name="Content Placeholder 2"/>
+          <p:cNvSpPr>
+            <a:spLocks noGrp="1"/>
+          </p:cNvSpPr>
+          <p:nvPr>
+            <p:ph idx="1"/>
+          </p:nvPr>
+        </p:nvSpPr>
+        <p:spPr/>
+        <p:txBody>
+          <a:bodyPr/>
+          <a:lstStyle/>
+          <a:p>
+            <a:pPr marL="0" indent="0">
+              <a:spcBef>
+                <a:spcPts val="0"/>
+              </a:spcBef>
+              <a:spcAft>
+                <a:spcPts val="0"/>
+              </a:spcAft>
+              <a:buNone/>
+            </a:pPr>
+            <a:r>
+              <a:rPr lang="en-US" dirty="0" smtClean="0"/>
+              <a:t>Implemented </a:t>
+            </a:r>
+            <a:r>
+              <a:rPr lang="en-US" dirty="0" smtClean="0">
+                <a:solidFill>
+                  <a:srgbClr val="FF0000"/>
+                </a:solidFill>
+              </a:rPr>
+              <a:t>Spring</a:t>
+            </a:r>
+            <a:r>
+              <a:rPr lang="en-US" dirty="0" smtClean="0"/>
+              <a:t> of 2017 – related to Outcomes measure in Spring 2018</a:t>
+            </a:r>
+          </a:p>
+          <a:p>
+            <a:pPr marL="0" indent="0">
+              <a:spcBef>
+                <a:spcPts val="0"/>
+              </a:spcBef>
+              <a:spcAft>
+                <a:spcPts val="0"/>
+              </a:spcAft>
+              <a:buNone/>
+            </a:pPr>
+            <a:endParaRPr lang="en-US" dirty="0" smtClean="0"/>
+          </a:p>
+          <a:p>
+            <a:pPr marL="0" indent="0">
+              <a:spcBef>
+                <a:spcPts val="0"/>
+              </a:spcBef>
+              <a:spcAft>
+                <a:spcPts val="0"/>
+              </a:spcAft>
+              <a:buNone/>
+            </a:pPr>
+            <a:r>
+              <a:rPr lang="en-US" dirty="0" smtClean="0"/>
+              <a:t>1,247 Responses from 7,000 randomly sampled students</a:t>
+            </a:r>
+          </a:p>
+          <a:p>
+            <a:pPr marL="0" indent="0">
+              <a:spcBef>
+                <a:spcPts val="0"/>
+              </a:spcBef>
+              <a:spcAft>
+                <a:spcPts val="0"/>
+              </a:spcAft>
+              <a:buNone/>
+            </a:pPr>
+            <a:r>
+              <a:rPr lang="en-US" dirty="0"/>
+              <a:t>	</a:t>
+            </a:r>
+            <a:r>
+              <a:rPr lang="en-US" dirty="0" smtClean="0"/>
+              <a:t>5,000 Undergraduates		(N = 877)</a:t>
+            </a:r>
+          </a:p>
+          <a:p>
+            <a:pPr marL="0" indent="0">
+              <a:spcBef>
+                <a:spcPts val="0"/>
+              </a:spcBef>
+              <a:spcAft>
+                <a:spcPts val="0"/>
+              </a:spcAft>
+              <a:buNone/>
+            </a:pPr>
+            <a:r>
+              <a:rPr lang="en-US" dirty="0"/>
+              <a:t>	</a:t>
+            </a:r>
+            <a:r>
+              <a:rPr lang="en-US" dirty="0" smtClean="0"/>
+              <a:t>2,000 Graduates			</a:t>
+            </a:r>
+            <a:r>
+              <a:rPr lang="en-US" dirty="0"/>
+              <a:t>	(N = 370</a:t>
+            </a:r>
+            <a:r>
+              <a:rPr lang="en-US" dirty="0" smtClean="0"/>
+              <a:t>)</a:t>
+            </a:r>
+          </a:p>
+          <a:p>
+            <a:pPr marL="0" indent="0">
+              <a:spcBef>
+                <a:spcPts val="0"/>
+              </a:spcBef>
+              <a:spcAft>
+                <a:spcPts val="0"/>
+              </a:spcAft>
+              <a:buNone/>
+            </a:pPr>
+            <a:endParaRPr lang="en-US" dirty="0"/>
+          </a:p>
+          <a:p>
+            <a:pPr marL="0" indent="0">
+              <a:spcBef>
+                <a:spcPts val="0"/>
+              </a:spcBef>
+              <a:spcAft>
+                <a:spcPts val="0"/>
+              </a:spcAft>
+              <a:buNone/>
+            </a:pPr>
+            <a:r>
+              <a:rPr lang="en-US" dirty="0" smtClean="0"/>
+              <a:t>18% Overall Response Rate</a:t>
+            </a:r>
+          </a:p>
+          <a:p>
+            <a:pPr marL="0" indent="0">
+              <a:spcBef>
+                <a:spcPts val="0"/>
+              </a:spcBef>
+              <a:spcAft>
+                <a:spcPts val="0"/>
+              </a:spcAft>
+              <a:buNone/>
+            </a:pPr>
+            <a:r>
+              <a:rPr lang="en-US" dirty="0"/>
+              <a:t>	</a:t>
+            </a:r>
+            <a:r>
+              <a:rPr lang="en-US" dirty="0" smtClean="0"/>
+              <a:t>17.5%		Undergraduate</a:t>
+            </a:r>
+          </a:p>
+          <a:p>
+            <a:pPr marL="0" indent="0">
+              <a:spcBef>
+                <a:spcPts val="0"/>
+              </a:spcBef>
+              <a:spcAft>
+                <a:spcPts val="0"/>
+              </a:spcAft>
+              <a:buNone/>
+            </a:pPr>
+            <a:r>
+              <a:rPr lang="en-US" dirty="0"/>
+              <a:t>	</a:t>
+            </a:r>
+            <a:r>
+              <a:rPr lang="en-US" dirty="0" smtClean="0"/>
+              <a:t>18.5%		Graduate</a:t>
+            </a:r>
+            <a:endParaRPr lang="en-US" dirty="0"/>
+          </a:p>
+        </p:txBody>
+      </p:sp>
+    </p:spTree>
+    <p:extLst>
+      <p:ext uri="{BB962C8B-B14F-4D97-AF65-F5344CB8AC3E}">
+        <p14:creationId xmlns:p14="http://schemas.microsoft.com/office/powerpoint/2010/main" val="1303652888"/>
+      </p:ext>
+    </p:extLst>
+  </p:cSld>
+  <p:clrMapOvr>
+    <a:masterClrMapping/>
+  </p:clrMapOvr>
+  <p:timing>
+    <p:tnLst>
+      <p:par>
+        <p:cTn id="1" dur="indefinite" restart="never" nodeType="tmRoot"/>
+      </p:par>
+    </p:tnLst>
+  </p:timing>
+</p:sld>
+</file>
+
+<file path=ppt/slides/slide9.xml><?xml version="1.0" encoding="utf-8"?>
+<p:sld xmlns:a="http://schemas.openxmlformats.org/drawingml/2006/main" xmlns:r="http://schemas.openxmlformats.org/officeDocument/2006/relationships" xmlns:p="http://schemas.openxmlformats.org/presentationml/2006/main">
+  <p:cSld>
+    <p:spTree>
+      <p:nvGrpSpPr>
+        <p:cNvPr id="1" name=""/>
+        <p:cNvGrpSpPr/>
+        <p:nvPr/>
+      </p:nvGrpSpPr>
+      <p:grpSpPr>
+        <a:xfrm>
+          <a:off x="0" y="0"/>
+          <a:ext cx="0" cy="0"/>
+          <a:chOff x="0" y="0"/>
+          <a:chExt cx="0" cy="0"/>
+        </a:xfrm>
+      </p:grpSpPr>
+      <p:pic>
+        <p:nvPicPr>
+          <p:cNvPr id="3" name="Picture 2"/>
+          <p:cNvPicPr>
+            <a:picLocks noChangeAspect="1"/>
+          </p:cNvPicPr>
+          <p:nvPr/>
+        </p:nvPicPr>
+        <p:blipFill>
+          <a:blip r:embed="rId2"/>
+          <a:stretch>
+            <a:fillRect/>
+          </a:stretch>
+        </p:blipFill>
+        <p:spPr>
+          <a:xfrm>
+            <a:off x="202775" y="249382"/>
+            <a:ext cx="4802665" cy="3091576"/>
+          </a:xfrm>
+          <a:prstGeom prst="rect">
+            <a:avLst/>
+          </a:prstGeom>
+        </p:spPr>
+      </p:pic>
+      <p:pic>
+        <p:nvPicPr>
+          <p:cNvPr id="4" name="Picture 3"/>
+          <p:cNvPicPr>
+            <a:picLocks noChangeAspect="1"/>
+          </p:cNvPicPr>
+          <p:nvPr/>
+        </p:nvPicPr>
+        <p:blipFill>
+          <a:blip r:embed="rId3"/>
+          <a:stretch>
+            <a:fillRect/>
+          </a:stretch>
+        </p:blipFill>
+        <p:spPr>
+          <a:xfrm>
+            <a:off x="5951913" y="249382"/>
+            <a:ext cx="4780996" cy="3079926"/>
+          </a:xfrm>
+          <a:prstGeom prst="rect">
+            <a:avLst/>
+          </a:prstGeom>
+        </p:spPr>
+      </p:pic>
+      <p:pic>
+        <p:nvPicPr>
+          <p:cNvPr id="5" name="Picture 4"/>
+          <p:cNvPicPr>
+            <a:picLocks noChangeAspect="1"/>
+          </p:cNvPicPr>
+          <p:nvPr/>
+        </p:nvPicPr>
+        <p:blipFill>
+          <a:blip r:embed="rId4"/>
+          <a:stretch>
+            <a:fillRect/>
+          </a:stretch>
+        </p:blipFill>
+        <p:spPr>
+          <a:xfrm>
+            <a:off x="206575" y="3507971"/>
+            <a:ext cx="4798865" cy="3279774"/>
+          </a:xfrm>
+          <a:prstGeom prst="rect">
+            <a:avLst/>
+          </a:prstGeom>
+        </p:spPr>
+      </p:pic>
+      <p:pic>
+        <p:nvPicPr>
+          <p:cNvPr id="6" name="Picture 5"/>
+          <p:cNvPicPr>
+            <a:picLocks noChangeAspect="1"/>
+          </p:cNvPicPr>
+          <p:nvPr/>
+        </p:nvPicPr>
+        <p:blipFill>
+          <a:blip r:embed="rId5"/>
+          <a:stretch>
+            <a:fillRect/>
+          </a:stretch>
+        </p:blipFill>
+        <p:spPr>
+          <a:xfrm>
+            <a:off x="5951913" y="3603789"/>
+            <a:ext cx="4780996" cy="3059838"/>
+          </a:xfrm>
+          <a:prstGeom prst="rect">
+            <a:avLst/>
+          </a:prstGeom>
+        </p:spPr>
+      </p:pic>
+    </p:spTree>
+    <p:extLst>
+      <p:ext uri="{BB962C8B-B14F-4D97-AF65-F5344CB8AC3E}">
+        <p14:creationId xmlns:p14="http://schemas.microsoft.com/office/powerpoint/2010/main" val="3564634272"/>
+      </p:ext>
+    </p:extLst>
+  </p:cSld>
+  <p:clrMapOvr>
+    <a:masterClrMapping/>
+  </p:clrMapOvr>
 </p:sld>
 </file>
 
